--- a/Version 1/Websockets.pptx
+++ b/Version 1/Websockets.pptx
@@ -8,6 +8,11 @@
     <p:sldId id="256" r:id="rId2"/>
     <p:sldId id="257" r:id="rId3"/>
     <p:sldId id="258" r:id="rId4"/>
+    <p:sldId id="259" r:id="rId5"/>
+    <p:sldId id="260" r:id="rId6"/>
+    <p:sldId id="261" r:id="rId7"/>
+    <p:sldId id="262" r:id="rId8"/>
+    <p:sldId id="263" r:id="rId9"/>
   </p:sldIdLst>
   <p:sldSz cx="12192000" cy="6858000"/>
   <p:notesSz cx="6858000" cy="9144000"/>
@@ -106,6 +111,11 @@
       </a:defRPr>
     </a:lvl9pPr>
   </p:defaultTextStyle>
+  <p:extLst>
+    <p:ext uri="{EFAFB233-063F-42B5-8137-9DF3F51BA10A}">
+      <p15:sldGuideLst xmlns:p15="http://schemas.microsoft.com/office/powerpoint/2012/main"/>
+    </p:ext>
+  </p:extLst>
 </p:presentation>
 </file>
 
@@ -5952,8 +5962,8 @@
         </p:nvSpPr>
         <p:spPr>
           <a:xfrm>
-            <a:off x="6586244" y="660544"/>
-            <a:ext cx="5162550" cy="1333500"/>
+            <a:off x="5410200" y="1301635"/>
+            <a:ext cx="6338594" cy="1333500"/>
           </a:xfrm>
         </p:spPr>
         <p:txBody>
@@ -5968,14 +5978,11 @@
                 <a:latin typeface="Calibri" panose="020F0502020204030204" pitchFamily="34" charset="0"/>
                 <a:cs typeface="Calibri" panose="020F0502020204030204" pitchFamily="34" charset="0"/>
               </a:rPr>
-              <a:t> -  </a:t>
-            </a:r>
-            <a:r>
-              <a:rPr lang="en-US" sz="2400" b="1" dirty="0" err="1">
-                <a:latin typeface="Calibri" panose="020F0502020204030204" pitchFamily="34" charset="0"/>
-                <a:cs typeface="Calibri" panose="020F0502020204030204" pitchFamily="34" charset="0"/>
-              </a:rPr>
-              <a:t>websockets</a:t>
+              <a:t> </a:t>
+            </a:r>
+            <a:r>
+              <a:rPr lang="he-IL" dirty="0"/>
+              <a:t>זהו פרוטוקול המאפשר לבצע תקשורת דו-כיוונית על גבי חיבור בודד שנשאר פתוח לכל אורך ההתקשרות ובו כל צד יכול לשלוח מידע לצד השני. הלקוח הוא זה שיוזם את ההתקשרות, ומרגע שהנתיב פעיל בין שני הצדדים, כל צד יכול לשלוח מידע באופן עצמאי לצד השני.</a:t>
             </a:r>
             <a:endParaRPr lang="he-IL" b="1" dirty="0">
               <a:latin typeface="Calibri" panose="020F0502020204030204" pitchFamily="34" charset="0"/>
@@ -6061,7 +6068,7 @@
         </p:blipFill>
         <p:spPr>
           <a:xfrm>
-            <a:off x="443206" y="741305"/>
+            <a:off x="538456" y="1125307"/>
             <a:ext cx="3533187" cy="2098792"/>
           </a:xfrm>
           <a:prstGeom prst="rect">
@@ -6091,7 +6098,7 @@
         </p:blipFill>
         <p:spPr>
           <a:xfrm>
-            <a:off x="443206" y="3633901"/>
+            <a:off x="443206" y="4103750"/>
             <a:ext cx="4247104" cy="1536781"/>
           </a:xfrm>
           <a:prstGeom prst="rect">
@@ -6099,6 +6106,324 @@
           </a:prstGeom>
         </p:spPr>
       </p:pic>
+      <p:sp>
+        <p:nvSpPr>
+          <p:cNvPr id="7" name="תיבת טקסט 6">
+            <a:extLst>
+              <a:ext uri="{FF2B5EF4-FFF2-40B4-BE49-F238E27FC236}">
+                <a16:creationId xmlns:a16="http://schemas.microsoft.com/office/drawing/2014/main" id="{8ACC07B0-557C-4D39-A126-1FC1FF0D600D}"/>
+              </a:ext>
+            </a:extLst>
+          </p:cNvPr>
+          <p:cNvSpPr txBox="1"/>
+          <p:nvPr/>
+        </p:nvSpPr>
+        <p:spPr>
+          <a:xfrm>
+            <a:off x="2766718" y="741305"/>
+            <a:ext cx="8982075" cy="461665"/>
+          </a:xfrm>
+          <a:prstGeom prst="rect">
+            <a:avLst/>
+          </a:prstGeom>
+          <a:noFill/>
+        </p:spPr>
+        <p:txBody>
+          <a:bodyPr wrap="square" rtlCol="1">
+            <a:spAutoFit/>
+          </a:bodyPr>
+          <a:lstStyle/>
+          <a:p>
+            <a:r>
+              <a:rPr lang="en-US" sz="2400" b="1" dirty="0" err="1">
+                <a:solidFill>
+                  <a:schemeClr val="tx1">
+                    <a:alpha val="70000"/>
+                  </a:schemeClr>
+                </a:solidFill>
+                <a:latin typeface="Calibri" panose="020F0502020204030204" pitchFamily="34" charset="0"/>
+                <a:cs typeface="Calibri" panose="020F0502020204030204" pitchFamily="34" charset="0"/>
+              </a:rPr>
+              <a:t>Websocket</a:t>
+            </a:r>
+            <a:r>
+              <a:rPr lang="he-IL" sz="2400" b="1" dirty="0">
+                <a:solidFill>
+                  <a:schemeClr val="tx1">
+                    <a:alpha val="70000"/>
+                  </a:schemeClr>
+                </a:solidFill>
+                <a:latin typeface="Calibri" panose="020F0502020204030204" pitchFamily="34" charset="0"/>
+                <a:cs typeface="Calibri" panose="020F0502020204030204" pitchFamily="34" charset="0"/>
+              </a:rPr>
+              <a:t> - </a:t>
+            </a:r>
+          </a:p>
+        </p:txBody>
+      </p:sp>
+      <p:sp>
+        <p:nvSpPr>
+          <p:cNvPr id="8" name="מציין מיקום תוכן 2">
+            <a:extLst>
+              <a:ext uri="{FF2B5EF4-FFF2-40B4-BE49-F238E27FC236}">
+                <a16:creationId xmlns:a16="http://schemas.microsoft.com/office/drawing/2014/main" id="{20DB476F-5533-4797-9810-09E3009174E2}"/>
+              </a:ext>
+            </a:extLst>
+          </p:cNvPr>
+          <p:cNvSpPr txBox="1">
+            <a:spLocks/>
+          </p:cNvSpPr>
+          <p:nvPr/>
+        </p:nvSpPr>
+        <p:spPr>
+          <a:xfrm>
+            <a:off x="5410200" y="4067296"/>
+            <a:ext cx="6338594" cy="1333500"/>
+          </a:xfrm>
+          <a:prstGeom prst="rect">
+            <a:avLst/>
+          </a:prstGeom>
+        </p:spPr>
+        <p:txBody>
+          <a:bodyPr lIns="0" tIns="0" rIns="0" bIns="0" anchor="t"/>
+          <a:lstStyle>
+            <a:lvl1pPr marL="360000" indent="-360000" algn="l" defTabSz="914400" rtl="0" eaLnBrk="1" latinLnBrk="0" hangingPunct="1">
+              <a:lnSpc>
+                <a:spcPct val="125000"/>
+              </a:lnSpc>
+              <a:spcBef>
+                <a:spcPts val="1000"/>
+              </a:spcBef>
+              <a:buClr>
+                <a:schemeClr val="accent1">
+                  <a:lumMod val="60000"/>
+                  <a:lumOff val="40000"/>
+                </a:schemeClr>
+              </a:buClr>
+              <a:buFont typeface="Wingdings" panose="05000000000000000000" pitchFamily="2" charset="2"/>
+              <a:buChar char=""/>
+              <a:defRPr sz="2000" kern="1200">
+                <a:solidFill>
+                  <a:schemeClr val="tx1">
+                    <a:alpha val="70000"/>
+                  </a:schemeClr>
+                </a:solidFill>
+                <a:latin typeface="+mn-lt"/>
+                <a:ea typeface="+mn-ea"/>
+                <a:cs typeface="+mn-cs"/>
+              </a:defRPr>
+            </a:lvl1pPr>
+            <a:lvl2pPr marL="360000" indent="0" algn="l" defTabSz="914400" rtl="0" eaLnBrk="1" latinLnBrk="0" hangingPunct="1">
+              <a:lnSpc>
+                <a:spcPct val="125000"/>
+              </a:lnSpc>
+              <a:spcBef>
+                <a:spcPts val="500"/>
+              </a:spcBef>
+              <a:buClr>
+                <a:schemeClr val="accent1">
+                  <a:lumMod val="60000"/>
+                  <a:lumOff val="40000"/>
+                </a:schemeClr>
+              </a:buClr>
+              <a:buFontTx/>
+              <a:buNone/>
+              <a:defRPr sz="2000" i="0" kern="1200">
+                <a:solidFill>
+                  <a:schemeClr val="tx1">
+                    <a:alpha val="70000"/>
+                  </a:schemeClr>
+                </a:solidFill>
+                <a:latin typeface="+mn-lt"/>
+                <a:ea typeface="+mn-ea"/>
+                <a:cs typeface="+mn-cs"/>
+              </a:defRPr>
+            </a:lvl2pPr>
+            <a:lvl3pPr marL="1080000" indent="-360000" algn="l" defTabSz="914400" rtl="0" eaLnBrk="1" latinLnBrk="0" hangingPunct="1">
+              <a:lnSpc>
+                <a:spcPct val="125000"/>
+              </a:lnSpc>
+              <a:spcBef>
+                <a:spcPts val="500"/>
+              </a:spcBef>
+              <a:buClr>
+                <a:schemeClr val="accent1">
+                  <a:lumMod val="60000"/>
+                  <a:lumOff val="40000"/>
+                </a:schemeClr>
+              </a:buClr>
+              <a:buFont typeface="Wingdings" panose="05000000000000000000" pitchFamily="2" charset="2"/>
+              <a:buChar char=""/>
+              <a:defRPr sz="2000" kern="1200">
+                <a:solidFill>
+                  <a:schemeClr val="tx1">
+                    <a:alpha val="70000"/>
+                  </a:schemeClr>
+                </a:solidFill>
+                <a:latin typeface="+mn-lt"/>
+                <a:ea typeface="+mn-ea"/>
+                <a:cs typeface="+mn-cs"/>
+              </a:defRPr>
+            </a:lvl3pPr>
+            <a:lvl4pPr marL="1080000" indent="0" algn="l" defTabSz="914400" rtl="0" eaLnBrk="1" latinLnBrk="0" hangingPunct="1">
+              <a:lnSpc>
+                <a:spcPct val="125000"/>
+              </a:lnSpc>
+              <a:spcBef>
+                <a:spcPts val="500"/>
+              </a:spcBef>
+              <a:buClr>
+                <a:schemeClr val="accent1">
+                  <a:lumMod val="60000"/>
+                  <a:lumOff val="40000"/>
+                </a:schemeClr>
+              </a:buClr>
+              <a:buFontTx/>
+              <a:buNone/>
+              <a:defRPr sz="2000" i="0" kern="1200">
+                <a:solidFill>
+                  <a:schemeClr val="tx1">
+                    <a:alpha val="70000"/>
+                  </a:schemeClr>
+                </a:solidFill>
+                <a:latin typeface="+mn-lt"/>
+                <a:ea typeface="+mn-ea"/>
+                <a:cs typeface="+mn-cs"/>
+              </a:defRPr>
+            </a:lvl4pPr>
+            <a:lvl5pPr marL="1800000" indent="-360000" algn="l" defTabSz="914400" rtl="0" eaLnBrk="1" latinLnBrk="0" hangingPunct="1">
+              <a:lnSpc>
+                <a:spcPct val="125000"/>
+              </a:lnSpc>
+              <a:spcBef>
+                <a:spcPts val="500"/>
+              </a:spcBef>
+              <a:buClr>
+                <a:schemeClr val="accent1">
+                  <a:lumMod val="60000"/>
+                  <a:lumOff val="40000"/>
+                </a:schemeClr>
+              </a:buClr>
+              <a:buFont typeface="Wingdings" panose="05000000000000000000" pitchFamily="2" charset="2"/>
+              <a:buChar char=""/>
+              <a:defRPr sz="2000" kern="1200">
+                <a:solidFill>
+                  <a:schemeClr val="tx1">
+                    <a:alpha val="70000"/>
+                  </a:schemeClr>
+                </a:solidFill>
+                <a:latin typeface="+mn-lt"/>
+                <a:ea typeface="+mn-ea"/>
+                <a:cs typeface="+mn-cs"/>
+              </a:defRPr>
+            </a:lvl5pPr>
+            <a:lvl6pPr marL="2514600" indent="-228600" algn="l" defTabSz="914400" rtl="0" eaLnBrk="1" latinLnBrk="0" hangingPunct="1">
+              <a:lnSpc>
+                <a:spcPct val="90000"/>
+              </a:lnSpc>
+              <a:spcBef>
+                <a:spcPts val="500"/>
+              </a:spcBef>
+              <a:buFont typeface="Arial" panose="020B0604020202020204" pitchFamily="34" charset="0"/>
+              <a:buChar char="•"/>
+              <a:defRPr sz="1800" kern="1200">
+                <a:solidFill>
+                  <a:schemeClr val="tx1"/>
+                </a:solidFill>
+                <a:latin typeface="+mn-lt"/>
+                <a:ea typeface="+mn-ea"/>
+                <a:cs typeface="+mn-cs"/>
+              </a:defRPr>
+            </a:lvl6pPr>
+            <a:lvl7pPr marL="2971800" indent="-228600" algn="l" defTabSz="914400" rtl="0" eaLnBrk="1" latinLnBrk="0" hangingPunct="1">
+              <a:lnSpc>
+                <a:spcPct val="90000"/>
+              </a:lnSpc>
+              <a:spcBef>
+                <a:spcPts val="500"/>
+              </a:spcBef>
+              <a:buFont typeface="Arial" panose="020B0604020202020204" pitchFamily="34" charset="0"/>
+              <a:buChar char="•"/>
+              <a:defRPr sz="1800" kern="1200">
+                <a:solidFill>
+                  <a:schemeClr val="tx1"/>
+                </a:solidFill>
+                <a:latin typeface="+mn-lt"/>
+                <a:ea typeface="+mn-ea"/>
+                <a:cs typeface="+mn-cs"/>
+              </a:defRPr>
+            </a:lvl7pPr>
+            <a:lvl8pPr marL="3429000" indent="-228600" algn="l" defTabSz="914400" rtl="0" eaLnBrk="1" latinLnBrk="0" hangingPunct="1">
+              <a:lnSpc>
+                <a:spcPct val="90000"/>
+              </a:lnSpc>
+              <a:spcBef>
+                <a:spcPts val="500"/>
+              </a:spcBef>
+              <a:buFont typeface="Arial" panose="020B0604020202020204" pitchFamily="34" charset="0"/>
+              <a:buChar char="•"/>
+              <a:defRPr sz="1800" kern="1200">
+                <a:solidFill>
+                  <a:schemeClr val="tx1"/>
+                </a:solidFill>
+                <a:latin typeface="+mn-lt"/>
+                <a:ea typeface="+mn-ea"/>
+                <a:cs typeface="+mn-cs"/>
+              </a:defRPr>
+            </a:lvl8pPr>
+            <a:lvl9pPr marL="3886200" indent="-228600" algn="l" defTabSz="914400" rtl="0" eaLnBrk="1" latinLnBrk="0" hangingPunct="1">
+              <a:lnSpc>
+                <a:spcPct val="90000"/>
+              </a:lnSpc>
+              <a:spcBef>
+                <a:spcPts val="500"/>
+              </a:spcBef>
+              <a:buFont typeface="Arial" panose="020B0604020202020204" pitchFamily="34" charset="0"/>
+              <a:buChar char="•"/>
+              <a:defRPr sz="1800" kern="1200">
+                <a:solidFill>
+                  <a:schemeClr val="tx1"/>
+                </a:solidFill>
+                <a:latin typeface="+mn-lt"/>
+                <a:ea typeface="+mn-ea"/>
+                <a:cs typeface="+mn-cs"/>
+              </a:defRPr>
+            </a:lvl9pPr>
+          </a:lstStyle>
+          <a:p>
+            <a:pPr marL="0" indent="0" algn="r" rtl="1">
+              <a:buNone/>
+            </a:pPr>
+            <a:r>
+              <a:rPr lang="he-IL" sz="2400" b="1" dirty="0">
+                <a:latin typeface="Calibri" panose="020F0502020204030204" pitchFamily="34" charset="0"/>
+                <a:cs typeface="Calibri" panose="020F0502020204030204" pitchFamily="34" charset="0"/>
+              </a:rPr>
+              <a:t> </a:t>
+            </a:r>
+            <a:r>
+              <a:rPr lang="he-IL" dirty="0"/>
+              <a:t>פרוטוקול תקשורת נפוץ במיוחד לאבטחת מידע ברשתות מחשבים, ומיושם במיוחד באינטרנט. באופן רשמי, הוא אינו פרוטוקול תקשורת כשלעצמו, אלא משתמש בפרוטוקול </a:t>
+            </a:r>
+            <a:r>
+              <a:rPr lang="en-US" dirty="0"/>
+              <a:t>HTTP</a:t>
+            </a:r>
+            <a:r>
+              <a:rPr lang="he-IL" dirty="0"/>
+              <a:t> על שכבת </a:t>
+            </a:r>
+            <a:r>
+              <a:rPr lang="en-US" dirty="0"/>
+              <a:t>SSL</a:t>
+            </a:r>
+            <a:r>
+              <a:rPr lang="he-IL" dirty="0"/>
+              <a:t> ובכך מקנה סטנדרט של אבטחה.</a:t>
+            </a:r>
+          </a:p>
+        </p:txBody>
+      </p:sp>
     </p:spTree>
     <p:extLst>
       <p:ext uri="{BB962C8B-B14F-4D97-AF65-F5344CB8AC3E}">
@@ -6143,11 +6468,7 @@
                                           </p:stCondLst>
                                         </p:cTn>
                                         <p:tgtEl>
-                                          <p:spTgt spid="3">
-                                            <p:txEl>
-                                              <p:pRg st="0" end="0"/>
-                                            </p:txEl>
-                                          </p:spTgt>
+                                          <p:spTgt spid="7"/>
                                         </p:tgtEl>
                                         <p:attrNameLst>
                                           <p:attrName>style.visibility</p:attrName>
@@ -6161,11 +6482,7 @@
                                       <p:cBhvr additive="base">
                                         <p:cTn id="7" dur="500" fill="hold"/>
                                         <p:tgtEl>
-                                          <p:spTgt spid="3">
-                                            <p:txEl>
-                                              <p:pRg st="0" end="0"/>
-                                            </p:txEl>
-                                          </p:spTgt>
+                                          <p:spTgt spid="7"/>
                                         </p:tgtEl>
                                         <p:attrNameLst>
                                           <p:attrName>ppt_x</p:attrName>
@@ -6188,11 +6505,7 @@
                                       <p:cBhvr additive="base">
                                         <p:cTn id="8" dur="500" fill="hold"/>
                                         <p:tgtEl>
-                                          <p:spTgt spid="3">
-                                            <p:txEl>
-                                              <p:pRg st="0" end="0"/>
-                                            </p:txEl>
-                                          </p:spTgt>
+                                          <p:spTgt spid="7"/>
                                         </p:tgtEl>
                                         <p:attrNameLst>
                                           <p:attrName>ppt_y</p:attrName>
@@ -6319,6 +6632,182 @@
                                           </p:stCondLst>
                                         </p:cTn>
                                         <p:tgtEl>
+                                          <p:spTgt spid="3">
+                                            <p:txEl>
+                                              <p:pRg st="0" end="0"/>
+                                            </p:txEl>
+                                          </p:spTgt>
+                                        </p:tgtEl>
+                                        <p:attrNameLst>
+                                          <p:attrName>style.visibility</p:attrName>
+                                        </p:attrNameLst>
+                                      </p:cBhvr>
+                                      <p:to>
+                                        <p:strVal val="visible"/>
+                                      </p:to>
+                                    </p:set>
+                                    <p:anim calcmode="lin" valueType="num">
+                                      <p:cBhvr additive="base">
+                                        <p:cTn id="17" dur="500" fill="hold"/>
+                                        <p:tgtEl>
+                                          <p:spTgt spid="3">
+                                            <p:txEl>
+                                              <p:pRg st="0" end="0"/>
+                                            </p:txEl>
+                                          </p:spTgt>
+                                        </p:tgtEl>
+                                        <p:attrNameLst>
+                                          <p:attrName>ppt_x</p:attrName>
+                                        </p:attrNameLst>
+                                      </p:cBhvr>
+                                      <p:tavLst>
+                                        <p:tav tm="0">
+                                          <p:val>
+                                            <p:strVal val="#ppt_x"/>
+                                          </p:val>
+                                        </p:tav>
+                                        <p:tav tm="100000">
+                                          <p:val>
+                                            <p:strVal val="#ppt_x"/>
+                                          </p:val>
+                                        </p:tav>
+                                      </p:tavLst>
+                                    </p:anim>
+                                    <p:anim calcmode="lin" valueType="num">
+                                      <p:cBhvr additive="base">
+                                        <p:cTn id="18" dur="500" fill="hold"/>
+                                        <p:tgtEl>
+                                          <p:spTgt spid="3">
+                                            <p:txEl>
+                                              <p:pRg st="0" end="0"/>
+                                            </p:txEl>
+                                          </p:spTgt>
+                                        </p:tgtEl>
+                                        <p:attrNameLst>
+                                          <p:attrName>ppt_y</p:attrName>
+                                        </p:attrNameLst>
+                                      </p:cBhvr>
+                                      <p:tavLst>
+                                        <p:tav tm="0">
+                                          <p:val>
+                                            <p:strVal val="1+#ppt_h/2"/>
+                                          </p:val>
+                                        </p:tav>
+                                        <p:tav tm="100000">
+                                          <p:val>
+                                            <p:strVal val="#ppt_y"/>
+                                          </p:val>
+                                        </p:tav>
+                                      </p:tavLst>
+                                    </p:anim>
+                                  </p:childTnLst>
+                                </p:cTn>
+                              </p:par>
+                            </p:childTnLst>
+                          </p:cTn>
+                        </p:par>
+                      </p:childTnLst>
+                    </p:cTn>
+                  </p:par>
+                  <p:par>
+                    <p:cTn id="19" fill="hold">
+                      <p:stCondLst>
+                        <p:cond delay="indefinite"/>
+                      </p:stCondLst>
+                      <p:childTnLst>
+                        <p:par>
+                          <p:cTn id="20" fill="hold">
+                            <p:stCondLst>
+                              <p:cond delay="0"/>
+                            </p:stCondLst>
+                            <p:childTnLst>
+                              <p:par>
+                                <p:cTn id="21" presetID="2" presetClass="entr" presetSubtype="4" fill="hold" nodeType="clickEffect">
+                                  <p:stCondLst>
+                                    <p:cond delay="0"/>
+                                  </p:stCondLst>
+                                  <p:childTnLst>
+                                    <p:set>
+                                      <p:cBhvr>
+                                        <p:cTn id="22" dur="1" fill="hold">
+                                          <p:stCondLst>
+                                            <p:cond delay="0"/>
+                                          </p:stCondLst>
+                                        </p:cTn>
+                                        <p:tgtEl>
+                                          <p:spTgt spid="6"/>
+                                        </p:tgtEl>
+                                        <p:attrNameLst>
+                                          <p:attrName>style.visibility</p:attrName>
+                                        </p:attrNameLst>
+                                      </p:cBhvr>
+                                      <p:to>
+                                        <p:strVal val="visible"/>
+                                      </p:to>
+                                    </p:set>
+                                    <p:anim calcmode="lin" valueType="num">
+                                      <p:cBhvr additive="base">
+                                        <p:cTn id="23" dur="500" fill="hold"/>
+                                        <p:tgtEl>
+                                          <p:spTgt spid="6"/>
+                                        </p:tgtEl>
+                                        <p:attrNameLst>
+                                          <p:attrName>ppt_x</p:attrName>
+                                        </p:attrNameLst>
+                                      </p:cBhvr>
+                                      <p:tavLst>
+                                        <p:tav tm="0">
+                                          <p:val>
+                                            <p:strVal val="#ppt_x"/>
+                                          </p:val>
+                                        </p:tav>
+                                        <p:tav tm="100000">
+                                          <p:val>
+                                            <p:strVal val="#ppt_x"/>
+                                          </p:val>
+                                        </p:tav>
+                                      </p:tavLst>
+                                    </p:anim>
+                                    <p:anim calcmode="lin" valueType="num">
+                                      <p:cBhvr additive="base">
+                                        <p:cTn id="24" dur="500" fill="hold"/>
+                                        <p:tgtEl>
+                                          <p:spTgt spid="6"/>
+                                        </p:tgtEl>
+                                        <p:attrNameLst>
+                                          <p:attrName>ppt_y</p:attrName>
+                                        </p:attrNameLst>
+                                      </p:cBhvr>
+                                      <p:tavLst>
+                                        <p:tav tm="0">
+                                          <p:val>
+                                            <p:strVal val="1+#ppt_h/2"/>
+                                          </p:val>
+                                        </p:tav>
+                                        <p:tav tm="100000">
+                                          <p:val>
+                                            <p:strVal val="#ppt_y"/>
+                                          </p:val>
+                                        </p:tav>
+                                      </p:tavLst>
+                                    </p:anim>
+                                  </p:childTnLst>
+                                </p:cTn>
+                              </p:par>
+                              <p:par>
+                                <p:cTn id="25" presetID="2" presetClass="entr" presetSubtype="4" fill="hold" grpId="0" nodeType="withEffect">
+                                  <p:stCondLst>
+                                    <p:cond delay="0"/>
+                                  </p:stCondLst>
+                                  <p:childTnLst>
+                                    <p:set>
+                                      <p:cBhvr>
+                                        <p:cTn id="26" dur="1" fill="hold">
+                                          <p:stCondLst>
+                                            <p:cond delay="0"/>
+                                          </p:stCondLst>
+                                        </p:cTn>
+                                        <p:tgtEl>
                                           <p:spTgt spid="4"/>
                                         </p:tgtEl>
                                         <p:attrNameLst>
@@ -6331,7 +6820,7 @@
                                     </p:set>
                                     <p:anim calcmode="lin" valueType="num">
                                       <p:cBhvr additive="base">
-                                        <p:cTn id="17" dur="500" fill="hold"/>
+                                        <p:cTn id="27" dur="500" fill="hold"/>
                                         <p:tgtEl>
                                           <p:spTgt spid="4"/>
                                         </p:tgtEl>
@@ -6354,7 +6843,7 @@
                                     </p:anim>
                                     <p:anim calcmode="lin" valueType="num">
                                       <p:cBhvr additive="base">
-                                        <p:cTn id="18" dur="500" fill="hold"/>
+                                        <p:cTn id="28" dur="500" fill="hold"/>
                                         <p:tgtEl>
                                           <p:spTgt spid="4"/>
                                         </p:tgtEl>
@@ -6378,21 +6867,43 @@
                                   </p:childTnLst>
                                 </p:cTn>
                               </p:par>
+                            </p:childTnLst>
+                          </p:cTn>
+                        </p:par>
+                      </p:childTnLst>
+                    </p:cTn>
+                  </p:par>
+                  <p:par>
+                    <p:cTn id="29" fill="hold">
+                      <p:stCondLst>
+                        <p:cond delay="indefinite"/>
+                      </p:stCondLst>
+                      <p:childTnLst>
+                        <p:par>
+                          <p:cTn id="30" fill="hold">
+                            <p:stCondLst>
+                              <p:cond delay="0"/>
+                            </p:stCondLst>
+                            <p:childTnLst>
                               <p:par>
-                                <p:cTn id="19" presetID="2" presetClass="entr" presetSubtype="4" fill="hold" nodeType="withEffect">
+                                <p:cTn id="31" presetID="2" presetClass="entr" presetSubtype="4" fill="hold" grpId="0" nodeType="clickEffect">
                                   <p:stCondLst>
                                     <p:cond delay="0"/>
                                   </p:stCondLst>
                                   <p:childTnLst>
                                     <p:set>
                                       <p:cBhvr>
-                                        <p:cTn id="20" dur="1" fill="hold">
+                                        <p:cTn id="32" dur="1" fill="hold">
                                           <p:stCondLst>
                                             <p:cond delay="0"/>
                                           </p:stCondLst>
                                         </p:cTn>
                                         <p:tgtEl>
-                                          <p:spTgt spid="6"/>
+                                          <p:spTgt spid="8">
+                                            <p:txEl>
+                                              <p:pRg st="0" end="0"/>
+                                            </p:txEl>
+                                          </p:spTgt>
                                         </p:tgtEl>
                                         <p:attrNameLst>
                                           <p:attrName>style.visibility</p:attrName>
@@ -6404,9 +6915,13 @@
                                     </p:set>
                                     <p:anim calcmode="lin" valueType="num">
                                       <p:cBhvr additive="base">
-                                        <p:cTn id="21" dur="500" fill="hold"/>
+                                        <p:cTn id="33" dur="500" fill="hold"/>
                                         <p:tgtEl>
-                                          <p:spTgt spid="6"/>
+                                          <p:spTgt spid="8">
+                                            <p:txEl>
+                                              <p:pRg st="0" end="0"/>
+                                            </p:txEl>
+                                          </p:spTgt>
                                         </p:tgtEl>
                                         <p:attrNameLst>
                                           <p:attrName>ppt_x</p:attrName>
@@ -6427,9 +6942,13 @@
                                     </p:anim>
                                     <p:anim calcmode="lin" valueType="num">
                                       <p:cBhvr additive="base">
-                                        <p:cTn id="22" dur="500" fill="hold"/>
+                                        <p:cTn id="34" dur="500" fill="hold"/>
                                         <p:tgtEl>
-                                          <p:spTgt spid="6"/>
+                                          <p:spTgt spid="8">
+                                            <p:txEl>
+                                              <p:pRg st="0" end="0"/>
+                                            </p:txEl>
+                                          </p:spTgt>
                                         </p:tgtEl>
                                         <p:attrNameLst>
                                           <p:attrName>ppt_y</p:attrName>
@@ -6481,6 +7000,8 @@
     <p:bldLst>
       <p:bldP spid="3" grpId="0" build="p"/>
       <p:bldP spid="4" grpId="0"/>
+      <p:bldP spid="7" grpId="0"/>
+      <p:bldP spid="8" grpId="0" build="p"/>
     </p:bldLst>
   </p:timing>
 </p:sld>
@@ -6505,10 +7026,10 @@
       </p:grpSpPr>
       <p:sp>
         <p:nvSpPr>
-          <p:cNvPr id="3" name="תיבת טקסט 2">
-            <a:extLst>
-              <a:ext uri="{FF2B5EF4-FFF2-40B4-BE49-F238E27FC236}">
-                <a16:creationId xmlns:a16="http://schemas.microsoft.com/office/drawing/2014/main" id="{620533F0-E89B-4E91-AA0A-2836C888E6BD}"/>
+          <p:cNvPr id="4" name="תיבת טקסט 3">
+            <a:extLst>
+              <a:ext uri="{FF2B5EF4-FFF2-40B4-BE49-F238E27FC236}">
+                <a16:creationId xmlns:a16="http://schemas.microsoft.com/office/drawing/2014/main" id="{1DB34851-CE19-46D9-82DD-CEF16E7BF29F}"/>
               </a:ext>
             </a:extLst>
           </p:cNvPr>
@@ -6517,8 +7038,8 @@
         </p:nvSpPr>
         <p:spPr>
           <a:xfrm>
-            <a:off x="1352550" y="895350"/>
-            <a:ext cx="10182225" cy="2672526"/>
+            <a:off x="144154" y="1328110"/>
+            <a:ext cx="3234385" cy="4334520"/>
           </a:xfrm>
           <a:prstGeom prst="rect">
             <a:avLst/>
@@ -6531,13 +7052,13 @@
           </a:bodyPr>
           <a:lstStyle/>
           <a:p>
-            <a:pPr>
+            <a:pPr algn="ctr">
               <a:lnSpc>
                 <a:spcPct val="150000"/>
               </a:lnSpc>
             </a:pPr>
             <a:r>
-              <a:rPr lang="he-IL" sz="2400" b="1" dirty="0">
+              <a:rPr lang="en-US" sz="2400" b="1" dirty="0">
                 <a:solidFill>
                   <a:schemeClr val="tx1">
                     <a:alpha val="70000"/>
@@ -6546,11 +7067,20 @@
                 <a:latin typeface="Calibri" panose="020F0502020204030204" pitchFamily="34" charset="0"/>
                 <a:cs typeface="Calibri" panose="020F0502020204030204" pitchFamily="34" charset="0"/>
               </a:rPr>
-              <a:t>ההבדלים – </a:t>
-            </a:r>
-          </a:p>
-          <a:p>
-            <a:pPr marL="285750" indent="-285750">
+              <a:t>HTTP</a:t>
+            </a:r>
+            <a:endParaRPr lang="he-IL" sz="2400" b="1" dirty="0">
+              <a:solidFill>
+                <a:schemeClr val="tx1">
+                  <a:alpha val="70000"/>
+                </a:schemeClr>
+              </a:solidFill>
+              <a:latin typeface="Calibri" panose="020F0502020204030204" pitchFamily="34" charset="0"/>
+              <a:cs typeface="Calibri" panose="020F0502020204030204" pitchFamily="34" charset="0"/>
+            </a:endParaRPr>
+          </a:p>
+          <a:p>
+            <a:pPr marL="285750" indent="-285750" algn="ctr">
               <a:lnSpc>
                 <a:spcPct val="150000"/>
               </a:lnSpc>
@@ -6561,9 +7091,16 @@
               <a:rPr lang="he-IL" dirty="0"/>
               <a:t> </a:t>
             </a:r>
-          </a:p>
-          <a:p>
-            <a:pPr marL="285750" indent="-285750">
+            <a:r>
+              <a:rPr lang="he-IL" dirty="0">
+                <a:latin typeface="Calibri" panose="020F0502020204030204" pitchFamily="34" charset="0"/>
+                <a:cs typeface="Calibri" panose="020F0502020204030204" pitchFamily="34" charset="0"/>
+              </a:rPr>
+              <a:t>תקשורת חד- כיוונית</a:t>
+            </a:r>
+          </a:p>
+          <a:p>
+            <a:pPr marL="285750" indent="-285750" algn="ctr">
               <a:lnSpc>
                 <a:spcPct val="150000"/>
               </a:lnSpc>
@@ -6571,12 +7108,29 @@
               <a:buChar char="v"/>
             </a:pPr>
             <a:r>
-              <a:rPr lang="he-IL" dirty="0"/>
+              <a:rPr lang="he-IL" dirty="0">
+                <a:latin typeface="Calibri" panose="020F0502020204030204" pitchFamily="34" charset="0"/>
+                <a:cs typeface="Calibri" panose="020F0502020204030204" pitchFamily="34" charset="0"/>
+              </a:rPr>
               <a:t> </a:t>
             </a:r>
-          </a:p>
-          <a:p>
-            <a:pPr marL="285750" indent="-285750">
+            <a:r>
+              <a:rPr lang="en-US" dirty="0">
+                <a:latin typeface="Calibri" panose="020F0502020204030204" pitchFamily="34" charset="0"/>
+                <a:cs typeface="Calibri" panose="020F0502020204030204" pitchFamily="34" charset="0"/>
+              </a:rPr>
+              <a:t>stateless</a:t>
+            </a:r>
+            <a:r>
+              <a:rPr lang="he-IL" dirty="0">
+                <a:latin typeface="Calibri" panose="020F0502020204030204" pitchFamily="34" charset="0"/>
+                <a:cs typeface="Calibri" panose="020F0502020204030204" pitchFamily="34" charset="0"/>
+              </a:rPr>
+              <a:t>- החיבור נסגר לאחר טיפול בבקשה</a:t>
+            </a:r>
+          </a:p>
+          <a:p>
+            <a:pPr marL="285750" indent="-285750" algn="ctr">
               <a:lnSpc>
                 <a:spcPct val="150000"/>
               </a:lnSpc>
@@ -6584,12 +7138,15 @@
               <a:buChar char="v"/>
             </a:pPr>
             <a:r>
-              <a:rPr lang="he-IL" dirty="0"/>
-              <a:t> </a:t>
-            </a:r>
-          </a:p>
-          <a:p>
-            <a:pPr marL="285750" indent="-285750">
+              <a:rPr lang="he-IL" dirty="0">
+                <a:latin typeface="Calibri" panose="020F0502020204030204" pitchFamily="34" charset="0"/>
+                <a:cs typeface="Calibri" panose="020F0502020204030204" pitchFamily="34" charset="0"/>
+              </a:rPr>
+              <a:t>תקשורת איטית יחסית </a:t>
+            </a:r>
+          </a:p>
+          <a:p>
+            <a:pPr marL="285750" indent="-285750" algn="ctr">
               <a:lnSpc>
                 <a:spcPct val="150000"/>
               </a:lnSpc>
@@ -6597,12 +7154,15 @@
               <a:buChar char="v"/>
             </a:pPr>
             <a:r>
-              <a:rPr lang="he-IL" dirty="0"/>
-              <a:t> </a:t>
-            </a:r>
-          </a:p>
-          <a:p>
-            <a:pPr marL="285750" indent="-285750">
+              <a:rPr lang="he-IL" dirty="0">
+                <a:latin typeface="Calibri" panose="020F0502020204030204" pitchFamily="34" charset="0"/>
+                <a:cs typeface="Calibri" panose="020F0502020204030204" pitchFamily="34" charset="0"/>
+              </a:rPr>
+              <a:t> נשתמש כאשר לא נצטרך קשר רציף בין השרת ללקוח</a:t>
+            </a:r>
+          </a:p>
+          <a:p>
+            <a:pPr marL="285750" indent="-285750" algn="ctr">
               <a:lnSpc>
                 <a:spcPct val="150000"/>
               </a:lnSpc>
@@ -6610,12 +7170,346 @@
               <a:buChar char="v"/>
             </a:pPr>
             <a:r>
+              <a:rPr lang="he-IL" dirty="0">
+                <a:latin typeface="Calibri" panose="020F0502020204030204" pitchFamily="34" charset="0"/>
+                <a:cs typeface="Calibri" panose="020F0502020204030204" pitchFamily="34" charset="0"/>
+              </a:rPr>
+              <a:t>נשתמש לתקשורת חד פעמית ביוזמת הלקוח</a:t>
+            </a:r>
+          </a:p>
+          <a:p>
+            <a:pPr algn="ctr">
+              <a:lnSpc>
+                <a:spcPct val="150000"/>
+              </a:lnSpc>
+            </a:pPr>
+            <a:endParaRPr lang="he-IL" dirty="0"/>
+          </a:p>
+        </p:txBody>
+      </p:sp>
+      <p:pic>
+        <p:nvPicPr>
+          <p:cNvPr id="10" name="תמונה 9">
+            <a:extLst>
+              <a:ext uri="{FF2B5EF4-FFF2-40B4-BE49-F238E27FC236}">
+                <a16:creationId xmlns:a16="http://schemas.microsoft.com/office/drawing/2014/main" id="{50D749C3-002F-436B-BCBC-01CE249666A9}"/>
+              </a:ext>
+            </a:extLst>
+          </p:cNvPr>
+          <p:cNvPicPr>
+            <a:picLocks noChangeAspect="1"/>
+          </p:cNvPicPr>
+          <p:nvPr/>
+        </p:nvPicPr>
+        <p:blipFill>
+          <a:blip r:embed="rId2"/>
+          <a:stretch>
+            <a:fillRect/>
+          </a:stretch>
+        </p:blipFill>
+        <p:spPr>
+          <a:xfrm>
+            <a:off x="3437708" y="1585150"/>
+            <a:ext cx="2701878" cy="3820440"/>
+          </a:xfrm>
+          <a:prstGeom prst="rect">
+            <a:avLst/>
+          </a:prstGeom>
+        </p:spPr>
+      </p:pic>
+      <p:sp>
+        <p:nvSpPr>
+          <p:cNvPr id="13" name="תיבת טקסט 12">
+            <a:extLst>
+              <a:ext uri="{FF2B5EF4-FFF2-40B4-BE49-F238E27FC236}">
+                <a16:creationId xmlns:a16="http://schemas.microsoft.com/office/drawing/2014/main" id="{B96CDF28-23EF-4403-B7C5-5F5910FFEC65}"/>
+              </a:ext>
+            </a:extLst>
+          </p:cNvPr>
+          <p:cNvSpPr txBox="1"/>
+          <p:nvPr/>
+        </p:nvSpPr>
+        <p:spPr>
+          <a:xfrm>
+            <a:off x="4666982" y="511777"/>
+            <a:ext cx="3181885" cy="646331"/>
+          </a:xfrm>
+          <a:prstGeom prst="rect">
+            <a:avLst/>
+          </a:prstGeom>
+          <a:noFill/>
+        </p:spPr>
+        <p:txBody>
+          <a:bodyPr wrap="square" rtlCol="1">
+            <a:spAutoFit/>
+          </a:bodyPr>
+          <a:lstStyle/>
+          <a:p>
+            <a:pPr algn="ctr"/>
+            <a:r>
+              <a:rPr lang="he-IL" sz="3600" dirty="0">
+                <a:latin typeface="Calibri" panose="020F0502020204030204" pitchFamily="34" charset="0"/>
+                <a:cs typeface="Calibri" panose="020F0502020204030204" pitchFamily="34" charset="0"/>
+              </a:rPr>
+              <a:t>ההבדלים - </a:t>
+            </a:r>
+          </a:p>
+        </p:txBody>
+      </p:sp>
+      <p:cxnSp>
+        <p:nvCxnSpPr>
+          <p:cNvPr id="14" name="מחבר ישר 13">
+            <a:extLst>
+              <a:ext uri="{FF2B5EF4-FFF2-40B4-BE49-F238E27FC236}">
+                <a16:creationId xmlns:a16="http://schemas.microsoft.com/office/drawing/2014/main" id="{837538A1-E88E-4A3F-82BA-882688B505BB}"/>
+              </a:ext>
+            </a:extLst>
+          </p:cNvPr>
+          <p:cNvCxnSpPr>
+            <a:cxnSpLocks/>
+          </p:cNvCxnSpPr>
+          <p:nvPr/>
+        </p:nvCxnSpPr>
+        <p:spPr>
+          <a:xfrm>
+            <a:off x="6257923" y="1585149"/>
+            <a:ext cx="0" cy="2748726"/>
+          </a:xfrm>
+          <a:prstGeom prst="line">
+            <a:avLst/>
+          </a:prstGeom>
+          <a:ln>
+            <a:solidFill>
+              <a:schemeClr val="tx1">
+                <a:alpha val="50000"/>
+              </a:schemeClr>
+            </a:solidFill>
+            <a:headEnd type="none" w="med" len="med"/>
+            <a:tailEnd type="none" w="med" len="med"/>
+          </a:ln>
+        </p:spPr>
+        <p:style>
+          <a:lnRef idx="3">
+            <a:schemeClr val="accent2"/>
+          </a:lnRef>
+          <a:fillRef idx="0">
+            <a:schemeClr val="accent2"/>
+          </a:fillRef>
+          <a:effectRef idx="2">
+            <a:schemeClr val="accent2"/>
+          </a:effectRef>
+          <a:fontRef idx="minor">
+            <a:schemeClr val="tx1"/>
+          </a:fontRef>
+        </p:style>
+      </p:cxnSp>
+      <p:sp>
+        <p:nvSpPr>
+          <p:cNvPr id="15" name="תיבת טקסט 14">
+            <a:extLst>
+              <a:ext uri="{FF2B5EF4-FFF2-40B4-BE49-F238E27FC236}">
+                <a16:creationId xmlns:a16="http://schemas.microsoft.com/office/drawing/2014/main" id="{4A015213-5CE2-44FF-A329-4B28199C1CDB}"/>
+              </a:ext>
+            </a:extLst>
+          </p:cNvPr>
+          <p:cNvSpPr txBox="1"/>
+          <p:nvPr/>
+        </p:nvSpPr>
+        <p:spPr>
+          <a:xfrm>
+            <a:off x="9137308" y="1328110"/>
+            <a:ext cx="2870318" cy="4334520"/>
+          </a:xfrm>
+          <a:prstGeom prst="rect">
+            <a:avLst/>
+          </a:prstGeom>
+          <a:noFill/>
+        </p:spPr>
+        <p:txBody>
+          <a:bodyPr wrap="square" rtlCol="1">
+            <a:spAutoFit/>
+          </a:bodyPr>
+          <a:lstStyle/>
+          <a:p>
+            <a:pPr algn="ctr">
+              <a:lnSpc>
+                <a:spcPct val="150000"/>
+              </a:lnSpc>
+            </a:pPr>
+            <a:r>
+              <a:rPr lang="en-US" sz="2400" b="1" dirty="0" err="1">
+                <a:solidFill>
+                  <a:schemeClr val="tx1">
+                    <a:alpha val="70000"/>
+                  </a:schemeClr>
+                </a:solidFill>
+                <a:latin typeface="Calibri" panose="020F0502020204030204" pitchFamily="34" charset="0"/>
+                <a:cs typeface="Calibri" panose="020F0502020204030204" pitchFamily="34" charset="0"/>
+              </a:rPr>
+              <a:t>Websocket</a:t>
+            </a:r>
+            <a:endParaRPr lang="he-IL" sz="2400" b="1" dirty="0">
+              <a:solidFill>
+                <a:schemeClr val="tx1">
+                  <a:alpha val="70000"/>
+                </a:schemeClr>
+              </a:solidFill>
+              <a:latin typeface="Calibri" panose="020F0502020204030204" pitchFamily="34" charset="0"/>
+              <a:cs typeface="Calibri" panose="020F0502020204030204" pitchFamily="34" charset="0"/>
+            </a:endParaRPr>
+          </a:p>
+          <a:p>
+            <a:pPr marL="285750" indent="-285750" algn="ctr">
+              <a:lnSpc>
+                <a:spcPct val="150000"/>
+              </a:lnSpc>
+              <a:buFont typeface="Wingdings" panose="05000000000000000000" pitchFamily="2" charset="2"/>
+              <a:buChar char="v"/>
+            </a:pPr>
+            <a:r>
               <a:rPr lang="he-IL" dirty="0"/>
               <a:t> </a:t>
             </a:r>
+            <a:r>
+              <a:rPr lang="he-IL" dirty="0">
+                <a:latin typeface="Calibri" panose="020F0502020204030204" pitchFamily="34" charset="0"/>
+                <a:cs typeface="Calibri" panose="020F0502020204030204" pitchFamily="34" charset="0"/>
+              </a:rPr>
+              <a:t>תקשורת דו- כיוונית</a:t>
+            </a:r>
+          </a:p>
+          <a:p>
+            <a:pPr marL="285750" indent="-285750" algn="ctr">
+              <a:lnSpc>
+                <a:spcPct val="150000"/>
+              </a:lnSpc>
+              <a:buFont typeface="Wingdings" panose="05000000000000000000" pitchFamily="2" charset="2"/>
+              <a:buChar char="v"/>
+            </a:pPr>
+            <a:r>
+              <a:rPr lang="he-IL" dirty="0">
+                <a:latin typeface="Calibri" panose="020F0502020204030204" pitchFamily="34" charset="0"/>
+                <a:cs typeface="Calibri" panose="020F0502020204030204" pitchFamily="34" charset="0"/>
+              </a:rPr>
+              <a:t> </a:t>
+            </a:r>
+            <a:r>
+              <a:rPr lang="en-US" dirty="0">
+                <a:latin typeface="Calibri" panose="020F0502020204030204" pitchFamily="34" charset="0"/>
+                <a:cs typeface="Calibri" panose="020F0502020204030204" pitchFamily="34" charset="0"/>
+              </a:rPr>
+              <a:t>state full</a:t>
+            </a:r>
+            <a:r>
+              <a:rPr lang="he-IL" dirty="0">
+                <a:latin typeface="Calibri" panose="020F0502020204030204" pitchFamily="34" charset="0"/>
+                <a:cs typeface="Calibri" panose="020F0502020204030204" pitchFamily="34" charset="0"/>
+              </a:rPr>
+              <a:t> – החיבור נשמר</a:t>
+            </a:r>
+          </a:p>
+          <a:p>
+            <a:pPr marL="285750" indent="-285750" algn="ctr">
+              <a:lnSpc>
+                <a:spcPct val="150000"/>
+              </a:lnSpc>
+              <a:buFont typeface="Wingdings" panose="05000000000000000000" pitchFamily="2" charset="2"/>
+              <a:buChar char="v"/>
+            </a:pPr>
+            <a:r>
+              <a:rPr lang="he-IL" dirty="0">
+                <a:latin typeface="Calibri" panose="020F0502020204030204" pitchFamily="34" charset="0"/>
+                <a:cs typeface="Calibri" panose="020F0502020204030204" pitchFamily="34" charset="0"/>
+              </a:rPr>
+              <a:t> בדרך כלל תקשורת מהירה יותר מ </a:t>
+            </a:r>
+            <a:r>
+              <a:rPr lang="en-US" dirty="0">
+                <a:latin typeface="Calibri" panose="020F0502020204030204" pitchFamily="34" charset="0"/>
+                <a:cs typeface="Calibri" panose="020F0502020204030204" pitchFamily="34" charset="0"/>
+              </a:rPr>
+              <a:t>HTTP</a:t>
+            </a:r>
+            <a:endParaRPr lang="he-IL" dirty="0">
+              <a:latin typeface="Calibri" panose="020F0502020204030204" pitchFamily="34" charset="0"/>
+              <a:cs typeface="Calibri" panose="020F0502020204030204" pitchFamily="34" charset="0"/>
+            </a:endParaRPr>
+          </a:p>
+          <a:p>
+            <a:pPr marL="285750" indent="-285750" algn="ctr">
+              <a:lnSpc>
+                <a:spcPct val="150000"/>
+              </a:lnSpc>
+              <a:buFont typeface="Wingdings" panose="05000000000000000000" pitchFamily="2" charset="2"/>
+              <a:buChar char="v"/>
+            </a:pPr>
+            <a:r>
+              <a:rPr lang="he-IL" dirty="0">
+                <a:latin typeface="Calibri" panose="020F0502020204030204" pitchFamily="34" charset="0"/>
+                <a:cs typeface="Calibri" panose="020F0502020204030204" pitchFamily="34" charset="0"/>
+              </a:rPr>
+              <a:t>נשתמש כשנרצה לשמור על קשר קבוע בין לקוח לשרת</a:t>
+            </a:r>
+          </a:p>
+          <a:p>
+            <a:pPr marL="285750" indent="-285750" algn="ctr">
+              <a:lnSpc>
+                <a:spcPct val="150000"/>
+              </a:lnSpc>
+              <a:buFont typeface="Wingdings" panose="05000000000000000000" pitchFamily="2" charset="2"/>
+              <a:buChar char="v"/>
+            </a:pPr>
+            <a:r>
+              <a:rPr lang="he-IL" dirty="0">
+                <a:latin typeface="Calibri" panose="020F0502020204030204" pitchFamily="34" charset="0"/>
+                <a:cs typeface="Calibri" panose="020F0502020204030204" pitchFamily="34" charset="0"/>
+              </a:rPr>
+              <a:t>נשתמש כאשר נשלח הודעות בתדירות גבוהה </a:t>
+            </a:r>
+          </a:p>
+          <a:p>
+            <a:pPr algn="ctr">
+              <a:lnSpc>
+                <a:spcPct val="150000"/>
+              </a:lnSpc>
+            </a:pPr>
+            <a:r>
+              <a:rPr lang="he-IL" dirty="0"/>
+              <a:t> </a:t>
+            </a:r>
           </a:p>
         </p:txBody>
       </p:sp>
+      <p:pic>
+        <p:nvPicPr>
+          <p:cNvPr id="16" name="תמונה 15">
+            <a:extLst>
+              <a:ext uri="{FF2B5EF4-FFF2-40B4-BE49-F238E27FC236}">
+                <a16:creationId xmlns:a16="http://schemas.microsoft.com/office/drawing/2014/main" id="{D4F673BA-F6BC-4E0C-80C6-4D9A7B9C0824}"/>
+              </a:ext>
+            </a:extLst>
+          </p:cNvPr>
+          <p:cNvPicPr>
+            <a:picLocks noChangeAspect="1"/>
+          </p:cNvPicPr>
+          <p:nvPr/>
+        </p:nvPicPr>
+        <p:blipFill>
+          <a:blip r:embed="rId3"/>
+          <a:stretch>
+            <a:fillRect/>
+          </a:stretch>
+        </p:blipFill>
+        <p:spPr>
+          <a:xfrm>
+            <a:off x="6376261" y="1585151"/>
+            <a:ext cx="2491245" cy="3820439"/>
+          </a:xfrm>
+          <a:prstGeom prst="rect">
+            <a:avLst/>
+          </a:prstGeom>
+        </p:spPr>
+      </p:pic>
     </p:spTree>
     <p:extLst>
       <p:ext uri="{BB962C8B-B14F-4D97-AF65-F5344CB8AC3E}">
@@ -6626,6 +7520,3947 @@
   <p:clrMapOvr>
     <a:masterClrMapping/>
   </p:clrMapOvr>
+  <p:timing>
+    <p:tnLst>
+      <p:par>
+        <p:cTn id="1" dur="indefinite" restart="never" nodeType="tmRoot">
+          <p:childTnLst>
+            <p:seq concurrent="1" nextAc="seek">
+              <p:cTn id="2" dur="indefinite" nodeType="mainSeq">
+                <p:childTnLst>
+                  <p:par>
+                    <p:cTn id="3" fill="hold">
+                      <p:stCondLst>
+                        <p:cond delay="indefinite"/>
+                      </p:stCondLst>
+                      <p:childTnLst>
+                        <p:par>
+                          <p:cTn id="4" fill="hold">
+                            <p:stCondLst>
+                              <p:cond delay="0"/>
+                            </p:stCondLst>
+                            <p:childTnLst>
+                              <p:par>
+                                <p:cTn id="5" presetID="10" presetClass="entr" presetSubtype="0" fill="hold" grpId="0" nodeType="clickEffect">
+                                  <p:stCondLst>
+                                    <p:cond delay="0"/>
+                                  </p:stCondLst>
+                                  <p:childTnLst>
+                                    <p:set>
+                                      <p:cBhvr>
+                                        <p:cTn id="6" dur="1" fill="hold">
+                                          <p:stCondLst>
+                                            <p:cond delay="0"/>
+                                          </p:stCondLst>
+                                        </p:cTn>
+                                        <p:tgtEl>
+                                          <p:spTgt spid="13"/>
+                                        </p:tgtEl>
+                                        <p:attrNameLst>
+                                          <p:attrName>style.visibility</p:attrName>
+                                        </p:attrNameLst>
+                                      </p:cBhvr>
+                                      <p:to>
+                                        <p:strVal val="visible"/>
+                                      </p:to>
+                                    </p:set>
+                                    <p:animEffect transition="in" filter="fade">
+                                      <p:cBhvr>
+                                        <p:cTn id="7" dur="500"/>
+                                        <p:tgtEl>
+                                          <p:spTgt spid="13"/>
+                                        </p:tgtEl>
+                                      </p:cBhvr>
+                                    </p:animEffect>
+                                  </p:childTnLst>
+                                </p:cTn>
+                              </p:par>
+                              <p:par>
+                                <p:cTn id="8" presetID="10" presetClass="entr" presetSubtype="0" fill="hold" nodeType="withEffect">
+                                  <p:stCondLst>
+                                    <p:cond delay="0"/>
+                                  </p:stCondLst>
+                                  <p:childTnLst>
+                                    <p:set>
+                                      <p:cBhvr>
+                                        <p:cTn id="9" dur="1" fill="hold">
+                                          <p:stCondLst>
+                                            <p:cond delay="0"/>
+                                          </p:stCondLst>
+                                        </p:cTn>
+                                        <p:tgtEl>
+                                          <p:spTgt spid="14"/>
+                                        </p:tgtEl>
+                                        <p:attrNameLst>
+                                          <p:attrName>style.visibility</p:attrName>
+                                        </p:attrNameLst>
+                                      </p:cBhvr>
+                                      <p:to>
+                                        <p:strVal val="visible"/>
+                                      </p:to>
+                                    </p:set>
+                                    <p:animEffect transition="in" filter="fade">
+                                      <p:cBhvr>
+                                        <p:cTn id="10" dur="500"/>
+                                        <p:tgtEl>
+                                          <p:spTgt spid="14"/>
+                                        </p:tgtEl>
+                                      </p:cBhvr>
+                                    </p:animEffect>
+                                  </p:childTnLst>
+                                </p:cTn>
+                              </p:par>
+                            </p:childTnLst>
+                          </p:cTn>
+                        </p:par>
+                      </p:childTnLst>
+                    </p:cTn>
+                  </p:par>
+                  <p:par>
+                    <p:cTn id="11" fill="hold">
+                      <p:stCondLst>
+                        <p:cond delay="indefinite"/>
+                      </p:stCondLst>
+                      <p:childTnLst>
+                        <p:par>
+                          <p:cTn id="12" fill="hold">
+                            <p:stCondLst>
+                              <p:cond delay="0"/>
+                            </p:stCondLst>
+                            <p:childTnLst>
+                              <p:par>
+                                <p:cTn id="13" presetID="22" presetClass="entr" presetSubtype="4" fill="hold" nodeType="clickEffect">
+                                  <p:stCondLst>
+                                    <p:cond delay="0"/>
+                                  </p:stCondLst>
+                                  <p:childTnLst>
+                                    <p:set>
+                                      <p:cBhvr>
+                                        <p:cTn id="14" dur="1" fill="hold">
+                                          <p:stCondLst>
+                                            <p:cond delay="0"/>
+                                          </p:stCondLst>
+                                        </p:cTn>
+                                        <p:tgtEl>
+                                          <p:spTgt spid="16"/>
+                                        </p:tgtEl>
+                                        <p:attrNameLst>
+                                          <p:attrName>style.visibility</p:attrName>
+                                        </p:attrNameLst>
+                                      </p:cBhvr>
+                                      <p:to>
+                                        <p:strVal val="visible"/>
+                                      </p:to>
+                                    </p:set>
+                                    <p:animEffect transition="in" filter="wipe(down)">
+                                      <p:cBhvr>
+                                        <p:cTn id="15" dur="500"/>
+                                        <p:tgtEl>
+                                          <p:spTgt spid="16"/>
+                                        </p:tgtEl>
+                                      </p:cBhvr>
+                                    </p:animEffect>
+                                  </p:childTnLst>
+                                </p:cTn>
+                              </p:par>
+                              <p:par>
+                                <p:cTn id="16" presetID="22" presetClass="entr" presetSubtype="4" fill="hold" grpId="0" nodeType="withEffect">
+                                  <p:stCondLst>
+                                    <p:cond delay="0"/>
+                                  </p:stCondLst>
+                                  <p:childTnLst>
+                                    <p:set>
+                                      <p:cBhvr>
+                                        <p:cTn id="17" dur="1" fill="hold">
+                                          <p:stCondLst>
+                                            <p:cond delay="0"/>
+                                          </p:stCondLst>
+                                        </p:cTn>
+                                        <p:tgtEl>
+                                          <p:spTgt spid="15"/>
+                                        </p:tgtEl>
+                                        <p:attrNameLst>
+                                          <p:attrName>style.visibility</p:attrName>
+                                        </p:attrNameLst>
+                                      </p:cBhvr>
+                                      <p:to>
+                                        <p:strVal val="visible"/>
+                                      </p:to>
+                                    </p:set>
+                                    <p:animEffect transition="in" filter="wipe(down)">
+                                      <p:cBhvr>
+                                        <p:cTn id="18" dur="500"/>
+                                        <p:tgtEl>
+                                          <p:spTgt spid="15"/>
+                                        </p:tgtEl>
+                                      </p:cBhvr>
+                                    </p:animEffect>
+                                  </p:childTnLst>
+                                </p:cTn>
+                              </p:par>
+                            </p:childTnLst>
+                          </p:cTn>
+                        </p:par>
+                      </p:childTnLst>
+                    </p:cTn>
+                  </p:par>
+                  <p:par>
+                    <p:cTn id="19" fill="hold">
+                      <p:stCondLst>
+                        <p:cond delay="indefinite"/>
+                      </p:stCondLst>
+                      <p:childTnLst>
+                        <p:par>
+                          <p:cTn id="20" fill="hold">
+                            <p:stCondLst>
+                              <p:cond delay="0"/>
+                            </p:stCondLst>
+                            <p:childTnLst>
+                              <p:par>
+                                <p:cTn id="21" presetID="22" presetClass="entr" presetSubtype="4" fill="hold" nodeType="clickEffect">
+                                  <p:stCondLst>
+                                    <p:cond delay="0"/>
+                                  </p:stCondLst>
+                                  <p:childTnLst>
+                                    <p:set>
+                                      <p:cBhvr>
+                                        <p:cTn id="22" dur="1" fill="hold">
+                                          <p:stCondLst>
+                                            <p:cond delay="0"/>
+                                          </p:stCondLst>
+                                        </p:cTn>
+                                        <p:tgtEl>
+                                          <p:spTgt spid="10"/>
+                                        </p:tgtEl>
+                                        <p:attrNameLst>
+                                          <p:attrName>style.visibility</p:attrName>
+                                        </p:attrNameLst>
+                                      </p:cBhvr>
+                                      <p:to>
+                                        <p:strVal val="visible"/>
+                                      </p:to>
+                                    </p:set>
+                                    <p:animEffect transition="in" filter="wipe(down)">
+                                      <p:cBhvr>
+                                        <p:cTn id="23" dur="500"/>
+                                        <p:tgtEl>
+                                          <p:spTgt spid="10"/>
+                                        </p:tgtEl>
+                                      </p:cBhvr>
+                                    </p:animEffect>
+                                  </p:childTnLst>
+                                </p:cTn>
+                              </p:par>
+                              <p:par>
+                                <p:cTn id="24" presetID="22" presetClass="entr" presetSubtype="4" fill="hold" grpId="0" nodeType="withEffect">
+                                  <p:stCondLst>
+                                    <p:cond delay="0"/>
+                                  </p:stCondLst>
+                                  <p:childTnLst>
+                                    <p:set>
+                                      <p:cBhvr>
+                                        <p:cTn id="25" dur="1" fill="hold">
+                                          <p:stCondLst>
+                                            <p:cond delay="0"/>
+                                          </p:stCondLst>
+                                        </p:cTn>
+                                        <p:tgtEl>
+                                          <p:spTgt spid="4"/>
+                                        </p:tgtEl>
+                                        <p:attrNameLst>
+                                          <p:attrName>style.visibility</p:attrName>
+                                        </p:attrNameLst>
+                                      </p:cBhvr>
+                                      <p:to>
+                                        <p:strVal val="visible"/>
+                                      </p:to>
+                                    </p:set>
+                                    <p:animEffect transition="in" filter="wipe(down)">
+                                      <p:cBhvr>
+                                        <p:cTn id="26" dur="500"/>
+                                        <p:tgtEl>
+                                          <p:spTgt spid="4"/>
+                                        </p:tgtEl>
+                                      </p:cBhvr>
+                                    </p:animEffect>
+                                  </p:childTnLst>
+                                </p:cTn>
+                              </p:par>
+                            </p:childTnLst>
+                          </p:cTn>
+                        </p:par>
+                      </p:childTnLst>
+                    </p:cTn>
+                  </p:par>
+                </p:childTnLst>
+              </p:cTn>
+              <p:prevCondLst>
+                <p:cond evt="onPrev" delay="0">
+                  <p:tgtEl>
+                    <p:sldTgt/>
+                  </p:tgtEl>
+                </p:cond>
+              </p:prevCondLst>
+              <p:nextCondLst>
+                <p:cond evt="onNext" delay="0">
+                  <p:tgtEl>
+                    <p:sldTgt/>
+                  </p:tgtEl>
+                </p:cond>
+              </p:nextCondLst>
+            </p:seq>
+          </p:childTnLst>
+        </p:cTn>
+      </p:par>
+    </p:tnLst>
+    <p:bldLst>
+      <p:bldP spid="4" grpId="0"/>
+      <p:bldP spid="13" grpId="0"/>
+      <p:bldP spid="15" grpId="0"/>
+    </p:bldLst>
+  </p:timing>
+</p:sld>
+</file>
+
+<file path=ppt/slides/slide4.xml><?xml version="1.0" encoding="utf-8"?>
+<p:sld xmlns:a="http://schemas.openxmlformats.org/drawingml/2006/main" xmlns:r="http://schemas.openxmlformats.org/officeDocument/2006/relationships" xmlns:p="http://schemas.openxmlformats.org/presentationml/2006/main">
+  <p:cSld>
+    <p:bg>
+      <p:bgPr>
+        <a:solidFill>
+          <a:schemeClr val="bg2"/>
+        </a:solidFill>
+        <a:effectLst/>
+      </p:bgPr>
+    </p:bg>
+    <p:spTree>
+      <p:nvGrpSpPr>
+        <p:cNvPr id="1" name=""/>
+        <p:cNvGrpSpPr/>
+        <p:nvPr/>
+      </p:nvGrpSpPr>
+      <p:grpSpPr>
+        <a:xfrm>
+          <a:off x="0" y="0"/>
+          <a:ext cx="0" cy="0"/>
+          <a:chOff x="0" y="0"/>
+          <a:chExt cx="0" cy="0"/>
+        </a:xfrm>
+      </p:grpSpPr>
+      <p:sp useBgFill="1">
+        <p:nvSpPr>
+          <p:cNvPr id="151" name="Rectangle 150">
+            <a:extLst>
+              <a:ext uri="{FF2B5EF4-FFF2-40B4-BE49-F238E27FC236}">
+                <a16:creationId xmlns:a16="http://schemas.microsoft.com/office/drawing/2014/main" id="{DB66C9CD-6BF4-44CA-8078-0BB819080761}"/>
+              </a:ext>
+              <a:ext uri="{C183D7F6-B498-43B3-948B-1728B52AA6E4}">
+                <adec:decorative xmlns:adec="http://schemas.microsoft.com/office/drawing/2017/decorative" val="1"/>
+              </a:ext>
+            </a:extLst>
+          </p:cNvPr>
+          <p:cNvSpPr>
+            <a:spLocks noGrp="1" noRot="1" noChangeAspect="1" noMove="1" noResize="1" noEditPoints="1" noAdjustHandles="1" noChangeArrowheads="1" noChangeShapeType="1" noTextEdit="1"/>
+          </p:cNvSpPr>
+          <p:nvPr>
+            <p:extLst>
+              <p:ext uri="{386F3935-93C4-4BCD-93E2-E3B085C9AB24}">
+                <p16:designElem xmlns:p16="http://schemas.microsoft.com/office/powerpoint/2015/main" val="1"/>
+              </p:ext>
+            </p:extLst>
+          </p:nvPr>
+        </p:nvSpPr>
+        <p:spPr>
+          <a:xfrm>
+            <a:off x="0" y="0"/>
+            <a:ext cx="12192000" cy="6858000"/>
+          </a:xfrm>
+          <a:prstGeom prst="rect">
+            <a:avLst/>
+          </a:prstGeom>
+          <a:ln w="12700" cap="flat" cmpd="sng" algn="ctr">
+            <a:noFill/>
+            <a:prstDash val="solid"/>
+            <a:miter lim="800000"/>
+          </a:ln>
+          <a:effectLst/>
+          <a:extLst>
+            <a:ext uri="{91240B29-F687-4F45-9708-019B960494DF}">
+              <a14:hiddenLine xmlns:a14="http://schemas.microsoft.com/office/drawing/2010/main" w="12700" cap="flat" cmpd="sng" algn="ctr">
+                <a:solidFill>
+                  <a:schemeClr val="accent1">
+                    <a:shade val="50000"/>
+                  </a:schemeClr>
+                </a:solidFill>
+                <a:prstDash val="solid"/>
+                <a:miter lim="800000"/>
+              </a14:hiddenLine>
+            </a:ext>
+          </a:extLst>
+        </p:spPr>
+        <p:style>
+          <a:lnRef idx="2">
+            <a:schemeClr val="accent1">
+              <a:shade val="50000"/>
+            </a:schemeClr>
+          </a:lnRef>
+          <a:fillRef idx="1">
+            <a:schemeClr val="accent1"/>
+          </a:fillRef>
+          <a:effectRef idx="0">
+            <a:schemeClr val="accent1"/>
+          </a:effectRef>
+          <a:fontRef idx="minor">
+            <a:schemeClr val="lt1"/>
+          </a:fontRef>
+        </p:style>
+        <p:txBody>
+          <a:bodyPr rtlCol="0" anchor="ctr"/>
+          <a:lstStyle/>
+          <a:p>
+            <a:pPr algn="ctr"/>
+            <a:endParaRPr lang="en-US"/>
+          </a:p>
+        </p:txBody>
+      </p:sp>
+      <p:sp>
+        <p:nvSpPr>
+          <p:cNvPr id="2" name="כותרת 1">
+            <a:extLst>
+              <a:ext uri="{FF2B5EF4-FFF2-40B4-BE49-F238E27FC236}">
+                <a16:creationId xmlns:a16="http://schemas.microsoft.com/office/drawing/2014/main" id="{5C1253EA-DD0D-4C43-BE11-E17ABD7D0188}"/>
+              </a:ext>
+            </a:extLst>
+          </p:cNvPr>
+          <p:cNvSpPr>
+            <a:spLocks noGrp="1"/>
+          </p:cNvSpPr>
+          <p:nvPr>
+            <p:ph type="title"/>
+          </p:nvPr>
+        </p:nvSpPr>
+        <p:spPr>
+          <a:xfrm>
+            <a:off x="451350" y="835370"/>
+            <a:ext cx="5537206" cy="1331605"/>
+          </a:xfrm>
+        </p:spPr>
+        <p:txBody>
+          <a:bodyPr vert="horz" lIns="0" tIns="0" rIns="0" bIns="0" rtlCol="0" anchor="b" anchorCtr="0">
+            <a:noAutofit/>
+          </a:bodyPr>
+          <a:lstStyle/>
+          <a:p>
+            <a:pPr rtl="1">
+              <a:lnSpc>
+                <a:spcPct val="90000"/>
+              </a:lnSpc>
+            </a:pPr>
+            <a:r>
+              <a:rPr lang="he-IL" sz="2400" dirty="0">
+                <a:latin typeface="Calibri" panose="020F0502020204030204" pitchFamily="34" charset="0"/>
+                <a:ea typeface="+mn-ea"/>
+                <a:cs typeface="Calibri" panose="020F0502020204030204" pitchFamily="34" charset="0"/>
+              </a:rPr>
+              <a:t>בעת ניווט לכתובת </a:t>
+            </a:r>
+            <a:r>
+              <a:rPr lang="en-US" sz="2400" dirty="0">
+                <a:latin typeface="Calibri" panose="020F0502020204030204" pitchFamily="34" charset="0"/>
+                <a:ea typeface="+mn-ea"/>
+                <a:cs typeface="Calibri" panose="020F0502020204030204" pitchFamily="34" charset="0"/>
+              </a:rPr>
+              <a:t> URL </a:t>
+            </a:r>
+            <a:r>
+              <a:rPr lang="he-IL" sz="2400" dirty="0">
+                <a:latin typeface="Calibri" panose="020F0502020204030204" pitchFamily="34" charset="0"/>
+                <a:ea typeface="+mn-ea"/>
+                <a:cs typeface="Calibri" panose="020F0502020204030204" pitchFamily="34" charset="0"/>
+              </a:rPr>
+              <a:t>חדשה, חיבור ה- </a:t>
+            </a:r>
+            <a:r>
+              <a:rPr lang="en-US" sz="2400" dirty="0" err="1">
+                <a:latin typeface="Calibri" panose="020F0502020204030204" pitchFamily="34" charset="0"/>
+                <a:ea typeface="+mn-ea"/>
+                <a:cs typeface="Calibri" panose="020F0502020204030204" pitchFamily="34" charset="0"/>
+              </a:rPr>
+              <a:t>websocket</a:t>
+            </a:r>
+            <a:r>
+              <a:rPr lang="en-US" sz="2400" dirty="0">
+                <a:latin typeface="Calibri" panose="020F0502020204030204" pitchFamily="34" charset="0"/>
+                <a:ea typeface="+mn-ea"/>
+                <a:cs typeface="Calibri" panose="020F0502020204030204" pitchFamily="34" charset="0"/>
+              </a:rPr>
+              <a:t> </a:t>
+            </a:r>
+            <a:r>
+              <a:rPr lang="he-IL" sz="2400" dirty="0">
+                <a:latin typeface="Calibri" panose="020F0502020204030204" pitchFamily="34" charset="0"/>
+                <a:ea typeface="+mn-ea"/>
+                <a:cs typeface="Calibri" panose="020F0502020204030204" pitchFamily="34" charset="0"/>
+              </a:rPr>
+              <a:t> לא נשמר.</a:t>
+            </a:r>
+            <a:br>
+              <a:rPr lang="he-IL" sz="2400" dirty="0">
+                <a:latin typeface="Calibri" panose="020F0502020204030204" pitchFamily="34" charset="0"/>
+                <a:ea typeface="+mn-ea"/>
+                <a:cs typeface="Calibri" panose="020F0502020204030204" pitchFamily="34" charset="0"/>
+              </a:rPr>
+            </a:br>
+            <a:r>
+              <a:rPr lang="he-IL" sz="2400" dirty="0">
+                <a:latin typeface="Calibri" panose="020F0502020204030204" pitchFamily="34" charset="0"/>
+                <a:ea typeface="+mn-ea"/>
+                <a:cs typeface="Calibri" panose="020F0502020204030204" pitchFamily="34" charset="0"/>
+              </a:rPr>
+              <a:t>כיצד ניתן להתמודד עם הבעיה ?</a:t>
+            </a:r>
+            <a:br>
+              <a:rPr lang="he-IL" sz="2400" dirty="0">
+                <a:latin typeface="Calibri" panose="020F0502020204030204" pitchFamily="34" charset="0"/>
+                <a:ea typeface="+mn-ea"/>
+                <a:cs typeface="Calibri" panose="020F0502020204030204" pitchFamily="34" charset="0"/>
+              </a:rPr>
+            </a:br>
+            <a:endParaRPr lang="en-US" sz="2400" dirty="0">
+              <a:latin typeface="Calibri" panose="020F0502020204030204" pitchFamily="34" charset="0"/>
+              <a:ea typeface="+mn-ea"/>
+              <a:cs typeface="Calibri" panose="020F0502020204030204" pitchFamily="34" charset="0"/>
+            </a:endParaRPr>
+          </a:p>
+        </p:txBody>
+      </p:sp>
+      <p:cxnSp>
+        <p:nvCxnSpPr>
+          <p:cNvPr id="153" name="Straight Connector 152">
+            <a:extLst>
+              <a:ext uri="{FF2B5EF4-FFF2-40B4-BE49-F238E27FC236}">
+                <a16:creationId xmlns:a16="http://schemas.microsoft.com/office/drawing/2014/main" id="{77C6DF49-CBE3-4038-AC78-35DE4FD7CE8E}"/>
+              </a:ext>
+              <a:ext uri="{C183D7F6-B498-43B3-948B-1728B52AA6E4}">
+                <adec:decorative xmlns:adec="http://schemas.microsoft.com/office/drawing/2017/decorative" val="1"/>
+              </a:ext>
+            </a:extLst>
+          </p:cNvPr>
+          <p:cNvCxnSpPr>
+            <a:cxnSpLocks noGrp="1" noRot="1" noChangeAspect="1" noMove="1" noResize="1" noEditPoints="1" noAdjustHandles="1" noChangeArrowheads="1" noChangeShapeType="1"/>
+          </p:cNvCxnSpPr>
+          <p:nvPr>
+            <p:extLst>
+              <p:ext uri="{386F3935-93C4-4BCD-93E2-E3B085C9AB24}">
+                <p16:designElem xmlns:p16="http://schemas.microsoft.com/office/powerpoint/2015/main" val="1"/>
+              </p:ext>
+            </p:extLst>
+          </p:nvPr>
+        </p:nvCxnSpPr>
+        <p:spPr>
+          <a:xfrm>
+            <a:off x="3023391" y="2310207"/>
+            <a:ext cx="540000" cy="0"/>
+          </a:xfrm>
+          <a:prstGeom prst="line">
+            <a:avLst/>
+          </a:prstGeom>
+          <a:ln w="12700">
+            <a:solidFill>
+              <a:schemeClr val="tx1"/>
+            </a:solidFill>
+          </a:ln>
+        </p:spPr>
+        <p:style>
+          <a:lnRef idx="1">
+            <a:schemeClr val="accent1"/>
+          </a:lnRef>
+          <a:fillRef idx="0">
+            <a:schemeClr val="accent1"/>
+          </a:fillRef>
+          <a:effectRef idx="0">
+            <a:schemeClr val="accent1"/>
+          </a:effectRef>
+          <a:fontRef idx="minor">
+            <a:schemeClr val="tx1"/>
+          </a:fontRef>
+        </p:style>
+      </p:cxnSp>
+      <p:sp>
+        <p:nvSpPr>
+          <p:cNvPr id="4" name="תיבת טקסט 3">
+            <a:extLst>
+              <a:ext uri="{FF2B5EF4-FFF2-40B4-BE49-F238E27FC236}">
+                <a16:creationId xmlns:a16="http://schemas.microsoft.com/office/drawing/2014/main" id="{D33E593E-FD97-4E17-87DD-4A783D8682C5}"/>
+              </a:ext>
+            </a:extLst>
+          </p:cNvPr>
+          <p:cNvSpPr txBox="1"/>
+          <p:nvPr/>
+        </p:nvSpPr>
+        <p:spPr>
+          <a:xfrm>
+            <a:off x="1" y="2506886"/>
+            <a:ext cx="6654794" cy="4092967"/>
+          </a:xfrm>
+          <a:prstGeom prst="rect">
+            <a:avLst/>
+          </a:prstGeom>
+        </p:spPr>
+        <p:txBody>
+          <a:bodyPr vert="horz" lIns="0" tIns="0" rIns="0" bIns="0" rtlCol="0" anchor="t" anchorCtr="0">
+            <a:normAutofit fontScale="55000" lnSpcReduction="20000"/>
+          </a:bodyPr>
+          <a:lstStyle/>
+          <a:p>
+            <a:pPr algn="r">
+              <a:lnSpc>
+                <a:spcPct val="115000"/>
+              </a:lnSpc>
+              <a:spcAft>
+                <a:spcPts val="600"/>
+              </a:spcAft>
+              <a:buClr>
+                <a:schemeClr val="accent1">
+                  <a:lumMod val="60000"/>
+                  <a:lumOff val="40000"/>
+                </a:schemeClr>
+              </a:buClr>
+            </a:pPr>
+            <a:r>
+              <a:rPr lang="he-IL" sz="3300" dirty="0">
+                <a:solidFill>
+                  <a:schemeClr val="tx1">
+                    <a:alpha val="70000"/>
+                  </a:schemeClr>
+                </a:solidFill>
+                <a:latin typeface="Calibri" panose="020F0502020204030204" pitchFamily="34" charset="0"/>
+                <a:cs typeface="Calibri" panose="020F0502020204030204" pitchFamily="34" charset="0"/>
+              </a:rPr>
+              <a:t>הבעייתיות נוצרת מכיוון שניווט ל</a:t>
+            </a:r>
+            <a:r>
+              <a:rPr lang="en-US" sz="3300" dirty="0">
+                <a:solidFill>
+                  <a:schemeClr val="tx1">
+                    <a:alpha val="70000"/>
+                  </a:schemeClr>
+                </a:solidFill>
+                <a:latin typeface="Calibri" panose="020F0502020204030204" pitchFamily="34" charset="0"/>
+                <a:cs typeface="Calibri" panose="020F0502020204030204" pitchFamily="34" charset="0"/>
+              </a:rPr>
+              <a:t>URL </a:t>
+            </a:r>
+            <a:r>
+              <a:rPr lang="he-IL" sz="3300" dirty="0">
+                <a:solidFill>
+                  <a:schemeClr val="tx1">
+                    <a:alpha val="70000"/>
+                  </a:schemeClr>
+                </a:solidFill>
+                <a:latin typeface="Calibri" panose="020F0502020204030204" pitchFamily="34" charset="0"/>
+                <a:cs typeface="Calibri" panose="020F0502020204030204" pitchFamily="34" charset="0"/>
+              </a:rPr>
+              <a:t> חדש גורר לסגירה של ה </a:t>
+            </a:r>
+            <a:r>
+              <a:rPr lang="en-US" sz="3300" dirty="0">
+                <a:solidFill>
+                  <a:schemeClr val="tx1">
+                    <a:alpha val="70000"/>
+                  </a:schemeClr>
+                </a:solidFill>
+                <a:latin typeface="Calibri" panose="020F0502020204030204" pitchFamily="34" charset="0"/>
+                <a:cs typeface="Calibri" panose="020F0502020204030204" pitchFamily="34" charset="0"/>
+              </a:rPr>
+              <a:t>socket </a:t>
+            </a:r>
+          </a:p>
+          <a:p>
+            <a:pPr algn="r">
+              <a:lnSpc>
+                <a:spcPct val="115000"/>
+              </a:lnSpc>
+              <a:spcAft>
+                <a:spcPts val="600"/>
+              </a:spcAft>
+              <a:buClr>
+                <a:schemeClr val="accent1">
+                  <a:lumMod val="60000"/>
+                  <a:lumOff val="40000"/>
+                </a:schemeClr>
+              </a:buClr>
+            </a:pPr>
+            <a:r>
+              <a:rPr lang="he-IL" sz="3300" dirty="0">
+                <a:solidFill>
+                  <a:schemeClr val="tx1">
+                    <a:alpha val="70000"/>
+                  </a:schemeClr>
+                </a:solidFill>
+                <a:latin typeface="Calibri" panose="020F0502020204030204" pitchFamily="34" charset="0"/>
+                <a:cs typeface="Calibri" panose="020F0502020204030204" pitchFamily="34" charset="0"/>
+              </a:rPr>
+              <a:t>שנפתח לטובת התקשורת, כלומר החיבור מנותק במעבר לכתובת חדשה. </a:t>
+            </a:r>
+          </a:p>
+          <a:p>
+            <a:pPr marL="285750" indent="-285750" algn="r">
+              <a:lnSpc>
+                <a:spcPct val="115000"/>
+              </a:lnSpc>
+              <a:spcAft>
+                <a:spcPts val="600"/>
+              </a:spcAft>
+              <a:buClr>
+                <a:schemeClr val="accent1">
+                  <a:lumMod val="60000"/>
+                  <a:lumOff val="40000"/>
+                </a:schemeClr>
+              </a:buClr>
+              <a:buFontTx/>
+              <a:buChar char="-"/>
+            </a:pPr>
+            <a:endParaRPr lang="he-IL" sz="3300" dirty="0">
+              <a:solidFill>
+                <a:schemeClr val="tx1">
+                  <a:alpha val="70000"/>
+                </a:schemeClr>
+              </a:solidFill>
+              <a:latin typeface="Calibri" panose="020F0502020204030204" pitchFamily="34" charset="0"/>
+              <a:cs typeface="Calibri" panose="020F0502020204030204" pitchFamily="34" charset="0"/>
+            </a:endParaRPr>
+          </a:p>
+          <a:p>
+            <a:pPr algn="r">
+              <a:lnSpc>
+                <a:spcPct val="115000"/>
+              </a:lnSpc>
+              <a:spcAft>
+                <a:spcPts val="600"/>
+              </a:spcAft>
+              <a:buClr>
+                <a:schemeClr val="accent1">
+                  <a:lumMod val="60000"/>
+                  <a:lumOff val="40000"/>
+                </a:schemeClr>
+              </a:buClr>
+            </a:pPr>
+            <a:r>
+              <a:rPr lang="he-IL" sz="3300" dirty="0">
+                <a:solidFill>
+                  <a:schemeClr val="tx1">
+                    <a:alpha val="70000"/>
+                  </a:schemeClr>
+                </a:solidFill>
+                <a:latin typeface="Calibri" panose="020F0502020204030204" pitchFamily="34" charset="0"/>
+                <a:cs typeface="Calibri" panose="020F0502020204030204" pitchFamily="34" charset="0"/>
+              </a:rPr>
+              <a:t>ניתן להתמודד עם כך בעזרת </a:t>
+            </a:r>
+            <a:r>
+              <a:rPr lang="en-US" sz="3300" dirty="0">
+                <a:solidFill>
+                  <a:schemeClr val="tx1">
+                    <a:alpha val="70000"/>
+                  </a:schemeClr>
+                </a:solidFill>
+                <a:latin typeface="Calibri" panose="020F0502020204030204" pitchFamily="34" charset="0"/>
+                <a:cs typeface="Calibri" panose="020F0502020204030204" pitchFamily="34" charset="0"/>
+              </a:rPr>
+              <a:t>web worker </a:t>
+            </a:r>
+            <a:r>
+              <a:rPr lang="he-IL" sz="3300" dirty="0">
+                <a:solidFill>
+                  <a:schemeClr val="tx1">
+                    <a:alpha val="70000"/>
+                  </a:schemeClr>
+                </a:solidFill>
+                <a:latin typeface="Calibri" panose="020F0502020204030204" pitchFamily="34" charset="0"/>
+                <a:cs typeface="Calibri" panose="020F0502020204030204" pitchFamily="34" charset="0"/>
+              </a:rPr>
+              <a:t> המאפשר ריצה מקבילית של ה </a:t>
+            </a:r>
+            <a:r>
+              <a:rPr lang="en-US" sz="3300" dirty="0">
+                <a:solidFill>
+                  <a:schemeClr val="tx1">
+                    <a:alpha val="70000"/>
+                  </a:schemeClr>
+                </a:solidFill>
+                <a:latin typeface="Calibri" panose="020F0502020204030204" pitchFamily="34" charset="0"/>
+                <a:cs typeface="Calibri" panose="020F0502020204030204" pitchFamily="34" charset="0"/>
+              </a:rPr>
+              <a:t>script </a:t>
+            </a:r>
+          </a:p>
+          <a:p>
+            <a:pPr marL="285750" indent="-285750" algn="r">
+              <a:lnSpc>
+                <a:spcPct val="115000"/>
+              </a:lnSpc>
+              <a:spcAft>
+                <a:spcPts val="600"/>
+              </a:spcAft>
+              <a:buClr>
+                <a:schemeClr val="accent1">
+                  <a:lumMod val="60000"/>
+                  <a:lumOff val="40000"/>
+                </a:schemeClr>
+              </a:buClr>
+              <a:buFontTx/>
+              <a:buChar char="-"/>
+            </a:pPr>
+            <a:endParaRPr lang="en-US" sz="3300" dirty="0">
+              <a:solidFill>
+                <a:schemeClr val="tx1">
+                  <a:alpha val="70000"/>
+                </a:schemeClr>
+              </a:solidFill>
+              <a:latin typeface="Calibri" panose="020F0502020204030204" pitchFamily="34" charset="0"/>
+              <a:cs typeface="Calibri" panose="020F0502020204030204" pitchFamily="34" charset="0"/>
+            </a:endParaRPr>
+          </a:p>
+          <a:p>
+            <a:pPr algn="r">
+              <a:lnSpc>
+                <a:spcPct val="115000"/>
+              </a:lnSpc>
+              <a:spcAft>
+                <a:spcPts val="600"/>
+              </a:spcAft>
+              <a:buClr>
+                <a:schemeClr val="accent1">
+                  <a:lumMod val="60000"/>
+                  <a:lumOff val="40000"/>
+                </a:schemeClr>
+              </a:buClr>
+            </a:pPr>
+            <a:r>
+              <a:rPr lang="he-IL" sz="3300" dirty="0">
+                <a:solidFill>
+                  <a:schemeClr val="tx1">
+                    <a:alpha val="70000"/>
+                  </a:schemeClr>
+                </a:solidFill>
+                <a:latin typeface="Calibri" panose="020F0502020204030204" pitchFamily="34" charset="0"/>
+                <a:cs typeface="Calibri" panose="020F0502020204030204" pitchFamily="34" charset="0"/>
+              </a:rPr>
+              <a:t>כאשר אנחנו משתמשים ב-</a:t>
+            </a:r>
+            <a:r>
+              <a:rPr lang="en-US" sz="3300" dirty="0">
+                <a:solidFill>
+                  <a:schemeClr val="tx1">
+                    <a:alpha val="70000"/>
+                  </a:schemeClr>
+                </a:solidFill>
+                <a:latin typeface="Calibri" panose="020F0502020204030204" pitchFamily="34" charset="0"/>
+                <a:cs typeface="Calibri" panose="020F0502020204030204" pitchFamily="34" charset="0"/>
+              </a:rPr>
+              <a:t> script HTML </a:t>
+            </a:r>
+            <a:r>
+              <a:rPr lang="he-IL" sz="3300" dirty="0">
+                <a:solidFill>
+                  <a:schemeClr val="tx1">
+                    <a:alpha val="70000"/>
+                  </a:schemeClr>
+                </a:solidFill>
+                <a:latin typeface="Calibri" panose="020F0502020204030204" pitchFamily="34" charset="0"/>
+                <a:cs typeface="Calibri" panose="020F0502020204030204" pitchFamily="34" charset="0"/>
+              </a:rPr>
+              <a:t>הדף לא זמין עד שה-</a:t>
+            </a:r>
+            <a:r>
+              <a:rPr lang="en-US" sz="3300" dirty="0">
+                <a:solidFill>
+                  <a:schemeClr val="tx1">
+                    <a:alpha val="70000"/>
+                  </a:schemeClr>
+                </a:solidFill>
+                <a:latin typeface="Calibri" panose="020F0502020204030204" pitchFamily="34" charset="0"/>
+                <a:cs typeface="Calibri" panose="020F0502020204030204" pitchFamily="34" charset="0"/>
+              </a:rPr>
+              <a:t> script </a:t>
+            </a:r>
+            <a:r>
+              <a:rPr lang="he-IL" sz="3300" dirty="0">
+                <a:solidFill>
+                  <a:schemeClr val="tx1">
+                    <a:alpha val="70000"/>
+                  </a:schemeClr>
+                </a:solidFill>
+                <a:latin typeface="Calibri" panose="020F0502020204030204" pitchFamily="34" charset="0"/>
+                <a:cs typeface="Calibri" panose="020F0502020204030204" pitchFamily="34" charset="0"/>
+              </a:rPr>
+              <a:t>מסתיים.</a:t>
+            </a:r>
+          </a:p>
+          <a:p>
+            <a:pPr algn="r">
+              <a:lnSpc>
+                <a:spcPct val="115000"/>
+              </a:lnSpc>
+              <a:spcAft>
+                <a:spcPts val="600"/>
+              </a:spcAft>
+              <a:buClr>
+                <a:schemeClr val="accent1">
+                  <a:lumMod val="60000"/>
+                  <a:lumOff val="40000"/>
+                </a:schemeClr>
+              </a:buClr>
+            </a:pPr>
+            <a:r>
+              <a:rPr lang="he-IL" sz="3300" dirty="0">
+                <a:solidFill>
+                  <a:schemeClr val="tx1">
+                    <a:alpha val="70000"/>
+                  </a:schemeClr>
+                </a:solidFill>
+                <a:latin typeface="Calibri" panose="020F0502020204030204" pitchFamily="34" charset="0"/>
+                <a:cs typeface="Calibri" panose="020F0502020204030204" pitchFamily="34" charset="0"/>
+              </a:rPr>
+              <a:t>ה- </a:t>
+            </a:r>
+            <a:r>
+              <a:rPr lang="en-US" sz="3300" dirty="0">
+                <a:solidFill>
+                  <a:schemeClr val="tx1">
+                    <a:alpha val="70000"/>
+                  </a:schemeClr>
+                </a:solidFill>
+                <a:latin typeface="Calibri" panose="020F0502020204030204" pitchFamily="34" charset="0"/>
+                <a:cs typeface="Calibri" panose="020F0502020204030204" pitchFamily="34" charset="0"/>
+              </a:rPr>
+              <a:t>worker </a:t>
+            </a:r>
+            <a:r>
+              <a:rPr lang="he-IL" sz="3300" dirty="0">
+                <a:solidFill>
+                  <a:schemeClr val="tx1">
+                    <a:alpha val="70000"/>
+                  </a:schemeClr>
+                </a:solidFill>
+                <a:latin typeface="Calibri" panose="020F0502020204030204" pitchFamily="34" charset="0"/>
+                <a:cs typeface="Calibri" panose="020F0502020204030204" pitchFamily="34" charset="0"/>
+              </a:rPr>
+              <a:t> מאפשר לנו לפרק את ה </a:t>
+            </a:r>
+            <a:r>
+              <a:rPr lang="en-US" sz="3300" dirty="0">
+                <a:solidFill>
+                  <a:schemeClr val="tx1">
+                    <a:alpha val="70000"/>
+                  </a:schemeClr>
+                </a:solidFill>
+                <a:latin typeface="Calibri" panose="020F0502020204030204" pitchFamily="34" charset="0"/>
+                <a:cs typeface="Calibri" panose="020F0502020204030204" pitchFamily="34" charset="0"/>
+              </a:rPr>
+              <a:t>script </a:t>
+            </a:r>
+            <a:r>
+              <a:rPr lang="he-IL" sz="3300" dirty="0">
+                <a:solidFill>
+                  <a:schemeClr val="tx1">
+                    <a:alpha val="70000"/>
+                  </a:schemeClr>
+                </a:solidFill>
+                <a:latin typeface="Calibri" panose="020F0502020204030204" pitchFamily="34" charset="0"/>
+                <a:cs typeface="Calibri" panose="020F0502020204030204" pitchFamily="34" charset="0"/>
+              </a:rPr>
+              <a:t> למספר תהליכים עצמאיים שרצים ברקע, כך שה</a:t>
+            </a:r>
+            <a:r>
+              <a:rPr lang="en-US" sz="3300" dirty="0">
+                <a:solidFill>
+                  <a:schemeClr val="tx1">
+                    <a:alpha val="70000"/>
+                  </a:schemeClr>
+                </a:solidFill>
+                <a:latin typeface="Calibri" panose="020F0502020204030204" pitchFamily="34" charset="0"/>
+                <a:cs typeface="Calibri" panose="020F0502020204030204" pitchFamily="34" charset="0"/>
+              </a:rPr>
+              <a:t>worker </a:t>
+            </a:r>
+            <a:r>
+              <a:rPr lang="he-IL" sz="3300" dirty="0">
+                <a:solidFill>
+                  <a:schemeClr val="tx1">
+                    <a:alpha val="70000"/>
+                  </a:schemeClr>
+                </a:solidFill>
+                <a:latin typeface="Calibri" panose="020F0502020204030204" pitchFamily="34" charset="0"/>
+                <a:cs typeface="Calibri" panose="020F0502020204030204" pitchFamily="34" charset="0"/>
+              </a:rPr>
+              <a:t> יכול לבצע משימות מבלי להפריע לממשק המשתמש. </a:t>
+            </a:r>
+          </a:p>
+          <a:p>
+            <a:pPr marL="285750" indent="-285750" algn="r">
+              <a:lnSpc>
+                <a:spcPct val="115000"/>
+              </a:lnSpc>
+              <a:spcAft>
+                <a:spcPts val="600"/>
+              </a:spcAft>
+              <a:buClr>
+                <a:schemeClr val="accent1">
+                  <a:lumMod val="60000"/>
+                  <a:lumOff val="40000"/>
+                </a:schemeClr>
+              </a:buClr>
+              <a:buFontTx/>
+              <a:buChar char="-"/>
+            </a:pPr>
+            <a:endParaRPr lang="he-IL" sz="3300" dirty="0">
+              <a:solidFill>
+                <a:schemeClr val="tx1">
+                  <a:alpha val="70000"/>
+                </a:schemeClr>
+              </a:solidFill>
+              <a:latin typeface="Calibri" panose="020F0502020204030204" pitchFamily="34" charset="0"/>
+              <a:cs typeface="Calibri" panose="020F0502020204030204" pitchFamily="34" charset="0"/>
+            </a:endParaRPr>
+          </a:p>
+          <a:p>
+            <a:pPr algn="r">
+              <a:lnSpc>
+                <a:spcPct val="115000"/>
+              </a:lnSpc>
+              <a:spcAft>
+                <a:spcPts val="600"/>
+              </a:spcAft>
+              <a:buClr>
+                <a:schemeClr val="accent1">
+                  <a:lumMod val="60000"/>
+                  <a:lumOff val="40000"/>
+                </a:schemeClr>
+              </a:buClr>
+            </a:pPr>
+            <a:r>
+              <a:rPr lang="he-IL" sz="3300" dirty="0">
+                <a:solidFill>
+                  <a:schemeClr val="tx1">
+                    <a:alpha val="70000"/>
+                  </a:schemeClr>
+                </a:solidFill>
+                <a:latin typeface="Calibri" panose="020F0502020204030204" pitchFamily="34" charset="0"/>
+                <a:cs typeface="Calibri" panose="020F0502020204030204" pitchFamily="34" charset="0"/>
+              </a:rPr>
+              <a:t>כלומר על מנת שלקוח יוכל לעבור בין הדפים מבלי שהחיבור ייסגר,  נוכל לפתוח חיבור ל-</a:t>
+            </a:r>
+            <a:r>
+              <a:rPr lang="en-US" sz="3300" dirty="0">
+                <a:solidFill>
+                  <a:schemeClr val="tx1">
+                    <a:alpha val="70000"/>
+                  </a:schemeClr>
+                </a:solidFill>
+                <a:latin typeface="Calibri" panose="020F0502020204030204" pitchFamily="34" charset="0"/>
+                <a:cs typeface="Calibri" panose="020F0502020204030204" pitchFamily="34" charset="0"/>
+              </a:rPr>
+              <a:t>web worker </a:t>
+            </a:r>
+            <a:r>
+              <a:rPr lang="he-IL" sz="3300" dirty="0">
+                <a:solidFill>
+                  <a:schemeClr val="tx1">
+                    <a:alpha val="70000"/>
+                  </a:schemeClr>
+                </a:solidFill>
+                <a:latin typeface="Calibri" panose="020F0502020204030204" pitchFamily="34" charset="0"/>
+                <a:cs typeface="Calibri" panose="020F0502020204030204" pitchFamily="34" charset="0"/>
+              </a:rPr>
+              <a:t>. החיבור יפעל עד שכל הדפים ייסגרו, חיבור יחיד יכול לשמש לכמה דפים עבור אותו לקוח.</a:t>
+            </a:r>
+          </a:p>
+          <a:p>
+            <a:pPr algn="r">
+              <a:lnSpc>
+                <a:spcPct val="115000"/>
+              </a:lnSpc>
+              <a:spcAft>
+                <a:spcPts val="600"/>
+              </a:spcAft>
+              <a:buClr>
+                <a:schemeClr val="accent1">
+                  <a:lumMod val="60000"/>
+                  <a:lumOff val="40000"/>
+                </a:schemeClr>
+              </a:buClr>
+            </a:pPr>
+            <a:endParaRPr lang="en-US" sz="1600" dirty="0">
+              <a:solidFill>
+                <a:schemeClr val="tx1">
+                  <a:alpha val="70000"/>
+                </a:schemeClr>
+              </a:solidFill>
+              <a:latin typeface="Calibri" panose="020F0502020204030204" pitchFamily="34" charset="0"/>
+              <a:cs typeface="Calibri" panose="020F0502020204030204" pitchFamily="34" charset="0"/>
+            </a:endParaRPr>
+          </a:p>
+        </p:txBody>
+      </p:sp>
+      <p:sp>
+        <p:nvSpPr>
+          <p:cNvPr id="155" name="Rectangle 154">
+            <a:extLst>
+              <a:ext uri="{FF2B5EF4-FFF2-40B4-BE49-F238E27FC236}">
+                <a16:creationId xmlns:a16="http://schemas.microsoft.com/office/drawing/2014/main" id="{AA11AC2B-E0EE-4BB9-8BC1-EC5DA9DBEE30}"/>
+              </a:ext>
+              <a:ext uri="{C183D7F6-B498-43B3-948B-1728B52AA6E4}">
+                <adec:decorative xmlns:adec="http://schemas.microsoft.com/office/drawing/2017/decorative" val="1"/>
+              </a:ext>
+            </a:extLst>
+          </p:cNvPr>
+          <p:cNvSpPr>
+            <a:spLocks noGrp="1" noRot="1" noChangeAspect="1" noMove="1" noResize="1" noEditPoints="1" noAdjustHandles="1" noChangeArrowheads="1" noChangeShapeType="1" noTextEdit="1"/>
+          </p:cNvSpPr>
+          <p:nvPr>
+            <p:extLst>
+              <p:ext uri="{386F3935-93C4-4BCD-93E2-E3B085C9AB24}">
+                <p16:designElem xmlns:p16="http://schemas.microsoft.com/office/powerpoint/2015/main" val="1"/>
+              </p:ext>
+            </p:extLst>
+          </p:nvPr>
+        </p:nvSpPr>
+        <p:spPr>
+          <a:xfrm>
+            <a:off x="6654794" y="0"/>
+            <a:ext cx="5537206" cy="6858000"/>
+          </a:xfrm>
+          <a:prstGeom prst="rect">
+            <a:avLst/>
+          </a:prstGeom>
+          <a:solidFill>
+            <a:schemeClr val="bg1">
+              <a:alpha val="20000"/>
+            </a:schemeClr>
+          </a:solidFill>
+          <a:ln w="12700" cap="flat" cmpd="sng" algn="ctr">
+            <a:noFill/>
+            <a:prstDash val="solid"/>
+            <a:miter lim="800000"/>
+          </a:ln>
+          <a:effectLst/>
+        </p:spPr>
+        <p:style>
+          <a:lnRef idx="2">
+            <a:schemeClr val="accent1">
+              <a:shade val="50000"/>
+            </a:schemeClr>
+          </a:lnRef>
+          <a:fillRef idx="1">
+            <a:schemeClr val="accent1"/>
+          </a:fillRef>
+          <a:effectRef idx="0">
+            <a:schemeClr val="accent1"/>
+          </a:effectRef>
+          <a:fontRef idx="minor">
+            <a:schemeClr val="lt1"/>
+          </a:fontRef>
+        </p:style>
+        <p:txBody>
+          <a:bodyPr rtlCol="0" anchor="ctr"/>
+          <a:lstStyle/>
+          <a:p>
+            <a:pPr algn="ctr"/>
+            <a:endParaRPr lang="en-US">
+              <a:solidFill>
+                <a:schemeClr val="bg1">
+                  <a:alpha val="20000"/>
+                </a:schemeClr>
+              </a:solidFill>
+            </a:endParaRPr>
+          </a:p>
+        </p:txBody>
+      </p:sp>
+      <p:pic>
+        <p:nvPicPr>
+          <p:cNvPr id="1026" name="Picture 2" descr="קבוצת מי מת על המיניונים!? - סימניה">
+            <a:extLst>
+              <a:ext uri="{FF2B5EF4-FFF2-40B4-BE49-F238E27FC236}">
+                <a16:creationId xmlns:a16="http://schemas.microsoft.com/office/drawing/2014/main" id="{F3D83338-651F-4A0B-B56A-F94EACA2537B}"/>
+              </a:ext>
+            </a:extLst>
+          </p:cNvPr>
+          <p:cNvPicPr>
+            <a:picLocks noChangeAspect="1" noChangeArrowheads="1"/>
+          </p:cNvPicPr>
+          <p:nvPr/>
+        </p:nvPicPr>
+        <p:blipFill rotWithShape="1">
+          <a:blip r:embed="rId2">
+            <a:extLst>
+              <a:ext uri="{28A0092B-C50C-407E-A947-70E740481C1C}">
+                <a14:useLocalDpi xmlns:a14="http://schemas.microsoft.com/office/drawing/2010/main" val="0"/>
+              </a:ext>
+            </a:extLst>
+          </a:blip>
+          <a:srcRect l="23073" r="4059"/>
+          <a:stretch/>
+        </p:blipFill>
+        <p:spPr bwMode="auto">
+          <a:xfrm>
+            <a:off x="7761864" y="540032"/>
+            <a:ext cx="3326147" cy="5778000"/>
+          </a:xfrm>
+          <a:prstGeom prst="rect">
+            <a:avLst/>
+          </a:prstGeom>
+          <a:noFill/>
+          <a:extLst>
+            <a:ext uri="{909E8E84-426E-40DD-AFC4-6F175D3DCCD1}">
+              <a14:hiddenFill xmlns:a14="http://schemas.microsoft.com/office/drawing/2010/main">
+                <a:solidFill>
+                  <a:srgbClr val="FFFFFF"/>
+                </a:solidFill>
+              </a14:hiddenFill>
+            </a:ext>
+          </a:extLst>
+        </p:spPr>
+      </p:pic>
+    </p:spTree>
+    <p:extLst>
+      <p:ext uri="{BB962C8B-B14F-4D97-AF65-F5344CB8AC3E}">
+        <p14:creationId xmlns:p14="http://schemas.microsoft.com/office/powerpoint/2010/main" val="3146437629"/>
+      </p:ext>
+    </p:extLst>
+  </p:cSld>
+  <p:clrMapOvr>
+    <a:masterClrMapping/>
+  </p:clrMapOvr>
+  <p:timing>
+    <p:tnLst>
+      <p:par>
+        <p:cTn id="1" dur="indefinite" restart="never" nodeType="tmRoot">
+          <p:childTnLst>
+            <p:seq concurrent="1" nextAc="seek">
+              <p:cTn id="2" dur="indefinite" nodeType="mainSeq">
+                <p:childTnLst>
+                  <p:par>
+                    <p:cTn id="3" fill="hold">
+                      <p:stCondLst>
+                        <p:cond delay="indefinite"/>
+                      </p:stCondLst>
+                      <p:childTnLst>
+                        <p:par>
+                          <p:cTn id="4" fill="hold">
+                            <p:stCondLst>
+                              <p:cond delay="0"/>
+                            </p:stCondLst>
+                            <p:childTnLst>
+                              <p:par>
+                                <p:cTn id="5" presetID="10" presetClass="entr" presetSubtype="0" fill="hold" grpId="0" nodeType="clickEffect">
+                                  <p:stCondLst>
+                                    <p:cond delay="0"/>
+                                  </p:stCondLst>
+                                  <p:childTnLst>
+                                    <p:set>
+                                      <p:cBhvr>
+                                        <p:cTn id="6" dur="1" fill="hold">
+                                          <p:stCondLst>
+                                            <p:cond delay="0"/>
+                                          </p:stCondLst>
+                                        </p:cTn>
+                                        <p:tgtEl>
+                                          <p:spTgt spid="4"/>
+                                        </p:tgtEl>
+                                        <p:attrNameLst>
+                                          <p:attrName>style.visibility</p:attrName>
+                                        </p:attrNameLst>
+                                      </p:cBhvr>
+                                      <p:to>
+                                        <p:strVal val="visible"/>
+                                      </p:to>
+                                    </p:set>
+                                    <p:animEffect transition="in" filter="fade">
+                                      <p:cBhvr>
+                                        <p:cTn id="7" dur="500"/>
+                                        <p:tgtEl>
+                                          <p:spTgt spid="4"/>
+                                        </p:tgtEl>
+                                      </p:cBhvr>
+                                    </p:animEffect>
+                                  </p:childTnLst>
+                                </p:cTn>
+                              </p:par>
+                            </p:childTnLst>
+                          </p:cTn>
+                        </p:par>
+                      </p:childTnLst>
+                    </p:cTn>
+                  </p:par>
+                </p:childTnLst>
+              </p:cTn>
+              <p:prevCondLst>
+                <p:cond evt="onPrev" delay="0">
+                  <p:tgtEl>
+                    <p:sldTgt/>
+                  </p:tgtEl>
+                </p:cond>
+              </p:prevCondLst>
+              <p:nextCondLst>
+                <p:cond evt="onNext" delay="0">
+                  <p:tgtEl>
+                    <p:sldTgt/>
+                  </p:tgtEl>
+                </p:cond>
+              </p:nextCondLst>
+            </p:seq>
+          </p:childTnLst>
+        </p:cTn>
+      </p:par>
+    </p:tnLst>
+    <p:bldLst>
+      <p:bldP spid="4" grpId="0"/>
+    </p:bldLst>
+  </p:timing>
+</p:sld>
+</file>
+
+<file path=ppt/slides/slide5.xml><?xml version="1.0" encoding="utf-8"?>
+<p:sld xmlns:a="http://schemas.openxmlformats.org/drawingml/2006/main" xmlns:r="http://schemas.openxmlformats.org/officeDocument/2006/relationships" xmlns:p="http://schemas.openxmlformats.org/presentationml/2006/main">
+  <p:cSld>
+    <p:bg>
+      <p:bgPr>
+        <a:solidFill>
+          <a:schemeClr val="bg2"/>
+        </a:solidFill>
+        <a:effectLst/>
+      </p:bgPr>
+    </p:bg>
+    <p:spTree>
+      <p:nvGrpSpPr>
+        <p:cNvPr id="1" name=""/>
+        <p:cNvGrpSpPr/>
+        <p:nvPr/>
+      </p:nvGrpSpPr>
+      <p:grpSpPr>
+        <a:xfrm>
+          <a:off x="0" y="0"/>
+          <a:ext cx="0" cy="0"/>
+          <a:chOff x="0" y="0"/>
+          <a:chExt cx="0" cy="0"/>
+        </a:xfrm>
+      </p:grpSpPr>
+      <p:sp useBgFill="1">
+        <p:nvSpPr>
+          <p:cNvPr id="151" name="Rectangle 150">
+            <a:extLst>
+              <a:ext uri="{FF2B5EF4-FFF2-40B4-BE49-F238E27FC236}">
+                <a16:creationId xmlns:a16="http://schemas.microsoft.com/office/drawing/2014/main" id="{DB66C9CD-6BF4-44CA-8078-0BB819080761}"/>
+              </a:ext>
+              <a:ext uri="{C183D7F6-B498-43B3-948B-1728B52AA6E4}">
+                <adec:decorative xmlns:adec="http://schemas.microsoft.com/office/drawing/2017/decorative" val="1"/>
+              </a:ext>
+            </a:extLst>
+          </p:cNvPr>
+          <p:cNvSpPr>
+            <a:spLocks noGrp="1" noRot="1" noChangeAspect="1" noMove="1" noResize="1" noEditPoints="1" noAdjustHandles="1" noChangeArrowheads="1" noChangeShapeType="1" noTextEdit="1"/>
+          </p:cNvSpPr>
+          <p:nvPr>
+            <p:extLst>
+              <p:ext uri="{386F3935-93C4-4BCD-93E2-E3B085C9AB24}">
+                <p16:designElem xmlns:p16="http://schemas.microsoft.com/office/powerpoint/2015/main" val="1"/>
+              </p:ext>
+            </p:extLst>
+          </p:nvPr>
+        </p:nvSpPr>
+        <p:spPr>
+          <a:xfrm>
+            <a:off x="0" y="0"/>
+            <a:ext cx="12192000" cy="6858000"/>
+          </a:xfrm>
+          <a:prstGeom prst="rect">
+            <a:avLst/>
+          </a:prstGeom>
+          <a:ln w="12700" cap="flat" cmpd="sng" algn="ctr">
+            <a:noFill/>
+            <a:prstDash val="solid"/>
+            <a:miter lim="800000"/>
+          </a:ln>
+          <a:effectLst/>
+          <a:extLst>
+            <a:ext uri="{91240B29-F687-4F45-9708-019B960494DF}">
+              <a14:hiddenLine xmlns:a14="http://schemas.microsoft.com/office/drawing/2010/main" w="12700" cap="flat" cmpd="sng" algn="ctr">
+                <a:solidFill>
+                  <a:schemeClr val="accent1">
+                    <a:shade val="50000"/>
+                  </a:schemeClr>
+                </a:solidFill>
+                <a:prstDash val="solid"/>
+                <a:miter lim="800000"/>
+              </a14:hiddenLine>
+            </a:ext>
+          </a:extLst>
+        </p:spPr>
+        <p:style>
+          <a:lnRef idx="2">
+            <a:schemeClr val="accent1">
+              <a:shade val="50000"/>
+            </a:schemeClr>
+          </a:lnRef>
+          <a:fillRef idx="1">
+            <a:schemeClr val="accent1"/>
+          </a:fillRef>
+          <a:effectRef idx="0">
+            <a:schemeClr val="accent1"/>
+          </a:effectRef>
+          <a:fontRef idx="minor">
+            <a:schemeClr val="lt1"/>
+          </a:fontRef>
+        </p:style>
+        <p:txBody>
+          <a:bodyPr rtlCol="0" anchor="ctr"/>
+          <a:lstStyle/>
+          <a:p>
+            <a:pPr algn="ctr"/>
+            <a:endParaRPr lang="en-US"/>
+          </a:p>
+        </p:txBody>
+      </p:sp>
+      <p:sp>
+        <p:nvSpPr>
+          <p:cNvPr id="2" name="כותרת 1">
+            <a:extLst>
+              <a:ext uri="{FF2B5EF4-FFF2-40B4-BE49-F238E27FC236}">
+                <a16:creationId xmlns:a16="http://schemas.microsoft.com/office/drawing/2014/main" id="{5C1253EA-DD0D-4C43-BE11-E17ABD7D0188}"/>
+              </a:ext>
+            </a:extLst>
+          </p:cNvPr>
+          <p:cNvSpPr>
+            <a:spLocks noGrp="1"/>
+          </p:cNvSpPr>
+          <p:nvPr>
+            <p:ph type="title"/>
+          </p:nvPr>
+        </p:nvSpPr>
+        <p:spPr>
+          <a:xfrm>
+            <a:off x="451350" y="835370"/>
+            <a:ext cx="5537206" cy="1331605"/>
+          </a:xfrm>
+        </p:spPr>
+        <p:txBody>
+          <a:bodyPr vert="horz" lIns="0" tIns="0" rIns="0" bIns="0" rtlCol="0" anchor="b" anchorCtr="0">
+            <a:noAutofit/>
+          </a:bodyPr>
+          <a:lstStyle/>
+          <a:p>
+            <a:pPr rtl="1">
+              <a:lnSpc>
+                <a:spcPct val="90000"/>
+              </a:lnSpc>
+            </a:pPr>
+            <a:r>
+              <a:rPr lang="he-IL" sz="2400" dirty="0">
+                <a:latin typeface="Calibri" panose="020F0502020204030204" pitchFamily="34" charset="0"/>
+                <a:ea typeface="+mn-ea"/>
+                <a:cs typeface="Calibri" panose="020F0502020204030204" pitchFamily="34" charset="0"/>
+              </a:rPr>
+              <a:t>מדוע תקשורת דו-כיוונית סותרת את </a:t>
+            </a:r>
+            <a:br>
+              <a:rPr lang="he-IL" sz="2400" dirty="0">
+                <a:latin typeface="Calibri" panose="020F0502020204030204" pitchFamily="34" charset="0"/>
+                <a:ea typeface="+mn-ea"/>
+                <a:cs typeface="Calibri" panose="020F0502020204030204" pitchFamily="34" charset="0"/>
+              </a:rPr>
+            </a:br>
+            <a:r>
+              <a:rPr lang="he-IL" sz="2400" dirty="0">
+                <a:latin typeface="Calibri" panose="020F0502020204030204" pitchFamily="34" charset="0"/>
+                <a:ea typeface="+mn-ea"/>
+                <a:cs typeface="Calibri" panose="020F0502020204030204" pitchFamily="34" charset="0"/>
+              </a:rPr>
+              <a:t>הארכיטקטורה שלנו ?</a:t>
+            </a:r>
+            <a:br>
+              <a:rPr lang="he-IL" sz="2400" dirty="0">
+                <a:latin typeface="Calibri" panose="020F0502020204030204" pitchFamily="34" charset="0"/>
+                <a:ea typeface="+mn-ea"/>
+                <a:cs typeface="Calibri" panose="020F0502020204030204" pitchFamily="34" charset="0"/>
+              </a:rPr>
+            </a:br>
+            <a:endParaRPr lang="en-US" sz="2400" dirty="0">
+              <a:latin typeface="Calibri" panose="020F0502020204030204" pitchFamily="34" charset="0"/>
+              <a:ea typeface="+mn-ea"/>
+              <a:cs typeface="Calibri" panose="020F0502020204030204" pitchFamily="34" charset="0"/>
+            </a:endParaRPr>
+          </a:p>
+        </p:txBody>
+      </p:sp>
+      <p:cxnSp>
+        <p:nvCxnSpPr>
+          <p:cNvPr id="153" name="Straight Connector 152">
+            <a:extLst>
+              <a:ext uri="{FF2B5EF4-FFF2-40B4-BE49-F238E27FC236}">
+                <a16:creationId xmlns:a16="http://schemas.microsoft.com/office/drawing/2014/main" id="{77C6DF49-CBE3-4038-AC78-35DE4FD7CE8E}"/>
+              </a:ext>
+              <a:ext uri="{C183D7F6-B498-43B3-948B-1728B52AA6E4}">
+                <adec:decorative xmlns:adec="http://schemas.microsoft.com/office/drawing/2017/decorative" val="1"/>
+              </a:ext>
+            </a:extLst>
+          </p:cNvPr>
+          <p:cNvCxnSpPr>
+            <a:cxnSpLocks noGrp="1" noRot="1" noChangeAspect="1" noMove="1" noResize="1" noEditPoints="1" noAdjustHandles="1" noChangeArrowheads="1" noChangeShapeType="1"/>
+          </p:cNvCxnSpPr>
+          <p:nvPr>
+            <p:extLst>
+              <p:ext uri="{386F3935-93C4-4BCD-93E2-E3B085C9AB24}">
+                <p16:designElem xmlns:p16="http://schemas.microsoft.com/office/powerpoint/2015/main" val="1"/>
+              </p:ext>
+            </p:extLst>
+          </p:nvPr>
+        </p:nvCxnSpPr>
+        <p:spPr>
+          <a:xfrm>
+            <a:off x="3023391" y="2310207"/>
+            <a:ext cx="540000" cy="0"/>
+          </a:xfrm>
+          <a:prstGeom prst="line">
+            <a:avLst/>
+          </a:prstGeom>
+          <a:ln w="12700">
+            <a:solidFill>
+              <a:schemeClr val="tx1"/>
+            </a:solidFill>
+          </a:ln>
+        </p:spPr>
+        <p:style>
+          <a:lnRef idx="1">
+            <a:schemeClr val="accent1"/>
+          </a:lnRef>
+          <a:fillRef idx="0">
+            <a:schemeClr val="accent1"/>
+          </a:fillRef>
+          <a:effectRef idx="0">
+            <a:schemeClr val="accent1"/>
+          </a:effectRef>
+          <a:fontRef idx="minor">
+            <a:schemeClr val="tx1"/>
+          </a:fontRef>
+        </p:style>
+      </p:cxnSp>
+      <p:sp>
+        <p:nvSpPr>
+          <p:cNvPr id="4" name="תיבת טקסט 3">
+            <a:extLst>
+              <a:ext uri="{FF2B5EF4-FFF2-40B4-BE49-F238E27FC236}">
+                <a16:creationId xmlns:a16="http://schemas.microsoft.com/office/drawing/2014/main" id="{D33E593E-FD97-4E17-87DD-4A783D8682C5}"/>
+              </a:ext>
+            </a:extLst>
+          </p:cNvPr>
+          <p:cNvSpPr txBox="1"/>
+          <p:nvPr/>
+        </p:nvSpPr>
+        <p:spPr>
+          <a:xfrm>
+            <a:off x="-2669" y="2570165"/>
+            <a:ext cx="6654794" cy="4092967"/>
+          </a:xfrm>
+          <a:prstGeom prst="rect">
+            <a:avLst/>
+          </a:prstGeom>
+        </p:spPr>
+        <p:txBody>
+          <a:bodyPr vert="horz" lIns="0" tIns="0" rIns="0" bIns="0" rtlCol="0" anchor="t" anchorCtr="0">
+            <a:normAutofit/>
+          </a:bodyPr>
+          <a:lstStyle/>
+          <a:p>
+            <a:pPr algn="r">
+              <a:lnSpc>
+                <a:spcPct val="115000"/>
+              </a:lnSpc>
+              <a:spcAft>
+                <a:spcPts val="600"/>
+              </a:spcAft>
+              <a:buClr>
+                <a:schemeClr val="accent1">
+                  <a:lumMod val="60000"/>
+                  <a:lumOff val="40000"/>
+                </a:schemeClr>
+              </a:buClr>
+            </a:pPr>
+            <a:r>
+              <a:rPr lang="he-IL" dirty="0">
+                <a:solidFill>
+                  <a:schemeClr val="tx1">
+                    <a:alpha val="70000"/>
+                  </a:schemeClr>
+                </a:solidFill>
+                <a:latin typeface="Calibri" panose="020F0502020204030204" pitchFamily="34" charset="0"/>
+                <a:cs typeface="Calibri" panose="020F0502020204030204" pitchFamily="34" charset="0"/>
+              </a:rPr>
+              <a:t>במערכת שלנו מערכת המסחר מהווה את השרת והמשתמשים את הלקוח. </a:t>
+            </a:r>
+            <a:br>
+              <a:rPr lang="en-US" dirty="0">
+                <a:solidFill>
+                  <a:schemeClr val="tx1">
+                    <a:alpha val="70000"/>
+                  </a:schemeClr>
+                </a:solidFill>
+                <a:latin typeface="Calibri" panose="020F0502020204030204" pitchFamily="34" charset="0"/>
+                <a:cs typeface="Calibri" panose="020F0502020204030204" pitchFamily="34" charset="0"/>
+              </a:rPr>
+            </a:br>
+            <a:r>
+              <a:rPr lang="he-IL" dirty="0">
+                <a:solidFill>
+                  <a:schemeClr val="tx1">
+                    <a:alpha val="70000"/>
+                  </a:schemeClr>
+                </a:solidFill>
+                <a:latin typeface="Calibri" panose="020F0502020204030204" pitchFamily="34" charset="0"/>
+                <a:cs typeface="Calibri" panose="020F0502020204030204" pitchFamily="34" charset="0"/>
+              </a:rPr>
+              <a:t>הלקוח יכול לפנות לשירותי המערכת, לבצע בה פעולות שונות, לבקש מידע ועוד.</a:t>
+            </a:r>
+          </a:p>
+          <a:p>
+            <a:pPr algn="r">
+              <a:lnSpc>
+                <a:spcPct val="115000"/>
+              </a:lnSpc>
+              <a:spcAft>
+                <a:spcPts val="600"/>
+              </a:spcAft>
+              <a:buClr>
+                <a:schemeClr val="accent1">
+                  <a:lumMod val="60000"/>
+                  <a:lumOff val="40000"/>
+                </a:schemeClr>
+              </a:buClr>
+            </a:pPr>
+            <a:r>
+              <a:rPr lang="he-IL" dirty="0">
+                <a:solidFill>
+                  <a:schemeClr val="tx1">
+                    <a:alpha val="70000"/>
+                  </a:schemeClr>
+                </a:solidFill>
+                <a:latin typeface="Calibri" panose="020F0502020204030204" pitchFamily="34" charset="0"/>
+                <a:cs typeface="Calibri" panose="020F0502020204030204" pitchFamily="34" charset="0"/>
+              </a:rPr>
+              <a:t>כלומר מתבצעת תקשורת חד- כיוונית בין הלקוח לשרת. הלקוח יוזם את התקשורת וממתין למענה על הבקשה שביצע מהמערכת. הלקוח אינו מאזין להודעות השרת מלבד אותו מענה, ועל כן ניסיון של השרת ליזום תקשורת ייכשל. </a:t>
+            </a:r>
+            <a:br>
+              <a:rPr lang="en-US" dirty="0">
+                <a:solidFill>
+                  <a:schemeClr val="tx1">
+                    <a:alpha val="70000"/>
+                  </a:schemeClr>
+                </a:solidFill>
+                <a:latin typeface="Calibri" panose="020F0502020204030204" pitchFamily="34" charset="0"/>
+                <a:cs typeface="Calibri" panose="020F0502020204030204" pitchFamily="34" charset="0"/>
+              </a:rPr>
+            </a:br>
+            <a:endParaRPr lang="he-IL" dirty="0">
+              <a:solidFill>
+                <a:schemeClr val="tx1">
+                  <a:alpha val="70000"/>
+                </a:schemeClr>
+              </a:solidFill>
+              <a:latin typeface="Calibri" panose="020F0502020204030204" pitchFamily="34" charset="0"/>
+              <a:cs typeface="Calibri" panose="020F0502020204030204" pitchFamily="34" charset="0"/>
+            </a:endParaRPr>
+          </a:p>
+          <a:p>
+            <a:pPr algn="r">
+              <a:lnSpc>
+                <a:spcPct val="115000"/>
+              </a:lnSpc>
+              <a:spcAft>
+                <a:spcPts val="600"/>
+              </a:spcAft>
+              <a:buClr>
+                <a:schemeClr val="accent1">
+                  <a:lumMod val="60000"/>
+                  <a:lumOff val="40000"/>
+                </a:schemeClr>
+              </a:buClr>
+            </a:pPr>
+            <a:r>
+              <a:rPr lang="he-IL" dirty="0">
+                <a:solidFill>
+                  <a:schemeClr val="tx1">
+                    <a:alpha val="70000"/>
+                  </a:schemeClr>
+                </a:solidFill>
+                <a:latin typeface="Calibri" panose="020F0502020204030204" pitchFamily="34" charset="0"/>
+                <a:cs typeface="Calibri" panose="020F0502020204030204" pitchFamily="34" charset="0"/>
+              </a:rPr>
+              <a:t>מידול המערכת שלנו נעשה לפי ארכיטקטורת שלושת השכבות. כלומר ישנה זרימה היררכית של הודעות מלמעלה למטה, מהשכבות העליונות אל התחתונות. </a:t>
+            </a:r>
+          </a:p>
+          <a:p>
+            <a:pPr algn="r">
+              <a:lnSpc>
+                <a:spcPct val="115000"/>
+              </a:lnSpc>
+              <a:spcAft>
+                <a:spcPts val="600"/>
+              </a:spcAft>
+              <a:buClr>
+                <a:schemeClr val="accent1">
+                  <a:lumMod val="60000"/>
+                  <a:lumOff val="40000"/>
+                </a:schemeClr>
+              </a:buClr>
+            </a:pPr>
+            <a:r>
+              <a:rPr lang="he-IL" dirty="0">
+                <a:solidFill>
+                  <a:schemeClr val="tx1">
+                    <a:alpha val="70000"/>
+                  </a:schemeClr>
+                </a:solidFill>
+                <a:latin typeface="Calibri" panose="020F0502020204030204" pitchFamily="34" charset="0"/>
+                <a:cs typeface="Calibri" panose="020F0502020204030204" pitchFamily="34" charset="0"/>
+              </a:rPr>
+              <a:t>תקשורת דו- כיוונית תאלץ העברת הודעות בכיוון ההפוך מהמחלקות התחתונות לעליונות, ותהווה שבירה של המודל.</a:t>
+            </a:r>
+          </a:p>
+        </p:txBody>
+      </p:sp>
+      <p:sp>
+        <p:nvSpPr>
+          <p:cNvPr id="155" name="Rectangle 154">
+            <a:extLst>
+              <a:ext uri="{FF2B5EF4-FFF2-40B4-BE49-F238E27FC236}">
+                <a16:creationId xmlns:a16="http://schemas.microsoft.com/office/drawing/2014/main" id="{AA11AC2B-E0EE-4BB9-8BC1-EC5DA9DBEE30}"/>
+              </a:ext>
+              <a:ext uri="{C183D7F6-B498-43B3-948B-1728B52AA6E4}">
+                <adec:decorative xmlns:adec="http://schemas.microsoft.com/office/drawing/2017/decorative" val="1"/>
+              </a:ext>
+            </a:extLst>
+          </p:cNvPr>
+          <p:cNvSpPr>
+            <a:spLocks noGrp="1" noRot="1" noChangeAspect="1" noMove="1" noResize="1" noEditPoints="1" noAdjustHandles="1" noChangeArrowheads="1" noChangeShapeType="1" noTextEdit="1"/>
+          </p:cNvSpPr>
+          <p:nvPr>
+            <p:extLst>
+              <p:ext uri="{386F3935-93C4-4BCD-93E2-E3B085C9AB24}">
+                <p16:designElem xmlns:p16="http://schemas.microsoft.com/office/powerpoint/2015/main" val="1"/>
+              </p:ext>
+            </p:extLst>
+          </p:nvPr>
+        </p:nvSpPr>
+        <p:spPr>
+          <a:xfrm>
+            <a:off x="6654794" y="0"/>
+            <a:ext cx="5537206" cy="6858000"/>
+          </a:xfrm>
+          <a:prstGeom prst="rect">
+            <a:avLst/>
+          </a:prstGeom>
+          <a:solidFill>
+            <a:schemeClr val="bg1">
+              <a:alpha val="20000"/>
+            </a:schemeClr>
+          </a:solidFill>
+          <a:ln w="12700" cap="flat" cmpd="sng" algn="ctr">
+            <a:noFill/>
+            <a:prstDash val="solid"/>
+            <a:miter lim="800000"/>
+          </a:ln>
+          <a:effectLst/>
+        </p:spPr>
+        <p:style>
+          <a:lnRef idx="2">
+            <a:schemeClr val="accent1">
+              <a:shade val="50000"/>
+            </a:schemeClr>
+          </a:lnRef>
+          <a:fillRef idx="1">
+            <a:schemeClr val="accent1"/>
+          </a:fillRef>
+          <a:effectRef idx="0">
+            <a:schemeClr val="accent1"/>
+          </a:effectRef>
+          <a:fontRef idx="minor">
+            <a:schemeClr val="lt1"/>
+          </a:fontRef>
+        </p:style>
+        <p:txBody>
+          <a:bodyPr rtlCol="0" anchor="ctr"/>
+          <a:lstStyle/>
+          <a:p>
+            <a:pPr algn="ctr"/>
+            <a:endParaRPr lang="en-US">
+              <a:solidFill>
+                <a:schemeClr val="bg1">
+                  <a:alpha val="20000"/>
+                </a:schemeClr>
+              </a:solidFill>
+            </a:endParaRPr>
+          </a:p>
+        </p:txBody>
+      </p:sp>
+      <p:pic>
+        <p:nvPicPr>
+          <p:cNvPr id="1026" name="Picture 2" descr="קבוצת מי מת על המיניונים!? - סימניה">
+            <a:extLst>
+              <a:ext uri="{FF2B5EF4-FFF2-40B4-BE49-F238E27FC236}">
+                <a16:creationId xmlns:a16="http://schemas.microsoft.com/office/drawing/2014/main" id="{F3D83338-651F-4A0B-B56A-F94EACA2537B}"/>
+              </a:ext>
+            </a:extLst>
+          </p:cNvPr>
+          <p:cNvPicPr>
+            <a:picLocks noChangeAspect="1" noChangeArrowheads="1"/>
+          </p:cNvPicPr>
+          <p:nvPr/>
+        </p:nvPicPr>
+        <p:blipFill rotWithShape="1">
+          <a:blip r:embed="rId2">
+            <a:extLst>
+              <a:ext uri="{28A0092B-C50C-407E-A947-70E740481C1C}">
+                <a14:useLocalDpi xmlns:a14="http://schemas.microsoft.com/office/drawing/2010/main" val="0"/>
+              </a:ext>
+            </a:extLst>
+          </a:blip>
+          <a:srcRect l="23073" r="4059"/>
+          <a:stretch/>
+        </p:blipFill>
+        <p:spPr bwMode="auto">
+          <a:xfrm>
+            <a:off x="7761864" y="540032"/>
+            <a:ext cx="3326147" cy="5778000"/>
+          </a:xfrm>
+          <a:prstGeom prst="rect">
+            <a:avLst/>
+          </a:prstGeom>
+          <a:noFill/>
+          <a:extLst>
+            <a:ext uri="{909E8E84-426E-40DD-AFC4-6F175D3DCCD1}">
+              <a14:hiddenFill xmlns:a14="http://schemas.microsoft.com/office/drawing/2010/main">
+                <a:solidFill>
+                  <a:srgbClr val="FFFFFF"/>
+                </a:solidFill>
+              </a14:hiddenFill>
+            </a:ext>
+          </a:extLst>
+        </p:spPr>
+      </p:pic>
+    </p:spTree>
+    <p:extLst>
+      <p:ext uri="{BB962C8B-B14F-4D97-AF65-F5344CB8AC3E}">
+        <p14:creationId xmlns:p14="http://schemas.microsoft.com/office/powerpoint/2010/main" val="3510345870"/>
+      </p:ext>
+    </p:extLst>
+  </p:cSld>
+  <p:clrMapOvr>
+    <a:masterClrMapping/>
+  </p:clrMapOvr>
+  <p:timing>
+    <p:tnLst>
+      <p:par>
+        <p:cTn id="1" dur="indefinite" restart="never" nodeType="tmRoot">
+          <p:childTnLst>
+            <p:seq concurrent="1" nextAc="seek">
+              <p:cTn id="2" dur="indefinite" nodeType="mainSeq">
+                <p:childTnLst>
+                  <p:par>
+                    <p:cTn id="3" fill="hold">
+                      <p:stCondLst>
+                        <p:cond delay="indefinite"/>
+                      </p:stCondLst>
+                      <p:childTnLst>
+                        <p:par>
+                          <p:cTn id="4" fill="hold">
+                            <p:stCondLst>
+                              <p:cond delay="0"/>
+                            </p:stCondLst>
+                            <p:childTnLst>
+                              <p:par>
+                                <p:cTn id="5" presetID="10" presetClass="entr" presetSubtype="0" fill="hold" grpId="0" nodeType="clickEffect">
+                                  <p:stCondLst>
+                                    <p:cond delay="0"/>
+                                  </p:stCondLst>
+                                  <p:childTnLst>
+                                    <p:set>
+                                      <p:cBhvr>
+                                        <p:cTn id="6" dur="1" fill="hold">
+                                          <p:stCondLst>
+                                            <p:cond delay="0"/>
+                                          </p:stCondLst>
+                                        </p:cTn>
+                                        <p:tgtEl>
+                                          <p:spTgt spid="4"/>
+                                        </p:tgtEl>
+                                        <p:attrNameLst>
+                                          <p:attrName>style.visibility</p:attrName>
+                                        </p:attrNameLst>
+                                      </p:cBhvr>
+                                      <p:to>
+                                        <p:strVal val="visible"/>
+                                      </p:to>
+                                    </p:set>
+                                    <p:animEffect transition="in" filter="fade">
+                                      <p:cBhvr>
+                                        <p:cTn id="7" dur="500"/>
+                                        <p:tgtEl>
+                                          <p:spTgt spid="4"/>
+                                        </p:tgtEl>
+                                      </p:cBhvr>
+                                    </p:animEffect>
+                                  </p:childTnLst>
+                                </p:cTn>
+                              </p:par>
+                            </p:childTnLst>
+                          </p:cTn>
+                        </p:par>
+                      </p:childTnLst>
+                    </p:cTn>
+                  </p:par>
+                </p:childTnLst>
+              </p:cTn>
+              <p:prevCondLst>
+                <p:cond evt="onPrev" delay="0">
+                  <p:tgtEl>
+                    <p:sldTgt/>
+                  </p:tgtEl>
+                </p:cond>
+              </p:prevCondLst>
+              <p:nextCondLst>
+                <p:cond evt="onNext" delay="0">
+                  <p:tgtEl>
+                    <p:sldTgt/>
+                  </p:tgtEl>
+                </p:cond>
+              </p:nextCondLst>
+            </p:seq>
+          </p:childTnLst>
+        </p:cTn>
+      </p:par>
+    </p:tnLst>
+    <p:bldLst>
+      <p:bldP spid="4" grpId="0"/>
+    </p:bldLst>
+  </p:timing>
+</p:sld>
+</file>
+
+<file path=ppt/slides/slide6.xml><?xml version="1.0" encoding="utf-8"?>
+<p:sld xmlns:a="http://schemas.openxmlformats.org/drawingml/2006/main" xmlns:r="http://schemas.openxmlformats.org/officeDocument/2006/relationships" xmlns:p="http://schemas.openxmlformats.org/presentationml/2006/main">
+  <p:cSld>
+    <p:bg>
+      <p:bgPr>
+        <a:solidFill>
+          <a:schemeClr val="bg2"/>
+        </a:solidFill>
+        <a:effectLst/>
+      </p:bgPr>
+    </p:bg>
+    <p:spTree>
+      <p:nvGrpSpPr>
+        <p:cNvPr id="1" name=""/>
+        <p:cNvGrpSpPr/>
+        <p:nvPr/>
+      </p:nvGrpSpPr>
+      <p:grpSpPr>
+        <a:xfrm>
+          <a:off x="0" y="0"/>
+          <a:ext cx="0" cy="0"/>
+          <a:chOff x="0" y="0"/>
+          <a:chExt cx="0" cy="0"/>
+        </a:xfrm>
+      </p:grpSpPr>
+      <p:sp useBgFill="1">
+        <p:nvSpPr>
+          <p:cNvPr id="151" name="Rectangle 150">
+            <a:extLst>
+              <a:ext uri="{FF2B5EF4-FFF2-40B4-BE49-F238E27FC236}">
+                <a16:creationId xmlns:a16="http://schemas.microsoft.com/office/drawing/2014/main" id="{DB66C9CD-6BF4-44CA-8078-0BB819080761}"/>
+              </a:ext>
+              <a:ext uri="{C183D7F6-B498-43B3-948B-1728B52AA6E4}">
+                <adec:decorative xmlns:adec="http://schemas.microsoft.com/office/drawing/2017/decorative" val="1"/>
+              </a:ext>
+            </a:extLst>
+          </p:cNvPr>
+          <p:cNvSpPr>
+            <a:spLocks noGrp="1" noRot="1" noChangeAspect="1" noMove="1" noResize="1" noEditPoints="1" noAdjustHandles="1" noChangeArrowheads="1" noChangeShapeType="1" noTextEdit="1"/>
+          </p:cNvSpPr>
+          <p:nvPr>
+            <p:extLst>
+              <p:ext uri="{386F3935-93C4-4BCD-93E2-E3B085C9AB24}">
+                <p16:designElem xmlns:p16="http://schemas.microsoft.com/office/powerpoint/2015/main" val="1"/>
+              </p:ext>
+            </p:extLst>
+          </p:nvPr>
+        </p:nvSpPr>
+        <p:spPr>
+          <a:xfrm>
+            <a:off x="0" y="0"/>
+            <a:ext cx="12192000" cy="6858000"/>
+          </a:xfrm>
+          <a:prstGeom prst="rect">
+            <a:avLst/>
+          </a:prstGeom>
+          <a:ln w="12700" cap="flat" cmpd="sng" algn="ctr">
+            <a:noFill/>
+            <a:prstDash val="solid"/>
+            <a:miter lim="800000"/>
+          </a:ln>
+          <a:effectLst/>
+          <a:extLst>
+            <a:ext uri="{91240B29-F687-4F45-9708-019B960494DF}">
+              <a14:hiddenLine xmlns:a14="http://schemas.microsoft.com/office/drawing/2010/main" w="12700" cap="flat" cmpd="sng" algn="ctr">
+                <a:solidFill>
+                  <a:schemeClr val="accent1">
+                    <a:shade val="50000"/>
+                  </a:schemeClr>
+                </a:solidFill>
+                <a:prstDash val="solid"/>
+                <a:miter lim="800000"/>
+              </a14:hiddenLine>
+            </a:ext>
+          </a:extLst>
+        </p:spPr>
+        <p:style>
+          <a:lnRef idx="2">
+            <a:schemeClr val="accent1">
+              <a:shade val="50000"/>
+            </a:schemeClr>
+          </a:lnRef>
+          <a:fillRef idx="1">
+            <a:schemeClr val="accent1"/>
+          </a:fillRef>
+          <a:effectRef idx="0">
+            <a:schemeClr val="accent1"/>
+          </a:effectRef>
+          <a:fontRef idx="minor">
+            <a:schemeClr val="lt1"/>
+          </a:fontRef>
+        </p:style>
+        <p:txBody>
+          <a:bodyPr rtlCol="0" anchor="ctr"/>
+          <a:lstStyle/>
+          <a:p>
+            <a:pPr algn="ctr"/>
+            <a:endParaRPr lang="en-US"/>
+          </a:p>
+        </p:txBody>
+      </p:sp>
+      <p:sp>
+        <p:nvSpPr>
+          <p:cNvPr id="2" name="כותרת 1">
+            <a:extLst>
+              <a:ext uri="{FF2B5EF4-FFF2-40B4-BE49-F238E27FC236}">
+                <a16:creationId xmlns:a16="http://schemas.microsoft.com/office/drawing/2014/main" id="{5C1253EA-DD0D-4C43-BE11-E17ABD7D0188}"/>
+              </a:ext>
+            </a:extLst>
+          </p:cNvPr>
+          <p:cNvSpPr>
+            <a:spLocks noGrp="1"/>
+          </p:cNvSpPr>
+          <p:nvPr>
+            <p:ph type="title"/>
+          </p:nvPr>
+        </p:nvSpPr>
+        <p:spPr>
+          <a:xfrm>
+            <a:off x="524788" y="540032"/>
+            <a:ext cx="5537206" cy="1331605"/>
+          </a:xfrm>
+        </p:spPr>
+        <p:txBody>
+          <a:bodyPr vert="horz" lIns="0" tIns="0" rIns="0" bIns="0" rtlCol="0" anchor="b" anchorCtr="0">
+            <a:noAutofit/>
+          </a:bodyPr>
+          <a:lstStyle/>
+          <a:p>
+            <a:pPr rtl="1">
+              <a:lnSpc>
+                <a:spcPct val="90000"/>
+              </a:lnSpc>
+            </a:pPr>
+            <a:r>
+              <a:rPr lang="he-IL" sz="2400" dirty="0">
+                <a:latin typeface="Calibri" panose="020F0502020204030204" pitchFamily="34" charset="0"/>
+                <a:ea typeface="+mn-ea"/>
+                <a:cs typeface="Calibri" panose="020F0502020204030204" pitchFamily="34" charset="0"/>
+              </a:rPr>
+              <a:t>כיצד ניתן בכל זאת לממש תקשורת דו-כיוונית בלי להפר את הכיווניות של המודל ?</a:t>
+            </a:r>
+            <a:endParaRPr lang="en-US" sz="2400" dirty="0">
+              <a:latin typeface="Calibri" panose="020F0502020204030204" pitchFamily="34" charset="0"/>
+              <a:ea typeface="+mn-ea"/>
+              <a:cs typeface="Calibri" panose="020F0502020204030204" pitchFamily="34" charset="0"/>
+            </a:endParaRPr>
+          </a:p>
+        </p:txBody>
+      </p:sp>
+      <p:cxnSp>
+        <p:nvCxnSpPr>
+          <p:cNvPr id="153" name="Straight Connector 152">
+            <a:extLst>
+              <a:ext uri="{FF2B5EF4-FFF2-40B4-BE49-F238E27FC236}">
+                <a16:creationId xmlns:a16="http://schemas.microsoft.com/office/drawing/2014/main" id="{77C6DF49-CBE3-4038-AC78-35DE4FD7CE8E}"/>
+              </a:ext>
+              <a:ext uri="{C183D7F6-B498-43B3-948B-1728B52AA6E4}">
+                <adec:decorative xmlns:adec="http://schemas.microsoft.com/office/drawing/2017/decorative" val="1"/>
+              </a:ext>
+            </a:extLst>
+          </p:cNvPr>
+          <p:cNvCxnSpPr>
+            <a:cxnSpLocks noGrp="1" noRot="1" noChangeAspect="1" noMove="1" noResize="1" noEditPoints="1" noAdjustHandles="1" noChangeArrowheads="1" noChangeShapeType="1"/>
+          </p:cNvCxnSpPr>
+          <p:nvPr>
+            <p:extLst>
+              <p:ext uri="{386F3935-93C4-4BCD-93E2-E3B085C9AB24}">
+                <p16:designElem xmlns:p16="http://schemas.microsoft.com/office/powerpoint/2015/main" val="1"/>
+              </p:ext>
+            </p:extLst>
+          </p:nvPr>
+        </p:nvCxnSpPr>
+        <p:spPr>
+          <a:xfrm>
+            <a:off x="3023391" y="2310207"/>
+            <a:ext cx="540000" cy="0"/>
+          </a:xfrm>
+          <a:prstGeom prst="line">
+            <a:avLst/>
+          </a:prstGeom>
+          <a:ln w="12700">
+            <a:solidFill>
+              <a:schemeClr val="tx1"/>
+            </a:solidFill>
+          </a:ln>
+        </p:spPr>
+        <p:style>
+          <a:lnRef idx="1">
+            <a:schemeClr val="accent1"/>
+          </a:lnRef>
+          <a:fillRef idx="0">
+            <a:schemeClr val="accent1"/>
+          </a:fillRef>
+          <a:effectRef idx="0">
+            <a:schemeClr val="accent1"/>
+          </a:effectRef>
+          <a:fontRef idx="minor">
+            <a:schemeClr val="tx1"/>
+          </a:fontRef>
+        </p:style>
+      </p:cxnSp>
+      <p:sp>
+        <p:nvSpPr>
+          <p:cNvPr id="4" name="תיבת טקסט 3">
+            <a:extLst>
+              <a:ext uri="{FF2B5EF4-FFF2-40B4-BE49-F238E27FC236}">
+                <a16:creationId xmlns:a16="http://schemas.microsoft.com/office/drawing/2014/main" id="{D33E593E-FD97-4E17-87DD-4A783D8682C5}"/>
+              </a:ext>
+            </a:extLst>
+          </p:cNvPr>
+          <p:cNvSpPr txBox="1"/>
+          <p:nvPr/>
+        </p:nvSpPr>
+        <p:spPr>
+          <a:xfrm>
+            <a:off x="1" y="2506886"/>
+            <a:ext cx="6654794" cy="4092967"/>
+          </a:xfrm>
+          <a:prstGeom prst="rect">
+            <a:avLst/>
+          </a:prstGeom>
+        </p:spPr>
+        <p:txBody>
+          <a:bodyPr vert="horz" lIns="0" tIns="0" rIns="0" bIns="0" rtlCol="0" anchor="t" anchorCtr="0">
+            <a:normAutofit/>
+          </a:bodyPr>
+          <a:lstStyle/>
+          <a:p>
+            <a:pPr algn="r">
+              <a:lnSpc>
+                <a:spcPct val="115000"/>
+              </a:lnSpc>
+              <a:spcAft>
+                <a:spcPts val="600"/>
+              </a:spcAft>
+              <a:buClr>
+                <a:schemeClr val="accent1">
+                  <a:lumMod val="60000"/>
+                  <a:lumOff val="40000"/>
+                </a:schemeClr>
+              </a:buClr>
+            </a:pPr>
+            <a:endParaRPr lang="en-US" sz="1600" dirty="0">
+              <a:solidFill>
+                <a:schemeClr val="tx1">
+                  <a:alpha val="70000"/>
+                </a:schemeClr>
+              </a:solidFill>
+              <a:latin typeface="Calibri" panose="020F0502020204030204" pitchFamily="34" charset="0"/>
+              <a:cs typeface="Calibri" panose="020F0502020204030204" pitchFamily="34" charset="0"/>
+            </a:endParaRPr>
+          </a:p>
+        </p:txBody>
+      </p:sp>
+      <p:sp>
+        <p:nvSpPr>
+          <p:cNvPr id="155" name="Rectangle 154">
+            <a:extLst>
+              <a:ext uri="{FF2B5EF4-FFF2-40B4-BE49-F238E27FC236}">
+                <a16:creationId xmlns:a16="http://schemas.microsoft.com/office/drawing/2014/main" id="{AA11AC2B-E0EE-4BB9-8BC1-EC5DA9DBEE30}"/>
+              </a:ext>
+              <a:ext uri="{C183D7F6-B498-43B3-948B-1728B52AA6E4}">
+                <adec:decorative xmlns:adec="http://schemas.microsoft.com/office/drawing/2017/decorative" val="1"/>
+              </a:ext>
+            </a:extLst>
+          </p:cNvPr>
+          <p:cNvSpPr>
+            <a:spLocks noGrp="1" noRot="1" noChangeAspect="1" noMove="1" noResize="1" noEditPoints="1" noAdjustHandles="1" noChangeArrowheads="1" noChangeShapeType="1" noTextEdit="1"/>
+          </p:cNvSpPr>
+          <p:nvPr>
+            <p:extLst>
+              <p:ext uri="{386F3935-93C4-4BCD-93E2-E3B085C9AB24}">
+                <p16:designElem xmlns:p16="http://schemas.microsoft.com/office/powerpoint/2015/main" val="1"/>
+              </p:ext>
+            </p:extLst>
+          </p:nvPr>
+        </p:nvSpPr>
+        <p:spPr>
+          <a:xfrm>
+            <a:off x="6654794" y="0"/>
+            <a:ext cx="5537206" cy="6858000"/>
+          </a:xfrm>
+          <a:prstGeom prst="rect">
+            <a:avLst/>
+          </a:prstGeom>
+          <a:solidFill>
+            <a:schemeClr val="bg1">
+              <a:alpha val="20000"/>
+            </a:schemeClr>
+          </a:solidFill>
+          <a:ln w="12700" cap="flat" cmpd="sng" algn="ctr">
+            <a:noFill/>
+            <a:prstDash val="solid"/>
+            <a:miter lim="800000"/>
+          </a:ln>
+          <a:effectLst/>
+        </p:spPr>
+        <p:style>
+          <a:lnRef idx="2">
+            <a:schemeClr val="accent1">
+              <a:shade val="50000"/>
+            </a:schemeClr>
+          </a:lnRef>
+          <a:fillRef idx="1">
+            <a:schemeClr val="accent1"/>
+          </a:fillRef>
+          <a:effectRef idx="0">
+            <a:schemeClr val="accent1"/>
+          </a:effectRef>
+          <a:fontRef idx="minor">
+            <a:schemeClr val="lt1"/>
+          </a:fontRef>
+        </p:style>
+        <p:txBody>
+          <a:bodyPr rtlCol="0" anchor="ctr"/>
+          <a:lstStyle/>
+          <a:p>
+            <a:pPr algn="ctr"/>
+            <a:endParaRPr lang="en-US">
+              <a:solidFill>
+                <a:schemeClr val="bg1">
+                  <a:alpha val="20000"/>
+                </a:schemeClr>
+              </a:solidFill>
+            </a:endParaRPr>
+          </a:p>
+        </p:txBody>
+      </p:sp>
+      <p:pic>
+        <p:nvPicPr>
+          <p:cNvPr id="1026" name="Picture 2" descr="קבוצת מי מת על המיניונים!? - סימניה">
+            <a:extLst>
+              <a:ext uri="{FF2B5EF4-FFF2-40B4-BE49-F238E27FC236}">
+                <a16:creationId xmlns:a16="http://schemas.microsoft.com/office/drawing/2014/main" id="{F3D83338-651F-4A0B-B56A-F94EACA2537B}"/>
+              </a:ext>
+            </a:extLst>
+          </p:cNvPr>
+          <p:cNvPicPr>
+            <a:picLocks noChangeAspect="1" noChangeArrowheads="1"/>
+          </p:cNvPicPr>
+          <p:nvPr/>
+        </p:nvPicPr>
+        <p:blipFill rotWithShape="1">
+          <a:blip r:embed="rId2">
+            <a:extLst>
+              <a:ext uri="{28A0092B-C50C-407E-A947-70E740481C1C}">
+                <a14:useLocalDpi xmlns:a14="http://schemas.microsoft.com/office/drawing/2010/main" val="0"/>
+              </a:ext>
+            </a:extLst>
+          </a:blip>
+          <a:srcRect l="23073" r="4059"/>
+          <a:stretch/>
+        </p:blipFill>
+        <p:spPr bwMode="auto">
+          <a:xfrm>
+            <a:off x="7761864" y="520982"/>
+            <a:ext cx="3326147" cy="5778000"/>
+          </a:xfrm>
+          <a:prstGeom prst="rect">
+            <a:avLst/>
+          </a:prstGeom>
+          <a:noFill/>
+          <a:extLst>
+            <a:ext uri="{909E8E84-426E-40DD-AFC4-6F175D3DCCD1}">
+              <a14:hiddenFill xmlns:a14="http://schemas.microsoft.com/office/drawing/2010/main">
+                <a:solidFill>
+                  <a:srgbClr val="FFFFFF"/>
+                </a:solidFill>
+              </a14:hiddenFill>
+            </a:ext>
+          </a:extLst>
+        </p:spPr>
+      </p:pic>
+      <p:sp>
+        <p:nvSpPr>
+          <p:cNvPr id="3" name="תיבת טקסט 2">
+            <a:extLst>
+              <a:ext uri="{FF2B5EF4-FFF2-40B4-BE49-F238E27FC236}">
+                <a16:creationId xmlns:a16="http://schemas.microsoft.com/office/drawing/2014/main" id="{22876421-6F7B-4C0C-93CE-1A696F668AC4}"/>
+              </a:ext>
+            </a:extLst>
+          </p:cNvPr>
+          <p:cNvSpPr txBox="1"/>
+          <p:nvPr/>
+        </p:nvSpPr>
+        <p:spPr>
+          <a:xfrm>
+            <a:off x="1" y="2411670"/>
+            <a:ext cx="6654792" cy="3939540"/>
+          </a:xfrm>
+          <a:prstGeom prst="rect">
+            <a:avLst/>
+          </a:prstGeom>
+          <a:noFill/>
+        </p:spPr>
+        <p:txBody>
+          <a:bodyPr wrap="square" rtlCol="1">
+            <a:spAutoFit/>
+          </a:bodyPr>
+          <a:lstStyle/>
+          <a:p>
+            <a:pPr algn="r">
+              <a:lnSpc>
+                <a:spcPct val="115000"/>
+              </a:lnSpc>
+              <a:spcAft>
+                <a:spcPts val="600"/>
+              </a:spcAft>
+              <a:buClr>
+                <a:schemeClr val="accent1">
+                  <a:lumMod val="60000"/>
+                  <a:lumOff val="40000"/>
+                </a:schemeClr>
+              </a:buClr>
+            </a:pPr>
+            <a:r>
+              <a:rPr lang="he-IL" dirty="0">
+                <a:solidFill>
+                  <a:schemeClr val="tx1">
+                    <a:alpha val="70000"/>
+                  </a:schemeClr>
+                </a:solidFill>
+                <a:latin typeface="Calibri" panose="020F0502020204030204" pitchFamily="34" charset="0"/>
+                <a:cs typeface="Calibri" panose="020F0502020204030204" pitchFamily="34" charset="0"/>
+              </a:rPr>
+              <a:t>כאמור, במערכת שלנו הלקוח אינו מאזין להודעות השרת, ועל כן ניסיון של השרת ליזום תקשורת ייכשל. התקשורת היא חד- כיוונית והלקוח מקבל מהשרת רק תגובות לבקשות שלו. </a:t>
+            </a:r>
+          </a:p>
+          <a:p>
+            <a:pPr algn="r">
+              <a:lnSpc>
+                <a:spcPct val="115000"/>
+              </a:lnSpc>
+              <a:spcAft>
+                <a:spcPts val="600"/>
+              </a:spcAft>
+              <a:buClr>
+                <a:schemeClr val="accent1">
+                  <a:lumMod val="60000"/>
+                  <a:lumOff val="40000"/>
+                </a:schemeClr>
+              </a:buClr>
+            </a:pPr>
+            <a:endParaRPr lang="en-US" dirty="0">
+              <a:solidFill>
+                <a:schemeClr val="tx1">
+                  <a:alpha val="70000"/>
+                </a:schemeClr>
+              </a:solidFill>
+              <a:latin typeface="Calibri" panose="020F0502020204030204" pitchFamily="34" charset="0"/>
+              <a:cs typeface="Calibri" panose="020F0502020204030204" pitchFamily="34" charset="0"/>
+            </a:endParaRPr>
+          </a:p>
+          <a:p>
+            <a:pPr algn="r">
+              <a:lnSpc>
+                <a:spcPct val="115000"/>
+              </a:lnSpc>
+              <a:spcAft>
+                <a:spcPts val="600"/>
+              </a:spcAft>
+              <a:buClr>
+                <a:schemeClr val="accent1">
+                  <a:lumMod val="60000"/>
+                  <a:lumOff val="40000"/>
+                </a:schemeClr>
+              </a:buClr>
+            </a:pPr>
+            <a:r>
+              <a:rPr lang="en-US" dirty="0">
+                <a:solidFill>
+                  <a:schemeClr val="tx1">
+                    <a:alpha val="70000"/>
+                  </a:schemeClr>
+                </a:solidFill>
+                <a:latin typeface="Calibri" panose="020F0502020204030204" pitchFamily="34" charset="0"/>
+                <a:cs typeface="Calibri" panose="020F0502020204030204" pitchFamily="34" charset="0"/>
+              </a:rPr>
+              <a:t>Observer</a:t>
+            </a:r>
+            <a:r>
+              <a:rPr lang="he-IL" dirty="0">
+                <a:solidFill>
+                  <a:schemeClr val="tx1">
+                    <a:alpha val="70000"/>
+                  </a:schemeClr>
+                </a:solidFill>
+                <a:latin typeface="Calibri" panose="020F0502020204030204" pitchFamily="34" charset="0"/>
+                <a:cs typeface="Calibri" panose="020F0502020204030204" pitchFamily="34" charset="0"/>
+              </a:rPr>
+              <a:t> היא תבנית עיצוב התנהגותית שמטרתה לבנות מנגנון הרשמה לאירועים מסוימים על מנת לקבל עליהם התראות. </a:t>
+            </a:r>
+          </a:p>
+          <a:p>
+            <a:pPr algn="r">
+              <a:lnSpc>
+                <a:spcPct val="115000"/>
+              </a:lnSpc>
+              <a:spcAft>
+                <a:spcPts val="600"/>
+              </a:spcAft>
+              <a:buClr>
+                <a:schemeClr val="accent1">
+                  <a:lumMod val="60000"/>
+                  <a:lumOff val="40000"/>
+                </a:schemeClr>
+              </a:buClr>
+            </a:pPr>
+            <a:r>
+              <a:rPr lang="he-IL" dirty="0">
+                <a:solidFill>
+                  <a:schemeClr val="tx1">
+                    <a:alpha val="70000"/>
+                  </a:schemeClr>
+                </a:solidFill>
+                <a:latin typeface="Calibri" panose="020F0502020204030204" pitchFamily="34" charset="0"/>
+                <a:cs typeface="Calibri" panose="020F0502020204030204" pitchFamily="34" charset="0"/>
+              </a:rPr>
+              <a:t>בעזרת התבנית אנחנו יכולים לאפשר למשתמשים שמעוניינים בכך להירשם לאירועים של המערכת ולקבל התראות. בצורה זו המערכת תוכל ליזום תקשורת עם הלקוחות המאזינים לאירועים בעזרת הפונקציה </a:t>
+            </a:r>
+            <a:r>
+              <a:rPr lang="en-US" dirty="0" err="1">
+                <a:solidFill>
+                  <a:schemeClr val="tx1">
+                    <a:alpha val="70000"/>
+                  </a:schemeClr>
+                </a:solidFill>
+                <a:latin typeface="Calibri" panose="020F0502020204030204" pitchFamily="34" charset="0"/>
+                <a:cs typeface="Calibri" panose="020F0502020204030204" pitchFamily="34" charset="0"/>
+              </a:rPr>
+              <a:t>notifySubscriber</a:t>
+            </a:r>
+            <a:r>
+              <a:rPr lang="en-US" dirty="0">
+                <a:solidFill>
+                  <a:schemeClr val="tx1">
+                    <a:alpha val="70000"/>
+                  </a:schemeClr>
+                </a:solidFill>
+                <a:latin typeface="Calibri" panose="020F0502020204030204" pitchFamily="34" charset="0"/>
+                <a:cs typeface="Calibri" panose="020F0502020204030204" pitchFamily="34" charset="0"/>
+              </a:rPr>
+              <a:t>()</a:t>
+            </a:r>
+            <a:r>
+              <a:rPr lang="he-IL" dirty="0">
+                <a:solidFill>
+                  <a:schemeClr val="tx1">
+                    <a:alpha val="70000"/>
+                  </a:schemeClr>
+                </a:solidFill>
+                <a:latin typeface="Calibri" panose="020F0502020204030204" pitchFamily="34" charset="0"/>
+                <a:cs typeface="Calibri" panose="020F0502020204030204" pitchFamily="34" charset="0"/>
+              </a:rPr>
+              <a:t>. </a:t>
+            </a:r>
+          </a:p>
+          <a:p>
+            <a:pPr algn="r">
+              <a:lnSpc>
+                <a:spcPct val="115000"/>
+              </a:lnSpc>
+              <a:spcAft>
+                <a:spcPts val="600"/>
+              </a:spcAft>
+              <a:buClr>
+                <a:schemeClr val="accent1">
+                  <a:lumMod val="60000"/>
+                  <a:lumOff val="40000"/>
+                </a:schemeClr>
+              </a:buClr>
+            </a:pPr>
+            <a:r>
+              <a:rPr lang="he-IL" dirty="0">
+                <a:solidFill>
+                  <a:schemeClr val="tx1">
+                    <a:alpha val="70000"/>
+                  </a:schemeClr>
+                </a:solidFill>
+                <a:latin typeface="Calibri" panose="020F0502020204030204" pitchFamily="34" charset="0"/>
+                <a:cs typeface="Calibri" panose="020F0502020204030204" pitchFamily="34" charset="0"/>
+              </a:rPr>
+              <a:t>בצורה זו נוכל לממש תקשורת דו- כיוונית מבלי לשבור את הארכיטקטורה שלנו.</a:t>
+            </a:r>
+          </a:p>
+          <a:p>
+            <a:endParaRPr lang="he-IL" dirty="0"/>
+          </a:p>
+        </p:txBody>
+      </p:sp>
+    </p:spTree>
+    <p:extLst>
+      <p:ext uri="{BB962C8B-B14F-4D97-AF65-F5344CB8AC3E}">
+        <p14:creationId xmlns:p14="http://schemas.microsoft.com/office/powerpoint/2010/main" val="79138697"/>
+      </p:ext>
+    </p:extLst>
+  </p:cSld>
+  <p:clrMapOvr>
+    <a:masterClrMapping/>
+  </p:clrMapOvr>
+  <p:timing>
+    <p:tnLst>
+      <p:par>
+        <p:cTn id="1" dur="indefinite" restart="never" nodeType="tmRoot">
+          <p:childTnLst>
+            <p:seq concurrent="1" nextAc="seek">
+              <p:cTn id="2" dur="indefinite" nodeType="mainSeq">
+                <p:childTnLst>
+                  <p:par>
+                    <p:cTn id="3" fill="hold">
+                      <p:stCondLst>
+                        <p:cond delay="indefinite"/>
+                      </p:stCondLst>
+                      <p:childTnLst>
+                        <p:par>
+                          <p:cTn id="4" fill="hold">
+                            <p:stCondLst>
+                              <p:cond delay="0"/>
+                            </p:stCondLst>
+                            <p:childTnLst>
+                              <p:par>
+                                <p:cTn id="5" presetID="10" presetClass="entr" presetSubtype="0" fill="hold" grpId="0" nodeType="clickEffect" nodePh="1">
+                                  <p:stCondLst>
+                                    <p:cond delay="0"/>
+                                  </p:stCondLst>
+                                  <p:endCondLst>
+                                    <p:cond evt="begin" delay="0">
+                                      <p:tn val="5"/>
+                                    </p:cond>
+                                  </p:endCondLst>
+                                  <p:childTnLst>
+                                    <p:set>
+                                      <p:cBhvr>
+                                        <p:cTn id="6" dur="1" fill="hold">
+                                          <p:stCondLst>
+                                            <p:cond delay="0"/>
+                                          </p:stCondLst>
+                                        </p:cTn>
+                                        <p:tgtEl>
+                                          <p:spTgt spid="4"/>
+                                        </p:tgtEl>
+                                        <p:attrNameLst>
+                                          <p:attrName>style.visibility</p:attrName>
+                                        </p:attrNameLst>
+                                      </p:cBhvr>
+                                      <p:to>
+                                        <p:strVal val="visible"/>
+                                      </p:to>
+                                    </p:set>
+                                    <p:animEffect transition="in" filter="fade">
+                                      <p:cBhvr>
+                                        <p:cTn id="7" dur="500"/>
+                                        <p:tgtEl>
+                                          <p:spTgt spid="4"/>
+                                        </p:tgtEl>
+                                      </p:cBhvr>
+                                    </p:animEffect>
+                                  </p:childTnLst>
+                                </p:cTn>
+                              </p:par>
+                            </p:childTnLst>
+                          </p:cTn>
+                        </p:par>
+                      </p:childTnLst>
+                    </p:cTn>
+                  </p:par>
+                  <p:par>
+                    <p:cTn id="8" fill="hold">
+                      <p:stCondLst>
+                        <p:cond delay="indefinite"/>
+                      </p:stCondLst>
+                      <p:childTnLst>
+                        <p:par>
+                          <p:cTn id="9" fill="hold">
+                            <p:stCondLst>
+                              <p:cond delay="0"/>
+                            </p:stCondLst>
+                            <p:childTnLst>
+                              <p:par>
+                                <p:cTn id="10" presetID="10" presetClass="entr" presetSubtype="0" fill="hold" grpId="0" nodeType="clickEffect">
+                                  <p:stCondLst>
+                                    <p:cond delay="0"/>
+                                  </p:stCondLst>
+                                  <p:childTnLst>
+                                    <p:set>
+                                      <p:cBhvr>
+                                        <p:cTn id="11" dur="1" fill="hold">
+                                          <p:stCondLst>
+                                            <p:cond delay="0"/>
+                                          </p:stCondLst>
+                                        </p:cTn>
+                                        <p:tgtEl>
+                                          <p:spTgt spid="3"/>
+                                        </p:tgtEl>
+                                        <p:attrNameLst>
+                                          <p:attrName>style.visibility</p:attrName>
+                                        </p:attrNameLst>
+                                      </p:cBhvr>
+                                      <p:to>
+                                        <p:strVal val="visible"/>
+                                      </p:to>
+                                    </p:set>
+                                    <p:animEffect transition="in" filter="fade">
+                                      <p:cBhvr>
+                                        <p:cTn id="12" dur="500"/>
+                                        <p:tgtEl>
+                                          <p:spTgt spid="3"/>
+                                        </p:tgtEl>
+                                      </p:cBhvr>
+                                    </p:animEffect>
+                                  </p:childTnLst>
+                                </p:cTn>
+                              </p:par>
+                            </p:childTnLst>
+                          </p:cTn>
+                        </p:par>
+                      </p:childTnLst>
+                    </p:cTn>
+                  </p:par>
+                </p:childTnLst>
+              </p:cTn>
+              <p:prevCondLst>
+                <p:cond evt="onPrev" delay="0">
+                  <p:tgtEl>
+                    <p:sldTgt/>
+                  </p:tgtEl>
+                </p:cond>
+              </p:prevCondLst>
+              <p:nextCondLst>
+                <p:cond evt="onNext" delay="0">
+                  <p:tgtEl>
+                    <p:sldTgt/>
+                  </p:tgtEl>
+                </p:cond>
+              </p:nextCondLst>
+            </p:seq>
+          </p:childTnLst>
+        </p:cTn>
+      </p:par>
+    </p:tnLst>
+    <p:bldLst>
+      <p:bldP spid="4" grpId="0"/>
+      <p:bldP spid="3" grpId="0"/>
+    </p:bldLst>
+  </p:timing>
+</p:sld>
+</file>
+
+<file path=ppt/slides/slide7.xml><?xml version="1.0" encoding="utf-8"?>
+<p:sld xmlns:a="http://schemas.openxmlformats.org/drawingml/2006/main" xmlns:r="http://schemas.openxmlformats.org/officeDocument/2006/relationships" xmlns:p="http://schemas.openxmlformats.org/presentationml/2006/main">
+  <p:cSld>
+    <p:bg>
+      <p:bgPr>
+        <a:solidFill>
+          <a:schemeClr val="bg2"/>
+        </a:solidFill>
+        <a:effectLst/>
+      </p:bgPr>
+    </p:bg>
+    <p:spTree>
+      <p:nvGrpSpPr>
+        <p:cNvPr id="1" name=""/>
+        <p:cNvGrpSpPr/>
+        <p:nvPr/>
+      </p:nvGrpSpPr>
+      <p:grpSpPr>
+        <a:xfrm>
+          <a:off x="0" y="0"/>
+          <a:ext cx="0" cy="0"/>
+          <a:chOff x="0" y="0"/>
+          <a:chExt cx="0" cy="0"/>
+        </a:xfrm>
+      </p:grpSpPr>
+      <p:sp useBgFill="1">
+        <p:nvSpPr>
+          <p:cNvPr id="151" name="Rectangle 150">
+            <a:extLst>
+              <a:ext uri="{FF2B5EF4-FFF2-40B4-BE49-F238E27FC236}">
+                <a16:creationId xmlns:a16="http://schemas.microsoft.com/office/drawing/2014/main" id="{DB66C9CD-6BF4-44CA-8078-0BB819080761}"/>
+              </a:ext>
+              <a:ext uri="{C183D7F6-B498-43B3-948B-1728B52AA6E4}">
+                <adec:decorative xmlns:adec="http://schemas.microsoft.com/office/drawing/2017/decorative" val="1"/>
+              </a:ext>
+            </a:extLst>
+          </p:cNvPr>
+          <p:cNvSpPr>
+            <a:spLocks noGrp="1" noRot="1" noChangeAspect="1" noMove="1" noResize="1" noEditPoints="1" noAdjustHandles="1" noChangeArrowheads="1" noChangeShapeType="1" noTextEdit="1"/>
+          </p:cNvSpPr>
+          <p:nvPr>
+            <p:extLst>
+              <p:ext uri="{386F3935-93C4-4BCD-93E2-E3B085C9AB24}">
+                <p16:designElem xmlns:p16="http://schemas.microsoft.com/office/powerpoint/2015/main" val="1"/>
+              </p:ext>
+            </p:extLst>
+          </p:nvPr>
+        </p:nvSpPr>
+        <p:spPr>
+          <a:xfrm>
+            <a:off x="0" y="0"/>
+            <a:ext cx="12192000" cy="6858000"/>
+          </a:xfrm>
+          <a:prstGeom prst="rect">
+            <a:avLst/>
+          </a:prstGeom>
+          <a:ln w="12700" cap="flat" cmpd="sng" algn="ctr">
+            <a:noFill/>
+            <a:prstDash val="solid"/>
+            <a:miter lim="800000"/>
+          </a:ln>
+          <a:effectLst/>
+          <a:extLst>
+            <a:ext uri="{91240B29-F687-4F45-9708-019B960494DF}">
+              <a14:hiddenLine xmlns:a14="http://schemas.microsoft.com/office/drawing/2010/main" w="12700" cap="flat" cmpd="sng" algn="ctr">
+                <a:solidFill>
+                  <a:schemeClr val="accent1">
+                    <a:shade val="50000"/>
+                  </a:schemeClr>
+                </a:solidFill>
+                <a:prstDash val="solid"/>
+                <a:miter lim="800000"/>
+              </a14:hiddenLine>
+            </a:ext>
+          </a:extLst>
+        </p:spPr>
+        <p:style>
+          <a:lnRef idx="2">
+            <a:schemeClr val="accent1">
+              <a:shade val="50000"/>
+            </a:schemeClr>
+          </a:lnRef>
+          <a:fillRef idx="1">
+            <a:schemeClr val="accent1"/>
+          </a:fillRef>
+          <a:effectRef idx="0">
+            <a:schemeClr val="accent1"/>
+          </a:effectRef>
+          <a:fontRef idx="minor">
+            <a:schemeClr val="lt1"/>
+          </a:fontRef>
+        </p:style>
+        <p:txBody>
+          <a:bodyPr rtlCol="0" anchor="ctr"/>
+          <a:lstStyle/>
+          <a:p>
+            <a:pPr algn="ctr"/>
+            <a:endParaRPr lang="en-US"/>
+          </a:p>
+        </p:txBody>
+      </p:sp>
+      <p:sp>
+        <p:nvSpPr>
+          <p:cNvPr id="2" name="כותרת 1">
+            <a:extLst>
+              <a:ext uri="{FF2B5EF4-FFF2-40B4-BE49-F238E27FC236}">
+                <a16:creationId xmlns:a16="http://schemas.microsoft.com/office/drawing/2014/main" id="{5C1253EA-DD0D-4C43-BE11-E17ABD7D0188}"/>
+              </a:ext>
+            </a:extLst>
+          </p:cNvPr>
+          <p:cNvSpPr>
+            <a:spLocks noGrp="1"/>
+          </p:cNvSpPr>
+          <p:nvPr>
+            <p:ph type="title"/>
+          </p:nvPr>
+        </p:nvSpPr>
+        <p:spPr>
+          <a:xfrm>
+            <a:off x="524788" y="540032"/>
+            <a:ext cx="5537206" cy="1331605"/>
+          </a:xfrm>
+        </p:spPr>
+        <p:txBody>
+          <a:bodyPr vert="horz" lIns="0" tIns="0" rIns="0" bIns="0" rtlCol="0" anchor="b" anchorCtr="0">
+            <a:noAutofit/>
+          </a:bodyPr>
+          <a:lstStyle/>
+          <a:p>
+            <a:pPr rtl="1">
+              <a:lnSpc>
+                <a:spcPct val="90000"/>
+              </a:lnSpc>
+            </a:pPr>
+            <a:r>
+              <a:rPr lang="he-IL" sz="2400" dirty="0">
+                <a:latin typeface="Calibri" panose="020F0502020204030204" pitchFamily="34" charset="0"/>
+                <a:ea typeface="+mn-ea"/>
+                <a:cs typeface="Calibri" panose="020F0502020204030204" pitchFamily="34" charset="0"/>
+              </a:rPr>
+              <a:t>האם המימוש של התקשורת הדו- כיוונית מצריך הגדרה של רכיב (</a:t>
+            </a:r>
+            <a:r>
+              <a:rPr lang="en-US" sz="2400" dirty="0">
+                <a:latin typeface="Calibri" panose="020F0502020204030204" pitchFamily="34" charset="0"/>
+                <a:ea typeface="+mn-ea"/>
+                <a:cs typeface="Calibri" panose="020F0502020204030204" pitchFamily="34" charset="0"/>
+              </a:rPr>
+              <a:t>Component</a:t>
+            </a:r>
+            <a:r>
+              <a:rPr lang="he-IL" sz="2400" dirty="0">
+                <a:latin typeface="Calibri" panose="020F0502020204030204" pitchFamily="34" charset="0"/>
+                <a:ea typeface="+mn-ea"/>
+                <a:cs typeface="Calibri" panose="020F0502020204030204" pitchFamily="34" charset="0"/>
+              </a:rPr>
+              <a:t>) חדש ?</a:t>
+            </a:r>
+            <a:endParaRPr lang="en-US" sz="2400" dirty="0">
+              <a:latin typeface="Calibri" panose="020F0502020204030204" pitchFamily="34" charset="0"/>
+              <a:ea typeface="+mn-ea"/>
+              <a:cs typeface="Calibri" panose="020F0502020204030204" pitchFamily="34" charset="0"/>
+            </a:endParaRPr>
+          </a:p>
+        </p:txBody>
+      </p:sp>
+      <p:cxnSp>
+        <p:nvCxnSpPr>
+          <p:cNvPr id="153" name="Straight Connector 152">
+            <a:extLst>
+              <a:ext uri="{FF2B5EF4-FFF2-40B4-BE49-F238E27FC236}">
+                <a16:creationId xmlns:a16="http://schemas.microsoft.com/office/drawing/2014/main" id="{77C6DF49-CBE3-4038-AC78-35DE4FD7CE8E}"/>
+              </a:ext>
+              <a:ext uri="{C183D7F6-B498-43B3-948B-1728B52AA6E4}">
+                <adec:decorative xmlns:adec="http://schemas.microsoft.com/office/drawing/2017/decorative" val="1"/>
+              </a:ext>
+            </a:extLst>
+          </p:cNvPr>
+          <p:cNvCxnSpPr>
+            <a:cxnSpLocks noGrp="1" noRot="1" noChangeAspect="1" noMove="1" noResize="1" noEditPoints="1" noAdjustHandles="1" noChangeArrowheads="1" noChangeShapeType="1"/>
+          </p:cNvCxnSpPr>
+          <p:nvPr>
+            <p:extLst>
+              <p:ext uri="{386F3935-93C4-4BCD-93E2-E3B085C9AB24}">
+                <p16:designElem xmlns:p16="http://schemas.microsoft.com/office/powerpoint/2015/main" val="1"/>
+              </p:ext>
+            </p:extLst>
+          </p:nvPr>
+        </p:nvCxnSpPr>
+        <p:spPr>
+          <a:xfrm>
+            <a:off x="3023391" y="2310207"/>
+            <a:ext cx="540000" cy="0"/>
+          </a:xfrm>
+          <a:prstGeom prst="line">
+            <a:avLst/>
+          </a:prstGeom>
+          <a:ln w="12700">
+            <a:solidFill>
+              <a:schemeClr val="tx1"/>
+            </a:solidFill>
+          </a:ln>
+        </p:spPr>
+        <p:style>
+          <a:lnRef idx="1">
+            <a:schemeClr val="accent1"/>
+          </a:lnRef>
+          <a:fillRef idx="0">
+            <a:schemeClr val="accent1"/>
+          </a:fillRef>
+          <a:effectRef idx="0">
+            <a:schemeClr val="accent1"/>
+          </a:effectRef>
+          <a:fontRef idx="minor">
+            <a:schemeClr val="tx1"/>
+          </a:fontRef>
+        </p:style>
+      </p:cxnSp>
+      <p:sp>
+        <p:nvSpPr>
+          <p:cNvPr id="4" name="תיבת טקסט 3">
+            <a:extLst>
+              <a:ext uri="{FF2B5EF4-FFF2-40B4-BE49-F238E27FC236}">
+                <a16:creationId xmlns:a16="http://schemas.microsoft.com/office/drawing/2014/main" id="{D33E593E-FD97-4E17-87DD-4A783D8682C5}"/>
+              </a:ext>
+            </a:extLst>
+          </p:cNvPr>
+          <p:cNvSpPr txBox="1"/>
+          <p:nvPr/>
+        </p:nvSpPr>
+        <p:spPr>
+          <a:xfrm>
+            <a:off x="1" y="2506886"/>
+            <a:ext cx="6654794" cy="4092967"/>
+          </a:xfrm>
+          <a:prstGeom prst="rect">
+            <a:avLst/>
+          </a:prstGeom>
+        </p:spPr>
+        <p:txBody>
+          <a:bodyPr vert="horz" lIns="0" tIns="0" rIns="0" bIns="0" rtlCol="0" anchor="t" anchorCtr="0">
+            <a:normAutofit/>
+          </a:bodyPr>
+          <a:lstStyle/>
+          <a:p>
+            <a:pPr algn="r">
+              <a:lnSpc>
+                <a:spcPct val="115000"/>
+              </a:lnSpc>
+              <a:spcAft>
+                <a:spcPts val="600"/>
+              </a:spcAft>
+              <a:buClr>
+                <a:schemeClr val="accent1">
+                  <a:lumMod val="60000"/>
+                  <a:lumOff val="40000"/>
+                </a:schemeClr>
+              </a:buClr>
+            </a:pPr>
+            <a:endParaRPr lang="en-US" sz="1600" dirty="0">
+              <a:solidFill>
+                <a:schemeClr val="tx1">
+                  <a:alpha val="70000"/>
+                </a:schemeClr>
+              </a:solidFill>
+              <a:latin typeface="Calibri" panose="020F0502020204030204" pitchFamily="34" charset="0"/>
+              <a:cs typeface="Calibri" panose="020F0502020204030204" pitchFamily="34" charset="0"/>
+            </a:endParaRPr>
+          </a:p>
+        </p:txBody>
+      </p:sp>
+      <p:sp>
+        <p:nvSpPr>
+          <p:cNvPr id="155" name="Rectangle 154">
+            <a:extLst>
+              <a:ext uri="{FF2B5EF4-FFF2-40B4-BE49-F238E27FC236}">
+                <a16:creationId xmlns:a16="http://schemas.microsoft.com/office/drawing/2014/main" id="{AA11AC2B-E0EE-4BB9-8BC1-EC5DA9DBEE30}"/>
+              </a:ext>
+              <a:ext uri="{C183D7F6-B498-43B3-948B-1728B52AA6E4}">
+                <adec:decorative xmlns:adec="http://schemas.microsoft.com/office/drawing/2017/decorative" val="1"/>
+              </a:ext>
+            </a:extLst>
+          </p:cNvPr>
+          <p:cNvSpPr>
+            <a:spLocks noGrp="1" noRot="1" noChangeAspect="1" noMove="1" noResize="1" noEditPoints="1" noAdjustHandles="1" noChangeArrowheads="1" noChangeShapeType="1" noTextEdit="1"/>
+          </p:cNvSpPr>
+          <p:nvPr>
+            <p:extLst>
+              <p:ext uri="{386F3935-93C4-4BCD-93E2-E3B085C9AB24}">
+                <p16:designElem xmlns:p16="http://schemas.microsoft.com/office/powerpoint/2015/main" val="1"/>
+              </p:ext>
+            </p:extLst>
+          </p:nvPr>
+        </p:nvSpPr>
+        <p:spPr>
+          <a:xfrm>
+            <a:off x="6654794" y="0"/>
+            <a:ext cx="5537206" cy="6858000"/>
+          </a:xfrm>
+          <a:prstGeom prst="rect">
+            <a:avLst/>
+          </a:prstGeom>
+          <a:solidFill>
+            <a:schemeClr val="bg1">
+              <a:alpha val="20000"/>
+            </a:schemeClr>
+          </a:solidFill>
+          <a:ln w="12700" cap="flat" cmpd="sng" algn="ctr">
+            <a:noFill/>
+            <a:prstDash val="solid"/>
+            <a:miter lim="800000"/>
+          </a:ln>
+          <a:effectLst/>
+        </p:spPr>
+        <p:style>
+          <a:lnRef idx="2">
+            <a:schemeClr val="accent1">
+              <a:shade val="50000"/>
+            </a:schemeClr>
+          </a:lnRef>
+          <a:fillRef idx="1">
+            <a:schemeClr val="accent1"/>
+          </a:fillRef>
+          <a:effectRef idx="0">
+            <a:schemeClr val="accent1"/>
+          </a:effectRef>
+          <a:fontRef idx="minor">
+            <a:schemeClr val="lt1"/>
+          </a:fontRef>
+        </p:style>
+        <p:txBody>
+          <a:bodyPr rtlCol="0" anchor="ctr"/>
+          <a:lstStyle/>
+          <a:p>
+            <a:pPr algn="ctr"/>
+            <a:endParaRPr lang="en-US">
+              <a:solidFill>
+                <a:schemeClr val="bg1">
+                  <a:alpha val="20000"/>
+                </a:schemeClr>
+              </a:solidFill>
+            </a:endParaRPr>
+          </a:p>
+        </p:txBody>
+      </p:sp>
+      <p:sp>
+        <p:nvSpPr>
+          <p:cNvPr id="3" name="תיבת טקסט 2">
+            <a:extLst>
+              <a:ext uri="{FF2B5EF4-FFF2-40B4-BE49-F238E27FC236}">
+                <a16:creationId xmlns:a16="http://schemas.microsoft.com/office/drawing/2014/main" id="{22876421-6F7B-4C0C-93CE-1A696F668AC4}"/>
+              </a:ext>
+            </a:extLst>
+          </p:cNvPr>
+          <p:cNvSpPr txBox="1"/>
+          <p:nvPr/>
+        </p:nvSpPr>
+        <p:spPr>
+          <a:xfrm>
+            <a:off x="1" y="2430720"/>
+            <a:ext cx="6654792" cy="1424749"/>
+          </a:xfrm>
+          <a:prstGeom prst="rect">
+            <a:avLst/>
+          </a:prstGeom>
+          <a:noFill/>
+        </p:spPr>
+        <p:txBody>
+          <a:bodyPr wrap="square" rtlCol="1">
+            <a:spAutoFit/>
+          </a:bodyPr>
+          <a:lstStyle/>
+          <a:p>
+            <a:pPr algn="r">
+              <a:lnSpc>
+                <a:spcPct val="115000"/>
+              </a:lnSpc>
+              <a:spcAft>
+                <a:spcPts val="600"/>
+              </a:spcAft>
+              <a:buClr>
+                <a:schemeClr val="accent1">
+                  <a:lumMod val="60000"/>
+                  <a:lumOff val="40000"/>
+                </a:schemeClr>
+              </a:buClr>
+            </a:pPr>
+            <a:r>
+              <a:rPr lang="he-IL" dirty="0">
+                <a:solidFill>
+                  <a:schemeClr val="tx1">
+                    <a:alpha val="70000"/>
+                  </a:schemeClr>
+                </a:solidFill>
+                <a:latin typeface="Calibri" panose="020F0502020204030204" pitchFamily="34" charset="0"/>
+                <a:cs typeface="Calibri" panose="020F0502020204030204" pitchFamily="34" charset="0"/>
+              </a:rPr>
+              <a:t>נרצה לממש את תבנית ה </a:t>
+            </a:r>
+            <a:r>
+              <a:rPr lang="en-US" dirty="0">
+                <a:solidFill>
+                  <a:schemeClr val="tx1">
+                    <a:alpha val="70000"/>
+                  </a:schemeClr>
+                </a:solidFill>
+                <a:latin typeface="Calibri" panose="020F0502020204030204" pitchFamily="34" charset="0"/>
+                <a:cs typeface="Calibri" panose="020F0502020204030204" pitchFamily="34" charset="0"/>
+              </a:rPr>
+              <a:t>Observer</a:t>
+            </a:r>
+            <a:r>
+              <a:rPr lang="he-IL" dirty="0">
+                <a:solidFill>
+                  <a:schemeClr val="tx1">
+                    <a:alpha val="70000"/>
+                  </a:schemeClr>
+                </a:solidFill>
+                <a:latin typeface="Calibri" panose="020F0502020204030204" pitchFamily="34" charset="0"/>
+                <a:cs typeface="Calibri" panose="020F0502020204030204" pitchFamily="34" charset="0"/>
+              </a:rPr>
+              <a:t> ולשם כך נוסיף רכיב שיהיה אחראי על ביצוע ההרשמה לאירועים ועל התראות למאזינים.</a:t>
+            </a:r>
+          </a:p>
+          <a:p>
+            <a:pPr algn="r">
+              <a:lnSpc>
+                <a:spcPct val="115000"/>
+              </a:lnSpc>
+              <a:spcAft>
+                <a:spcPts val="600"/>
+              </a:spcAft>
+              <a:buClr>
+                <a:schemeClr val="accent1">
+                  <a:lumMod val="60000"/>
+                  <a:lumOff val="40000"/>
+                </a:schemeClr>
+              </a:buClr>
+            </a:pPr>
+            <a:r>
+              <a:rPr lang="he-IL" dirty="0">
+                <a:solidFill>
+                  <a:schemeClr val="tx1">
+                    <a:alpha val="70000"/>
+                  </a:schemeClr>
+                </a:solidFill>
+                <a:latin typeface="Calibri" panose="020F0502020204030204" pitchFamily="34" charset="0"/>
+                <a:cs typeface="Calibri" panose="020F0502020204030204" pitchFamily="34" charset="0"/>
+              </a:rPr>
+              <a:t>נתחזק וננהל ברכיב זה את תורי המאזינים הרשומים לאירועים השונים, כדי לאפשר את שליחת ההתרעות לגורמים המתאימים.</a:t>
+            </a:r>
+          </a:p>
+        </p:txBody>
+      </p:sp>
+      <p:pic>
+        <p:nvPicPr>
+          <p:cNvPr id="6" name="תמונה 5">
+            <a:extLst>
+              <a:ext uri="{FF2B5EF4-FFF2-40B4-BE49-F238E27FC236}">
+                <a16:creationId xmlns:a16="http://schemas.microsoft.com/office/drawing/2014/main" id="{41D8CEC3-75BB-4BB9-B2EC-B6EEF078FD91}"/>
+              </a:ext>
+            </a:extLst>
+          </p:cNvPr>
+          <p:cNvPicPr>
+            <a:picLocks noChangeAspect="1"/>
+          </p:cNvPicPr>
+          <p:nvPr/>
+        </p:nvPicPr>
+        <p:blipFill>
+          <a:blip r:embed="rId2"/>
+          <a:stretch>
+            <a:fillRect/>
+          </a:stretch>
+        </p:blipFill>
+        <p:spPr>
+          <a:xfrm>
+            <a:off x="7429261" y="3642285"/>
+            <a:ext cx="4017332" cy="2768040"/>
+          </a:xfrm>
+          <a:prstGeom prst="rect">
+            <a:avLst/>
+          </a:prstGeom>
+        </p:spPr>
+      </p:pic>
+      <p:pic>
+        <p:nvPicPr>
+          <p:cNvPr id="8" name="תמונה 7">
+            <a:extLst>
+              <a:ext uri="{FF2B5EF4-FFF2-40B4-BE49-F238E27FC236}">
+                <a16:creationId xmlns:a16="http://schemas.microsoft.com/office/drawing/2014/main" id="{72DB0B47-8F09-4FA8-95EE-CA015EF6A33D}"/>
+              </a:ext>
+            </a:extLst>
+          </p:cNvPr>
+          <p:cNvPicPr>
+            <a:picLocks noChangeAspect="1"/>
+          </p:cNvPicPr>
+          <p:nvPr/>
+        </p:nvPicPr>
+        <p:blipFill>
+          <a:blip r:embed="rId3"/>
+          <a:stretch>
+            <a:fillRect/>
+          </a:stretch>
+        </p:blipFill>
+        <p:spPr>
+          <a:xfrm>
+            <a:off x="7429261" y="106403"/>
+            <a:ext cx="3988272" cy="3251549"/>
+          </a:xfrm>
+          <a:prstGeom prst="rect">
+            <a:avLst/>
+          </a:prstGeom>
+        </p:spPr>
+      </p:pic>
+    </p:spTree>
+    <p:extLst>
+      <p:ext uri="{BB962C8B-B14F-4D97-AF65-F5344CB8AC3E}">
+        <p14:creationId xmlns:p14="http://schemas.microsoft.com/office/powerpoint/2010/main" val="348733204"/>
+      </p:ext>
+    </p:extLst>
+  </p:cSld>
+  <p:clrMapOvr>
+    <a:masterClrMapping/>
+  </p:clrMapOvr>
+  <p:timing>
+    <p:tnLst>
+      <p:par>
+        <p:cTn id="1" dur="indefinite" restart="never" nodeType="tmRoot">
+          <p:childTnLst>
+            <p:seq concurrent="1" nextAc="seek">
+              <p:cTn id="2" dur="indefinite" nodeType="mainSeq">
+                <p:childTnLst>
+                  <p:par>
+                    <p:cTn id="3" fill="hold">
+                      <p:stCondLst>
+                        <p:cond delay="indefinite"/>
+                      </p:stCondLst>
+                      <p:childTnLst>
+                        <p:par>
+                          <p:cTn id="4" fill="hold">
+                            <p:stCondLst>
+                              <p:cond delay="0"/>
+                            </p:stCondLst>
+                            <p:childTnLst>
+                              <p:par>
+                                <p:cTn id="5" presetID="10" presetClass="entr" presetSubtype="0" fill="hold" grpId="0" nodeType="clickEffect" nodePh="1">
+                                  <p:stCondLst>
+                                    <p:cond delay="0"/>
+                                  </p:stCondLst>
+                                  <p:endCondLst>
+                                    <p:cond evt="begin" delay="0">
+                                      <p:tn val="5"/>
+                                    </p:cond>
+                                  </p:endCondLst>
+                                  <p:childTnLst>
+                                    <p:set>
+                                      <p:cBhvr>
+                                        <p:cTn id="6" dur="1" fill="hold">
+                                          <p:stCondLst>
+                                            <p:cond delay="0"/>
+                                          </p:stCondLst>
+                                        </p:cTn>
+                                        <p:tgtEl>
+                                          <p:spTgt spid="4"/>
+                                        </p:tgtEl>
+                                        <p:attrNameLst>
+                                          <p:attrName>style.visibility</p:attrName>
+                                        </p:attrNameLst>
+                                      </p:cBhvr>
+                                      <p:to>
+                                        <p:strVal val="visible"/>
+                                      </p:to>
+                                    </p:set>
+                                    <p:animEffect transition="in" filter="fade">
+                                      <p:cBhvr>
+                                        <p:cTn id="7" dur="500"/>
+                                        <p:tgtEl>
+                                          <p:spTgt spid="4"/>
+                                        </p:tgtEl>
+                                      </p:cBhvr>
+                                    </p:animEffect>
+                                  </p:childTnLst>
+                                </p:cTn>
+                              </p:par>
+                            </p:childTnLst>
+                          </p:cTn>
+                        </p:par>
+                      </p:childTnLst>
+                    </p:cTn>
+                  </p:par>
+                </p:childTnLst>
+              </p:cTn>
+              <p:prevCondLst>
+                <p:cond evt="onPrev" delay="0">
+                  <p:tgtEl>
+                    <p:sldTgt/>
+                  </p:tgtEl>
+                </p:cond>
+              </p:prevCondLst>
+              <p:nextCondLst>
+                <p:cond evt="onNext" delay="0">
+                  <p:tgtEl>
+                    <p:sldTgt/>
+                  </p:tgtEl>
+                </p:cond>
+              </p:nextCondLst>
+            </p:seq>
+          </p:childTnLst>
+        </p:cTn>
+      </p:par>
+    </p:tnLst>
+    <p:bldLst>
+      <p:bldP spid="4" grpId="0"/>
+    </p:bldLst>
+  </p:timing>
+</p:sld>
+</file>
+
+<file path=ppt/slides/slide8.xml><?xml version="1.0" encoding="utf-8"?>
+<p:sld xmlns:a="http://schemas.openxmlformats.org/drawingml/2006/main" xmlns:r="http://schemas.openxmlformats.org/officeDocument/2006/relationships" xmlns:p="http://schemas.openxmlformats.org/presentationml/2006/main">
+  <p:cSld>
+    <p:bg>
+      <p:bgPr>
+        <a:solidFill>
+          <a:schemeClr val="bg2"/>
+        </a:solidFill>
+        <a:effectLst/>
+      </p:bgPr>
+    </p:bg>
+    <p:spTree>
+      <p:nvGrpSpPr>
+        <p:cNvPr id="1" name=""/>
+        <p:cNvGrpSpPr/>
+        <p:nvPr/>
+      </p:nvGrpSpPr>
+      <p:grpSpPr>
+        <a:xfrm>
+          <a:off x="0" y="0"/>
+          <a:ext cx="0" cy="0"/>
+          <a:chOff x="0" y="0"/>
+          <a:chExt cx="0" cy="0"/>
+        </a:xfrm>
+      </p:grpSpPr>
+      <p:sp useBgFill="1">
+        <p:nvSpPr>
+          <p:cNvPr id="151" name="Rectangle 150">
+            <a:extLst>
+              <a:ext uri="{FF2B5EF4-FFF2-40B4-BE49-F238E27FC236}">
+                <a16:creationId xmlns:a16="http://schemas.microsoft.com/office/drawing/2014/main" id="{DB66C9CD-6BF4-44CA-8078-0BB819080761}"/>
+              </a:ext>
+              <a:ext uri="{C183D7F6-B498-43B3-948B-1728B52AA6E4}">
+                <adec:decorative xmlns:adec="http://schemas.microsoft.com/office/drawing/2017/decorative" val="1"/>
+              </a:ext>
+            </a:extLst>
+          </p:cNvPr>
+          <p:cNvSpPr>
+            <a:spLocks noGrp="1" noRot="1" noChangeAspect="1" noMove="1" noResize="1" noEditPoints="1" noAdjustHandles="1" noChangeArrowheads="1" noChangeShapeType="1" noTextEdit="1"/>
+          </p:cNvSpPr>
+          <p:nvPr>
+            <p:extLst>
+              <p:ext uri="{386F3935-93C4-4BCD-93E2-E3B085C9AB24}">
+                <p16:designElem xmlns:p16="http://schemas.microsoft.com/office/powerpoint/2015/main" val="1"/>
+              </p:ext>
+            </p:extLst>
+          </p:nvPr>
+        </p:nvSpPr>
+        <p:spPr>
+          <a:xfrm>
+            <a:off x="0" y="0"/>
+            <a:ext cx="12192000" cy="6858000"/>
+          </a:xfrm>
+          <a:prstGeom prst="rect">
+            <a:avLst/>
+          </a:prstGeom>
+          <a:ln w="12700" cap="flat" cmpd="sng" algn="ctr">
+            <a:noFill/>
+            <a:prstDash val="solid"/>
+            <a:miter lim="800000"/>
+          </a:ln>
+          <a:effectLst/>
+          <a:extLst>
+            <a:ext uri="{91240B29-F687-4F45-9708-019B960494DF}">
+              <a14:hiddenLine xmlns:a14="http://schemas.microsoft.com/office/drawing/2010/main" w="12700" cap="flat" cmpd="sng" algn="ctr">
+                <a:solidFill>
+                  <a:schemeClr val="accent1">
+                    <a:shade val="50000"/>
+                  </a:schemeClr>
+                </a:solidFill>
+                <a:prstDash val="solid"/>
+                <a:miter lim="800000"/>
+              </a14:hiddenLine>
+            </a:ext>
+          </a:extLst>
+        </p:spPr>
+        <p:style>
+          <a:lnRef idx="2">
+            <a:schemeClr val="accent1">
+              <a:shade val="50000"/>
+            </a:schemeClr>
+          </a:lnRef>
+          <a:fillRef idx="1">
+            <a:schemeClr val="accent1"/>
+          </a:fillRef>
+          <a:effectRef idx="0">
+            <a:schemeClr val="accent1"/>
+          </a:effectRef>
+          <a:fontRef idx="minor">
+            <a:schemeClr val="lt1"/>
+          </a:fontRef>
+        </p:style>
+        <p:txBody>
+          <a:bodyPr rtlCol="0" anchor="ctr"/>
+          <a:lstStyle/>
+          <a:p>
+            <a:pPr algn="ctr"/>
+            <a:endParaRPr lang="en-US"/>
+          </a:p>
+        </p:txBody>
+      </p:sp>
+      <p:sp>
+        <p:nvSpPr>
+          <p:cNvPr id="2" name="כותרת 1">
+            <a:extLst>
+              <a:ext uri="{FF2B5EF4-FFF2-40B4-BE49-F238E27FC236}">
+                <a16:creationId xmlns:a16="http://schemas.microsoft.com/office/drawing/2014/main" id="{5C1253EA-DD0D-4C43-BE11-E17ABD7D0188}"/>
+              </a:ext>
+            </a:extLst>
+          </p:cNvPr>
+          <p:cNvSpPr>
+            <a:spLocks noGrp="1"/>
+          </p:cNvSpPr>
+          <p:nvPr>
+            <p:ph type="title"/>
+          </p:nvPr>
+        </p:nvSpPr>
+        <p:spPr>
+          <a:xfrm>
+            <a:off x="524788" y="540032"/>
+            <a:ext cx="5537206" cy="1331605"/>
+          </a:xfrm>
+        </p:spPr>
+        <p:txBody>
+          <a:bodyPr vert="horz" lIns="0" tIns="0" rIns="0" bIns="0" rtlCol="0" anchor="b" anchorCtr="0">
+            <a:noAutofit/>
+          </a:bodyPr>
+          <a:lstStyle/>
+          <a:p>
+            <a:pPr rtl="1">
+              <a:lnSpc>
+                <a:spcPct val="90000"/>
+              </a:lnSpc>
+            </a:pPr>
+            <a:r>
+              <a:rPr lang="he-IL" sz="2400" dirty="0">
+                <a:latin typeface="Calibri" panose="020F0502020204030204" pitchFamily="34" charset="0"/>
+                <a:ea typeface="+mn-ea"/>
+                <a:cs typeface="Calibri" panose="020F0502020204030204" pitchFamily="34" charset="0"/>
+              </a:rPr>
+              <a:t>כיצד נתמוך בהתראות בזמן אמת </a:t>
+            </a:r>
+            <a:br>
+              <a:rPr lang="en-US" sz="2400" dirty="0">
+                <a:latin typeface="Calibri" panose="020F0502020204030204" pitchFamily="34" charset="0"/>
+                <a:ea typeface="+mn-ea"/>
+                <a:cs typeface="Calibri" panose="020F0502020204030204" pitchFamily="34" charset="0"/>
+              </a:rPr>
+            </a:br>
+            <a:r>
+              <a:rPr lang="he-IL" sz="2400" dirty="0">
+                <a:latin typeface="Calibri" panose="020F0502020204030204" pitchFamily="34" charset="0"/>
+                <a:ea typeface="+mn-ea"/>
+                <a:cs typeface="Calibri" panose="020F0502020204030204" pitchFamily="34" charset="0"/>
+              </a:rPr>
+              <a:t>ללא תמיכה בפרוטוקול </a:t>
+            </a:r>
+            <a:r>
+              <a:rPr lang="en-US" sz="2400" dirty="0" err="1">
+                <a:latin typeface="Calibri" panose="020F0502020204030204" pitchFamily="34" charset="0"/>
+                <a:ea typeface="+mn-ea"/>
+                <a:cs typeface="Calibri" panose="020F0502020204030204" pitchFamily="34" charset="0"/>
+              </a:rPr>
+              <a:t>websocket</a:t>
+            </a:r>
+            <a:r>
+              <a:rPr lang="he-IL" sz="2400" dirty="0">
+                <a:latin typeface="Calibri" panose="020F0502020204030204" pitchFamily="34" charset="0"/>
+                <a:ea typeface="+mn-ea"/>
+                <a:cs typeface="Calibri" panose="020F0502020204030204" pitchFamily="34" charset="0"/>
+              </a:rPr>
+              <a:t> ?</a:t>
+            </a:r>
+            <a:endParaRPr lang="en-US" sz="2400" dirty="0">
+              <a:latin typeface="Calibri" panose="020F0502020204030204" pitchFamily="34" charset="0"/>
+              <a:ea typeface="+mn-ea"/>
+              <a:cs typeface="Calibri" panose="020F0502020204030204" pitchFamily="34" charset="0"/>
+            </a:endParaRPr>
+          </a:p>
+        </p:txBody>
+      </p:sp>
+      <p:cxnSp>
+        <p:nvCxnSpPr>
+          <p:cNvPr id="153" name="Straight Connector 152">
+            <a:extLst>
+              <a:ext uri="{FF2B5EF4-FFF2-40B4-BE49-F238E27FC236}">
+                <a16:creationId xmlns:a16="http://schemas.microsoft.com/office/drawing/2014/main" id="{77C6DF49-CBE3-4038-AC78-35DE4FD7CE8E}"/>
+              </a:ext>
+              <a:ext uri="{C183D7F6-B498-43B3-948B-1728B52AA6E4}">
+                <adec:decorative xmlns:adec="http://schemas.microsoft.com/office/drawing/2017/decorative" val="1"/>
+              </a:ext>
+            </a:extLst>
+          </p:cNvPr>
+          <p:cNvCxnSpPr>
+            <a:cxnSpLocks noGrp="1" noRot="1" noChangeAspect="1" noMove="1" noResize="1" noEditPoints="1" noAdjustHandles="1" noChangeArrowheads="1" noChangeShapeType="1"/>
+          </p:cNvCxnSpPr>
+          <p:nvPr>
+            <p:extLst>
+              <p:ext uri="{386F3935-93C4-4BCD-93E2-E3B085C9AB24}">
+                <p16:designElem xmlns:p16="http://schemas.microsoft.com/office/powerpoint/2015/main" val="1"/>
+              </p:ext>
+            </p:extLst>
+          </p:nvPr>
+        </p:nvCxnSpPr>
+        <p:spPr>
+          <a:xfrm>
+            <a:off x="3023391" y="2310207"/>
+            <a:ext cx="540000" cy="0"/>
+          </a:xfrm>
+          <a:prstGeom prst="line">
+            <a:avLst/>
+          </a:prstGeom>
+          <a:ln w="12700">
+            <a:solidFill>
+              <a:schemeClr val="tx1"/>
+            </a:solidFill>
+          </a:ln>
+        </p:spPr>
+        <p:style>
+          <a:lnRef idx="1">
+            <a:schemeClr val="accent1"/>
+          </a:lnRef>
+          <a:fillRef idx="0">
+            <a:schemeClr val="accent1"/>
+          </a:fillRef>
+          <a:effectRef idx="0">
+            <a:schemeClr val="accent1"/>
+          </a:effectRef>
+          <a:fontRef idx="minor">
+            <a:schemeClr val="tx1"/>
+          </a:fontRef>
+        </p:style>
+      </p:cxnSp>
+      <p:sp>
+        <p:nvSpPr>
+          <p:cNvPr id="4" name="תיבת טקסט 3">
+            <a:extLst>
+              <a:ext uri="{FF2B5EF4-FFF2-40B4-BE49-F238E27FC236}">
+                <a16:creationId xmlns:a16="http://schemas.microsoft.com/office/drawing/2014/main" id="{D33E593E-FD97-4E17-87DD-4A783D8682C5}"/>
+              </a:ext>
+            </a:extLst>
+          </p:cNvPr>
+          <p:cNvSpPr txBox="1"/>
+          <p:nvPr/>
+        </p:nvSpPr>
+        <p:spPr>
+          <a:xfrm>
+            <a:off x="1" y="2506886"/>
+            <a:ext cx="6654794" cy="4092967"/>
+          </a:xfrm>
+          <a:prstGeom prst="rect">
+            <a:avLst/>
+          </a:prstGeom>
+        </p:spPr>
+        <p:txBody>
+          <a:bodyPr vert="horz" lIns="0" tIns="0" rIns="0" bIns="0" rtlCol="0" anchor="t" anchorCtr="0">
+            <a:normAutofit/>
+          </a:bodyPr>
+          <a:lstStyle/>
+          <a:p>
+            <a:pPr algn="r">
+              <a:lnSpc>
+                <a:spcPct val="115000"/>
+              </a:lnSpc>
+              <a:spcAft>
+                <a:spcPts val="600"/>
+              </a:spcAft>
+              <a:buClr>
+                <a:schemeClr val="accent1">
+                  <a:lumMod val="60000"/>
+                  <a:lumOff val="40000"/>
+                </a:schemeClr>
+              </a:buClr>
+            </a:pPr>
+            <a:endParaRPr lang="en-US" sz="1600" dirty="0">
+              <a:solidFill>
+                <a:schemeClr val="tx1">
+                  <a:alpha val="70000"/>
+                </a:schemeClr>
+              </a:solidFill>
+              <a:latin typeface="Calibri" panose="020F0502020204030204" pitchFamily="34" charset="0"/>
+              <a:cs typeface="Calibri" panose="020F0502020204030204" pitchFamily="34" charset="0"/>
+            </a:endParaRPr>
+          </a:p>
+        </p:txBody>
+      </p:sp>
+      <p:sp>
+        <p:nvSpPr>
+          <p:cNvPr id="155" name="Rectangle 154">
+            <a:extLst>
+              <a:ext uri="{FF2B5EF4-FFF2-40B4-BE49-F238E27FC236}">
+                <a16:creationId xmlns:a16="http://schemas.microsoft.com/office/drawing/2014/main" id="{AA11AC2B-E0EE-4BB9-8BC1-EC5DA9DBEE30}"/>
+              </a:ext>
+              <a:ext uri="{C183D7F6-B498-43B3-948B-1728B52AA6E4}">
+                <adec:decorative xmlns:adec="http://schemas.microsoft.com/office/drawing/2017/decorative" val="1"/>
+              </a:ext>
+            </a:extLst>
+          </p:cNvPr>
+          <p:cNvSpPr>
+            <a:spLocks noGrp="1" noRot="1" noChangeAspect="1" noMove="1" noResize="1" noEditPoints="1" noAdjustHandles="1" noChangeArrowheads="1" noChangeShapeType="1" noTextEdit="1"/>
+          </p:cNvSpPr>
+          <p:nvPr>
+            <p:extLst>
+              <p:ext uri="{386F3935-93C4-4BCD-93E2-E3B085C9AB24}">
+                <p16:designElem xmlns:p16="http://schemas.microsoft.com/office/powerpoint/2015/main" val="1"/>
+              </p:ext>
+            </p:extLst>
+          </p:nvPr>
+        </p:nvSpPr>
+        <p:spPr>
+          <a:xfrm>
+            <a:off x="6654794" y="0"/>
+            <a:ext cx="5537206" cy="6858000"/>
+          </a:xfrm>
+          <a:prstGeom prst="rect">
+            <a:avLst/>
+          </a:prstGeom>
+          <a:solidFill>
+            <a:schemeClr val="bg1">
+              <a:alpha val="20000"/>
+            </a:schemeClr>
+          </a:solidFill>
+          <a:ln w="12700" cap="flat" cmpd="sng" algn="ctr">
+            <a:noFill/>
+            <a:prstDash val="solid"/>
+            <a:miter lim="800000"/>
+          </a:ln>
+          <a:effectLst/>
+        </p:spPr>
+        <p:style>
+          <a:lnRef idx="2">
+            <a:schemeClr val="accent1">
+              <a:shade val="50000"/>
+            </a:schemeClr>
+          </a:lnRef>
+          <a:fillRef idx="1">
+            <a:schemeClr val="accent1"/>
+          </a:fillRef>
+          <a:effectRef idx="0">
+            <a:schemeClr val="accent1"/>
+          </a:effectRef>
+          <a:fontRef idx="minor">
+            <a:schemeClr val="lt1"/>
+          </a:fontRef>
+        </p:style>
+        <p:txBody>
+          <a:bodyPr rtlCol="0" anchor="ctr"/>
+          <a:lstStyle/>
+          <a:p>
+            <a:pPr algn="ctr"/>
+            <a:endParaRPr lang="en-US">
+              <a:solidFill>
+                <a:schemeClr val="bg1">
+                  <a:alpha val="20000"/>
+                </a:schemeClr>
+              </a:solidFill>
+            </a:endParaRPr>
+          </a:p>
+        </p:txBody>
+      </p:sp>
+      <p:sp>
+        <p:nvSpPr>
+          <p:cNvPr id="3" name="תיבת טקסט 2">
+            <a:extLst>
+              <a:ext uri="{FF2B5EF4-FFF2-40B4-BE49-F238E27FC236}">
+                <a16:creationId xmlns:a16="http://schemas.microsoft.com/office/drawing/2014/main" id="{22876421-6F7B-4C0C-93CE-1A696F668AC4}"/>
+              </a:ext>
+            </a:extLst>
+          </p:cNvPr>
+          <p:cNvSpPr txBox="1"/>
+          <p:nvPr/>
+        </p:nvSpPr>
+        <p:spPr>
+          <a:xfrm>
+            <a:off x="1" y="2430720"/>
+            <a:ext cx="6654792" cy="1424749"/>
+          </a:xfrm>
+          <a:prstGeom prst="rect">
+            <a:avLst/>
+          </a:prstGeom>
+          <a:noFill/>
+        </p:spPr>
+        <p:txBody>
+          <a:bodyPr wrap="square" rtlCol="1">
+            <a:spAutoFit/>
+          </a:bodyPr>
+          <a:lstStyle/>
+          <a:p>
+            <a:pPr algn="r">
+              <a:lnSpc>
+                <a:spcPct val="115000"/>
+              </a:lnSpc>
+              <a:spcAft>
+                <a:spcPts val="600"/>
+              </a:spcAft>
+              <a:buClr>
+                <a:schemeClr val="accent1">
+                  <a:lumMod val="60000"/>
+                  <a:lumOff val="40000"/>
+                </a:schemeClr>
+              </a:buClr>
+            </a:pPr>
+            <a:r>
+              <a:rPr lang="he-IL" dirty="0">
+                <a:solidFill>
+                  <a:schemeClr val="tx1">
+                    <a:alpha val="70000"/>
+                  </a:schemeClr>
+                </a:solidFill>
+                <a:latin typeface="Calibri" panose="020F0502020204030204" pitchFamily="34" charset="0"/>
+                <a:cs typeface="Calibri" panose="020F0502020204030204" pitchFamily="34" charset="0"/>
+              </a:rPr>
+              <a:t>נרצה לממש את תבנית ה </a:t>
+            </a:r>
+            <a:r>
+              <a:rPr lang="en-US" dirty="0">
+                <a:solidFill>
+                  <a:schemeClr val="tx1">
+                    <a:alpha val="70000"/>
+                  </a:schemeClr>
+                </a:solidFill>
+                <a:latin typeface="Calibri" panose="020F0502020204030204" pitchFamily="34" charset="0"/>
+                <a:cs typeface="Calibri" panose="020F0502020204030204" pitchFamily="34" charset="0"/>
+              </a:rPr>
+              <a:t>Observer</a:t>
+            </a:r>
+            <a:r>
+              <a:rPr lang="he-IL" dirty="0">
+                <a:solidFill>
+                  <a:schemeClr val="tx1">
+                    <a:alpha val="70000"/>
+                  </a:schemeClr>
+                </a:solidFill>
+                <a:latin typeface="Calibri" panose="020F0502020204030204" pitchFamily="34" charset="0"/>
+                <a:cs typeface="Calibri" panose="020F0502020204030204" pitchFamily="34" charset="0"/>
+              </a:rPr>
+              <a:t> ולשם כך נוסיף רכיב שיהיה אחראי על ביצוע ההרשמה לאירועים ועל התראות למאזינים.</a:t>
+            </a:r>
+          </a:p>
+          <a:p>
+            <a:pPr algn="r">
+              <a:lnSpc>
+                <a:spcPct val="115000"/>
+              </a:lnSpc>
+              <a:spcAft>
+                <a:spcPts val="600"/>
+              </a:spcAft>
+              <a:buClr>
+                <a:schemeClr val="accent1">
+                  <a:lumMod val="60000"/>
+                  <a:lumOff val="40000"/>
+                </a:schemeClr>
+              </a:buClr>
+            </a:pPr>
+            <a:r>
+              <a:rPr lang="he-IL" dirty="0">
+                <a:solidFill>
+                  <a:schemeClr val="tx1">
+                    <a:alpha val="70000"/>
+                  </a:schemeClr>
+                </a:solidFill>
+                <a:latin typeface="Calibri" panose="020F0502020204030204" pitchFamily="34" charset="0"/>
+                <a:cs typeface="Calibri" panose="020F0502020204030204" pitchFamily="34" charset="0"/>
+              </a:rPr>
+              <a:t>נתחזק וננהל ברכיב זה את תורי המאזינים הרשומים לאירועים השונים, כדי לאפשר את שליחת ההתרעות לגורמים המתאימים.</a:t>
+            </a:r>
+          </a:p>
+        </p:txBody>
+      </p:sp>
+      <p:pic>
+        <p:nvPicPr>
+          <p:cNvPr id="7" name="תמונה 6">
+            <a:extLst>
+              <a:ext uri="{FF2B5EF4-FFF2-40B4-BE49-F238E27FC236}">
+                <a16:creationId xmlns:a16="http://schemas.microsoft.com/office/drawing/2014/main" id="{4521EA35-DDEB-4D3D-A586-C9E706E9C123}"/>
+              </a:ext>
+            </a:extLst>
+          </p:cNvPr>
+          <p:cNvPicPr>
+            <a:picLocks noChangeAspect="1"/>
+          </p:cNvPicPr>
+          <p:nvPr/>
+        </p:nvPicPr>
+        <p:blipFill>
+          <a:blip r:embed="rId2"/>
+          <a:stretch>
+            <a:fillRect/>
+          </a:stretch>
+        </p:blipFill>
+        <p:spPr>
+          <a:xfrm>
+            <a:off x="7170056" y="3143094"/>
+            <a:ext cx="4099001" cy="3456883"/>
+          </a:xfrm>
+          <a:prstGeom prst="rect">
+            <a:avLst/>
+          </a:prstGeom>
+        </p:spPr>
+      </p:pic>
+      <p:pic>
+        <p:nvPicPr>
+          <p:cNvPr id="2052" name="Picture 4" descr="שעון עם פרצוף המום">
+            <a:extLst>
+              <a:ext uri="{FF2B5EF4-FFF2-40B4-BE49-F238E27FC236}">
+                <a16:creationId xmlns:a16="http://schemas.microsoft.com/office/drawing/2014/main" id="{B6A56480-EA7F-45D5-80E8-BC3BC0CA444F}"/>
+              </a:ext>
+            </a:extLst>
+          </p:cNvPr>
+          <p:cNvPicPr>
+            <a:picLocks noChangeAspect="1" noChangeArrowheads="1"/>
+          </p:cNvPicPr>
+          <p:nvPr/>
+        </p:nvPicPr>
+        <p:blipFill>
+          <a:blip r:embed="rId3">
+            <a:extLst>
+              <a:ext uri="{28A0092B-C50C-407E-A947-70E740481C1C}">
+                <a14:useLocalDpi xmlns:a14="http://schemas.microsoft.com/office/drawing/2010/main" val="0"/>
+              </a:ext>
+            </a:extLst>
+          </a:blip>
+          <a:srcRect/>
+          <a:stretch>
+            <a:fillRect/>
+          </a:stretch>
+        </p:blipFill>
+        <p:spPr bwMode="auto">
+          <a:xfrm>
+            <a:off x="7963391" y="630765"/>
+            <a:ext cx="2512329" cy="2512329"/>
+          </a:xfrm>
+          <a:prstGeom prst="rect">
+            <a:avLst/>
+          </a:prstGeom>
+          <a:noFill/>
+          <a:extLst>
+            <a:ext uri="{909E8E84-426E-40DD-AFC4-6F175D3DCCD1}">
+              <a14:hiddenFill xmlns:a14="http://schemas.microsoft.com/office/drawing/2010/main">
+                <a:solidFill>
+                  <a:srgbClr val="FFFFFF"/>
+                </a:solidFill>
+              </a14:hiddenFill>
+            </a:ext>
+          </a:extLst>
+        </p:spPr>
+      </p:pic>
+    </p:spTree>
+    <p:extLst>
+      <p:ext uri="{BB962C8B-B14F-4D97-AF65-F5344CB8AC3E}">
+        <p14:creationId xmlns:p14="http://schemas.microsoft.com/office/powerpoint/2010/main" val="3959390348"/>
+      </p:ext>
+    </p:extLst>
+  </p:cSld>
+  <p:clrMapOvr>
+    <a:masterClrMapping/>
+  </p:clrMapOvr>
+  <p:timing>
+    <p:tnLst>
+      <p:par>
+        <p:cTn id="1" dur="indefinite" restart="never" nodeType="tmRoot">
+          <p:childTnLst>
+            <p:seq concurrent="1" nextAc="seek">
+              <p:cTn id="2" dur="indefinite" nodeType="mainSeq">
+                <p:childTnLst>
+                  <p:par>
+                    <p:cTn id="3" fill="hold">
+                      <p:stCondLst>
+                        <p:cond delay="indefinite"/>
+                      </p:stCondLst>
+                      <p:childTnLst>
+                        <p:par>
+                          <p:cTn id="4" fill="hold">
+                            <p:stCondLst>
+                              <p:cond delay="0"/>
+                            </p:stCondLst>
+                            <p:childTnLst>
+                              <p:par>
+                                <p:cTn id="5" presetID="10" presetClass="entr" presetSubtype="0" fill="hold" grpId="0" nodeType="clickEffect" nodePh="1">
+                                  <p:stCondLst>
+                                    <p:cond delay="0"/>
+                                  </p:stCondLst>
+                                  <p:endCondLst>
+                                    <p:cond evt="begin" delay="0">
+                                      <p:tn val="5"/>
+                                    </p:cond>
+                                  </p:endCondLst>
+                                  <p:childTnLst>
+                                    <p:set>
+                                      <p:cBhvr>
+                                        <p:cTn id="6" dur="1" fill="hold">
+                                          <p:stCondLst>
+                                            <p:cond delay="0"/>
+                                          </p:stCondLst>
+                                        </p:cTn>
+                                        <p:tgtEl>
+                                          <p:spTgt spid="4"/>
+                                        </p:tgtEl>
+                                        <p:attrNameLst>
+                                          <p:attrName>style.visibility</p:attrName>
+                                        </p:attrNameLst>
+                                      </p:cBhvr>
+                                      <p:to>
+                                        <p:strVal val="visible"/>
+                                      </p:to>
+                                    </p:set>
+                                    <p:animEffect transition="in" filter="fade">
+                                      <p:cBhvr>
+                                        <p:cTn id="7" dur="500"/>
+                                        <p:tgtEl>
+                                          <p:spTgt spid="4"/>
+                                        </p:tgtEl>
+                                      </p:cBhvr>
+                                    </p:animEffect>
+                                  </p:childTnLst>
+                                </p:cTn>
+                              </p:par>
+                            </p:childTnLst>
+                          </p:cTn>
+                        </p:par>
+                      </p:childTnLst>
+                    </p:cTn>
+                  </p:par>
+                </p:childTnLst>
+              </p:cTn>
+              <p:prevCondLst>
+                <p:cond evt="onPrev" delay="0">
+                  <p:tgtEl>
+                    <p:sldTgt/>
+                  </p:tgtEl>
+                </p:cond>
+              </p:prevCondLst>
+              <p:nextCondLst>
+                <p:cond evt="onNext" delay="0">
+                  <p:tgtEl>
+                    <p:sldTgt/>
+                  </p:tgtEl>
+                </p:cond>
+              </p:nextCondLst>
+            </p:seq>
+          </p:childTnLst>
+        </p:cTn>
+      </p:par>
+    </p:tnLst>
+    <p:bldLst>
+      <p:bldP spid="4" grpId="0"/>
+    </p:bldLst>
+  </p:timing>
 </p:sld>
 </file>
 
